--- a/Keynote/Presentation.pptx
+++ b/Keynote/Presentation.pptx
@@ -2,12 +2,17 @@
 <file path=ppt/presentation.xml><?xml version="1.0" encoding="utf-8"?>
 <p:presentation xmlns:a="http://schemas.openxmlformats.org/drawingml/2006/main" xmlns:r="http://schemas.openxmlformats.org/officeDocument/2006/relationships" xmlns:p="http://schemas.openxmlformats.org/presentationml/2006/main" saveSubsetFonts="1">
   <p:sldMasterIdLst>
-    <p:sldMasterId id="2147483660" r:id="rId1"/>
+    <p:sldMasterId id="2147483780" r:id="rId1"/>
   </p:sldMasterIdLst>
   <p:sldIdLst>
     <p:sldId id="256" r:id="rId2"/>
+    <p:sldId id="259" r:id="rId3"/>
+    <p:sldId id="260" r:id="rId4"/>
+    <p:sldId id="261" r:id="rId5"/>
+    <p:sldId id="258" r:id="rId6"/>
+    <p:sldId id="262" r:id="rId7"/>
   </p:sldIdLst>
-  <p:sldSz cx="9144000" cy="6858000" type="screen4x3"/>
+  <p:sldSz cx="12192000" cy="6858000"/>
   <p:notesSz cx="6858000" cy="9144000"/>
   <p:defaultTextStyle>
     <a:defPPr>
@@ -115,7 +120,7 @@
 <file path=ppt/revisionInfo.xml><?xml version="1.0" encoding="utf-8"?>
 <p1510:revInfo xmlns:a="http://schemas.openxmlformats.org/drawingml/2006/main" xmlns:r="http://schemas.openxmlformats.org/officeDocument/2006/relationships" xmlns:p1510="http://schemas.microsoft.com/office/powerpoint/2015/10/main">
   <p1510:revLst>
-    <p1510:client id="{514C0551-2CF0-DC78-21CA-08003B5F871A}" v="56" dt="2024-12-13T09:52:25.424"/>
+    <p1510:client id="{9D6249EF-604D-E700-52D1-F2C581519397}" v="78" dt="2024-12-15T21:00:00.546"/>
   </p1510:revLst>
 </p1510:revInfo>
 </file>
@@ -149,15 +154,15 @@
         </p:nvSpPr>
         <p:spPr>
           <a:xfrm>
-            <a:off x="1143000" y="1122363"/>
-            <a:ext cx="6858000" cy="2387600"/>
+            <a:off x="914400" y="1122363"/>
+            <a:ext cx="10363200" cy="2387600"/>
           </a:xfrm>
         </p:spPr>
         <p:txBody>
           <a:bodyPr anchor="b"/>
           <a:lstStyle>
             <a:lvl1pPr algn="ctr">
-              <a:defRPr sz="4500"/>
+              <a:defRPr sz="6000"/>
             </a:lvl1pPr>
           </a:lstStyle>
           <a:p>
@@ -165,7 +170,6 @@
               <a:rPr lang="en-US"/>
               <a:t>Click to edit Master title style</a:t>
             </a:r>
-            <a:endParaRPr lang="en-US" dirty="0"/>
           </a:p>
         </p:txBody>
       </p:sp>
@@ -181,8 +185,8 @@
         </p:nvSpPr>
         <p:spPr>
           <a:xfrm>
-            <a:off x="1143000" y="3602038"/>
-            <a:ext cx="6858000" cy="1655762"/>
+            <a:off x="1524000" y="3602038"/>
+            <a:ext cx="9144000" cy="1655762"/>
           </a:xfrm>
         </p:spPr>
         <p:txBody>
@@ -190,39 +194,39 @@
           <a:lstStyle>
             <a:lvl1pPr marL="0" indent="0" algn="ctr">
               <a:buNone/>
+              <a:defRPr sz="2400"/>
+            </a:lvl1pPr>
+            <a:lvl2pPr marL="457200" indent="0" algn="ctr">
+              <a:buNone/>
+              <a:defRPr sz="2000"/>
+            </a:lvl2pPr>
+            <a:lvl3pPr marL="914400" indent="0" algn="ctr">
+              <a:buNone/>
               <a:defRPr sz="1800"/>
-            </a:lvl1pPr>
-            <a:lvl2pPr marL="342900" indent="0" algn="ctr">
-              <a:buNone/>
-              <a:defRPr sz="1500"/>
-            </a:lvl2pPr>
-            <a:lvl3pPr marL="685800" indent="0" algn="ctr">
-              <a:buNone/>
-              <a:defRPr sz="1350"/>
             </a:lvl3pPr>
-            <a:lvl4pPr marL="1028700" indent="0" algn="ctr">
-              <a:buNone/>
-              <a:defRPr sz="1200"/>
+            <a:lvl4pPr marL="1371600" indent="0" algn="ctr">
+              <a:buNone/>
+              <a:defRPr sz="1600"/>
             </a:lvl4pPr>
-            <a:lvl5pPr marL="1371600" indent="0" algn="ctr">
-              <a:buNone/>
-              <a:defRPr sz="1200"/>
+            <a:lvl5pPr marL="1828800" indent="0" algn="ctr">
+              <a:buNone/>
+              <a:defRPr sz="1600"/>
             </a:lvl5pPr>
-            <a:lvl6pPr marL="1714500" indent="0" algn="ctr">
-              <a:buNone/>
-              <a:defRPr sz="1200"/>
+            <a:lvl6pPr marL="2286000" indent="0" algn="ctr">
+              <a:buNone/>
+              <a:defRPr sz="1600"/>
             </a:lvl6pPr>
-            <a:lvl7pPr marL="2057400" indent="0" algn="ctr">
-              <a:buNone/>
-              <a:defRPr sz="1200"/>
+            <a:lvl7pPr marL="2743200" indent="0" algn="ctr">
+              <a:buNone/>
+              <a:defRPr sz="1600"/>
             </a:lvl7pPr>
-            <a:lvl8pPr marL="2400300" indent="0" algn="ctr">
-              <a:buNone/>
-              <a:defRPr sz="1200"/>
+            <a:lvl8pPr marL="3200400" indent="0" algn="ctr">
+              <a:buNone/>
+              <a:defRPr sz="1600"/>
             </a:lvl8pPr>
-            <a:lvl9pPr marL="2743200" indent="0" algn="ctr">
-              <a:buNone/>
-              <a:defRPr sz="1200"/>
+            <a:lvl9pPr marL="3657600" indent="0" algn="ctr">
+              <a:buNone/>
+              <a:defRPr sz="1600"/>
             </a:lvl9pPr>
           </a:lstStyle>
           <a:p>
@@ -230,7 +234,6 @@
               <a:rPr lang="en-US"/>
               <a:t>Click to edit Master subtitle style</a:t>
             </a:r>
-            <a:endParaRPr lang="en-US" dirty="0"/>
           </a:p>
         </p:txBody>
       </p:sp>
@@ -249,9 +252,9 @@
           <a:bodyPr/>
           <a:lstStyle/>
           <a:p>
-            <a:fld id="{846CE7D5-CF57-46EF-B807-FDD0502418D4}" type="datetimeFigureOut">
-              <a:rPr lang="en-US" smtClean="0"/>
-              <a:t>12/13/2024</a:t>
+            <a:fld id="{C764DE79-268F-4C1A-8933-263129D2AF90}" type="datetimeFigureOut">
+              <a:rPr lang="en-US" dirty="0"/>
+              <a:t>12/15/2024</a:t>
             </a:fld>
             <a:endParaRPr lang="en-US"/>
           </a:p>
@@ -291,8 +294,8 @@
           <a:bodyPr/>
           <a:lstStyle/>
           <a:p>
-            <a:fld id="{330EA680-D336-4FF7-8B7A-9848BB0A1C32}" type="slidenum">
-              <a:rPr lang="en-US" smtClean="0"/>
+            <a:fld id="{48F63A3B-78C7-47BE-AE5E-E10140E04643}" type="slidenum">
+              <a:rPr lang="en-US" dirty="0"/>
               <a:t>‹#›</a:t>
             </a:fld>
             <a:endParaRPr lang="en-US"/>
@@ -302,7 +305,7 @@
     </p:spTree>
     <p:extLst>
       <p:ext uri="{BB962C8B-B14F-4D97-AF65-F5344CB8AC3E}">
-        <p14:creationId xmlns:p14="http://schemas.microsoft.com/office/powerpoint/2010/main" val="2385387890"/>
+        <p14:creationId xmlns:p14="http://schemas.microsoft.com/office/powerpoint/2010/main" val="783875334"/>
       </p:ext>
     </p:extLst>
   </p:cSld>
@@ -348,7 +351,6 @@
               <a:rPr lang="en-US"/>
               <a:t>Click to edit Master title style</a:t>
             </a:r>
-            <a:endParaRPr lang="en-US" dirty="0"/>
           </a:p>
         </p:txBody>
       </p:sp>
@@ -400,7 +402,6 @@
               <a:rPr lang="en-US"/>
               <a:t>Fifth level</a:t>
             </a:r>
-            <a:endParaRPr lang="en-US" dirty="0"/>
           </a:p>
         </p:txBody>
       </p:sp>
@@ -419,9 +420,9 @@
           <a:bodyPr/>
           <a:lstStyle/>
           <a:p>
-            <a:fld id="{846CE7D5-CF57-46EF-B807-FDD0502418D4}" type="datetimeFigureOut">
-              <a:rPr lang="en-US" smtClean="0"/>
-              <a:t>12/13/2024</a:t>
+            <a:fld id="{C764DE79-268F-4C1A-8933-263129D2AF90}" type="datetimeFigureOut">
+              <a:rPr lang="en-US" dirty="0"/>
+              <a:t>12/15/2024</a:t>
             </a:fld>
             <a:endParaRPr lang="en-US"/>
           </a:p>
@@ -461,8 +462,8 @@
           <a:bodyPr/>
           <a:lstStyle/>
           <a:p>
-            <a:fld id="{330EA680-D336-4FF7-8B7A-9848BB0A1C32}" type="slidenum">
-              <a:rPr lang="en-US" smtClean="0"/>
+            <a:fld id="{48F63A3B-78C7-47BE-AE5E-E10140E04643}" type="slidenum">
+              <a:rPr lang="en-US" dirty="0"/>
               <a:t>‹#›</a:t>
             </a:fld>
             <a:endParaRPr lang="en-US"/>
@@ -472,7 +473,7 @@
     </p:spTree>
     <p:extLst>
       <p:ext uri="{BB962C8B-B14F-4D97-AF65-F5344CB8AC3E}">
-        <p14:creationId xmlns:p14="http://schemas.microsoft.com/office/powerpoint/2010/main" val="2202905451"/>
+        <p14:creationId xmlns:p14="http://schemas.microsoft.com/office/powerpoint/2010/main" val="3514591382"/>
       </p:ext>
     </p:extLst>
   </p:cSld>
@@ -511,8 +512,8 @@
         </p:nvSpPr>
         <p:spPr>
           <a:xfrm>
-            <a:off x="6543675" y="365125"/>
-            <a:ext cx="1971675" cy="5811838"/>
+            <a:off x="8724901" y="365125"/>
+            <a:ext cx="2628900" cy="5811838"/>
           </a:xfrm>
         </p:spPr>
         <p:txBody>
@@ -523,7 +524,6 @@
               <a:rPr lang="en-US"/>
               <a:t>Click to edit Master title style</a:t>
             </a:r>
-            <a:endParaRPr lang="en-US" dirty="0"/>
           </a:p>
         </p:txBody>
       </p:sp>
@@ -539,8 +539,8 @@
         </p:nvSpPr>
         <p:spPr>
           <a:xfrm>
-            <a:off x="628650" y="365125"/>
-            <a:ext cx="5800725" cy="5811838"/>
+            <a:off x="838201" y="365125"/>
+            <a:ext cx="7734300" cy="5811838"/>
           </a:xfrm>
         </p:spPr>
         <p:txBody>
@@ -580,7 +580,6 @@
               <a:rPr lang="en-US"/>
               <a:t>Fifth level</a:t>
             </a:r>
-            <a:endParaRPr lang="en-US" dirty="0"/>
           </a:p>
         </p:txBody>
       </p:sp>
@@ -599,9 +598,9 @@
           <a:bodyPr/>
           <a:lstStyle/>
           <a:p>
-            <a:fld id="{846CE7D5-CF57-46EF-B807-FDD0502418D4}" type="datetimeFigureOut">
-              <a:rPr lang="en-US" smtClean="0"/>
-              <a:t>12/13/2024</a:t>
+            <a:fld id="{C764DE79-268F-4C1A-8933-263129D2AF90}" type="datetimeFigureOut">
+              <a:rPr lang="en-US" dirty="0"/>
+              <a:t>12/15/2024</a:t>
             </a:fld>
             <a:endParaRPr lang="en-US"/>
           </a:p>
@@ -641,8 +640,8 @@
           <a:bodyPr/>
           <a:lstStyle/>
           <a:p>
-            <a:fld id="{330EA680-D336-4FF7-8B7A-9848BB0A1C32}" type="slidenum">
-              <a:rPr lang="en-US" smtClean="0"/>
+            <a:fld id="{48F63A3B-78C7-47BE-AE5E-E10140E04643}" type="slidenum">
+              <a:rPr lang="en-US" dirty="0"/>
               <a:t>‹#›</a:t>
             </a:fld>
             <a:endParaRPr lang="en-US"/>
@@ -652,7 +651,397 @@
     </p:spTree>
     <p:extLst>
       <p:ext uri="{BB962C8B-B14F-4D97-AF65-F5344CB8AC3E}">
-        <p14:creationId xmlns:p14="http://schemas.microsoft.com/office/powerpoint/2010/main" val="3479445657"/>
+        <p14:creationId xmlns:p14="http://schemas.microsoft.com/office/powerpoint/2010/main" val="2926076711"/>
+      </p:ext>
+    </p:extLst>
+  </p:cSld>
+  <p:clrMapOvr>
+    <a:masterClrMapping/>
+  </p:clrMapOvr>
+</p:sldLayout>
+</file>
+
+<file path=ppt/slideLayouts/slideLayout12.xml><?xml version="1.0" encoding="utf-8"?>
+<p:sldLayout xmlns:a="http://schemas.openxmlformats.org/drawingml/2006/main" xmlns:r="http://schemas.openxmlformats.org/officeDocument/2006/relationships" xmlns:p="http://schemas.openxmlformats.org/presentationml/2006/main" showMasterSp="0" preserve="1" userDrawn="1">
+  <p:cSld name="Title">
+    <p:spTree>
+      <p:nvGrpSpPr>
+        <p:cNvPr id="1" name=""/>
+        <p:cNvGrpSpPr/>
+        <p:nvPr/>
+      </p:nvGrpSpPr>
+      <p:grpSpPr>
+        <a:xfrm>
+          <a:off x="0" y="0"/>
+          <a:ext cx="0" cy="0"/>
+          <a:chOff x="0" y="0"/>
+          <a:chExt cx="0" cy="0"/>
+        </a:xfrm>
+      </p:grpSpPr>
+      <p:sp>
+        <p:nvSpPr>
+          <p:cNvPr id="6" name="Rectangle 5">
+            <a:extLst>
+              <a:ext uri="{FF2B5EF4-FFF2-40B4-BE49-F238E27FC236}">
+                <a16:creationId xmlns:a16="http://schemas.microsoft.com/office/drawing/2014/main" id="{00CF70A2-C0AD-4D28-B3EB-C43D221AD38B}"/>
+              </a:ext>
+              <a:ext uri="{C183D7F6-B498-43B3-948B-1728B52AA6E4}">
+                <adec:decorative xmlns:adec="http://schemas.microsoft.com/office/drawing/2017/decorative" val="1"/>
+              </a:ext>
+            </a:extLst>
+          </p:cNvPr>
+          <p:cNvSpPr/>
+          <p:nvPr userDrawn="1"/>
+        </p:nvSpPr>
+        <p:spPr>
+          <a:xfrm>
+            <a:off x="0" y="0"/>
+            <a:ext cx="12188952" cy="6858000"/>
+          </a:xfrm>
+          <a:prstGeom prst="rect">
+            <a:avLst/>
+          </a:prstGeom>
+          <a:solidFill>
+            <a:schemeClr val="bg2">
+              <a:lumMod val="90000"/>
+              <a:alpha val="70000"/>
+            </a:schemeClr>
+          </a:solidFill>
+          <a:ln>
+            <a:noFill/>
+          </a:ln>
+        </p:spPr>
+        <p:style>
+          <a:lnRef idx="2">
+            <a:schemeClr val="accent1">
+              <a:shade val="50000"/>
+            </a:schemeClr>
+          </a:lnRef>
+          <a:fillRef idx="1">
+            <a:schemeClr val="accent1"/>
+          </a:fillRef>
+          <a:effectRef idx="0">
+            <a:schemeClr val="accent1"/>
+          </a:effectRef>
+          <a:fontRef idx="minor">
+            <a:schemeClr val="lt1"/>
+          </a:fontRef>
+        </p:style>
+        <p:txBody>
+          <a:bodyPr rtlCol="0" anchor="ctr"/>
+          <a:lstStyle/>
+          <a:p>
+            <a:pPr algn="ctr"/>
+            <a:endParaRPr lang="en-US" sz="1350">
+              <a:solidFill>
+                <a:schemeClr val="tx1">
+                  <a:lumMod val="65000"/>
+                  <a:lumOff val="35000"/>
+                </a:schemeClr>
+              </a:solidFill>
+              <a:latin typeface="AvenirNext LT Pro Medium" panose="020B0504020202020204" pitchFamily="34" charset="0"/>
+            </a:endParaRPr>
+          </a:p>
+        </p:txBody>
+      </p:sp>
+      <p:grpSp>
+        <p:nvGrpSpPr>
+          <p:cNvPr id="7" name="Group 6">
+            <a:extLst>
+              <a:ext uri="{FF2B5EF4-FFF2-40B4-BE49-F238E27FC236}">
+                <a16:creationId xmlns:a16="http://schemas.microsoft.com/office/drawing/2014/main" id="{F3EE984A-7865-4092-9DD1-FA065CFE1A91}"/>
+              </a:ext>
+              <a:ext uri="{C183D7F6-B498-43B3-948B-1728B52AA6E4}">
+                <adec:decorative xmlns:adec="http://schemas.microsoft.com/office/drawing/2017/decorative" val="1"/>
+              </a:ext>
+            </a:extLst>
+          </p:cNvPr>
+          <p:cNvGrpSpPr/>
+          <p:nvPr userDrawn="1"/>
+        </p:nvGrpSpPr>
+        <p:grpSpPr>
+          <a:xfrm flipH="1">
+            <a:off x="2" y="0"/>
+            <a:ext cx="7724071" cy="6858000"/>
+            <a:chOff x="4464881" y="0"/>
+            <a:chExt cx="7724071" cy="6858000"/>
+          </a:xfrm>
+        </p:grpSpPr>
+        <p:pic>
+          <p:nvPicPr>
+            <p:cNvPr id="8" name="Picture 7" descr="A picture containing holding&#10;&#10;Description automatically generated">
+              <a:extLst>
+                <a:ext uri="{FF2B5EF4-FFF2-40B4-BE49-F238E27FC236}">
+                  <a16:creationId xmlns:a16="http://schemas.microsoft.com/office/drawing/2014/main" id="{3B8F172B-7E78-455D-98E3-82DF61843F08}"/>
+                </a:ext>
+              </a:extLst>
+            </p:cNvPr>
+            <p:cNvPicPr>
+              <a:picLocks noChangeAspect="1"/>
+            </p:cNvPicPr>
+            <p:nvPr/>
+          </p:nvPicPr>
+          <p:blipFill>
+            <a:blip r:embed="rId2">
+              <a:duotone>
+                <a:schemeClr val="accent6">
+                  <a:shade val="45000"/>
+                  <a:satMod val="135000"/>
+                </a:schemeClr>
+                <a:prstClr val="white"/>
+              </a:duotone>
+              <a:alphaModFix amt="15000"/>
+              <a:extLst>
+                <a:ext uri="{28A0092B-C50C-407E-A947-70E740481C1C}">
+                  <a14:useLocalDpi xmlns:a14="http://schemas.microsoft.com/office/drawing/2010/main" val="0"/>
+                </a:ext>
+              </a:extLst>
+            </a:blip>
+            <a:stretch>
+              <a:fillRect/>
+            </a:stretch>
+          </p:blipFill>
+          <p:spPr>
+            <a:xfrm>
+              <a:off x="7073255" y="0"/>
+              <a:ext cx="5115697" cy="6858000"/>
+            </a:xfrm>
+            <a:prstGeom prst="rect">
+              <a:avLst/>
+            </a:prstGeom>
+          </p:spPr>
+        </p:pic>
+        <p:pic>
+          <p:nvPicPr>
+            <p:cNvPr id="9" name="Picture 8" descr="A picture containing holding, flower&#10;&#10;Description automatically generated">
+              <a:extLst>
+                <a:ext uri="{FF2B5EF4-FFF2-40B4-BE49-F238E27FC236}">
+                  <a16:creationId xmlns:a16="http://schemas.microsoft.com/office/drawing/2014/main" id="{F50D9895-086D-4E52-B2BB-4B8D7993E503}"/>
+                </a:ext>
+              </a:extLst>
+            </p:cNvPr>
+            <p:cNvPicPr>
+              <a:picLocks noChangeAspect="1"/>
+            </p:cNvPicPr>
+            <p:nvPr/>
+          </p:nvPicPr>
+          <p:blipFill>
+            <a:blip r:embed="rId3">
+              <a:duotone>
+                <a:schemeClr val="accent6">
+                  <a:shade val="45000"/>
+                  <a:satMod val="135000"/>
+                </a:schemeClr>
+                <a:prstClr val="white"/>
+              </a:duotone>
+              <a:alphaModFix amt="7000"/>
+              <a:extLst>
+                <a:ext uri="{28A0092B-C50C-407E-A947-70E740481C1C}">
+                  <a14:useLocalDpi xmlns:a14="http://schemas.microsoft.com/office/drawing/2010/main" val="0"/>
+                </a:ext>
+              </a:extLst>
+            </a:blip>
+            <a:stretch>
+              <a:fillRect/>
+            </a:stretch>
+          </p:blipFill>
+          <p:spPr>
+            <a:xfrm rot="16200000">
+              <a:off x="5412135" y="-947254"/>
+              <a:ext cx="5562598" cy="7457106"/>
+            </a:xfrm>
+            <a:prstGeom prst="rect">
+              <a:avLst/>
+            </a:prstGeom>
+            <a:effectLst>
+              <a:softEdge rad="0"/>
+            </a:effectLst>
+          </p:spPr>
+        </p:pic>
+      </p:grpSp>
+      <p:sp>
+        <p:nvSpPr>
+          <p:cNvPr id="10" name="Rectangle 9">
+            <a:extLst>
+              <a:ext uri="{FF2B5EF4-FFF2-40B4-BE49-F238E27FC236}">
+                <a16:creationId xmlns:a16="http://schemas.microsoft.com/office/drawing/2014/main" id="{E441336E-0F59-4E8E-A2B5-D62EDA71808F}"/>
+              </a:ext>
+              <a:ext uri="{C183D7F6-B498-43B3-948B-1728B52AA6E4}">
+                <adec:decorative xmlns:adec="http://schemas.microsoft.com/office/drawing/2017/decorative" val="1"/>
+              </a:ext>
+            </a:extLst>
+          </p:cNvPr>
+          <p:cNvSpPr/>
+          <p:nvPr userDrawn="1"/>
+        </p:nvSpPr>
+        <p:spPr>
+          <a:xfrm>
+            <a:off x="713457" y="739602"/>
+            <a:ext cx="10768227" cy="5390959"/>
+          </a:xfrm>
+          <a:prstGeom prst="rect">
+            <a:avLst/>
+          </a:prstGeom>
+          <a:solidFill>
+            <a:schemeClr val="bg2"/>
+          </a:solidFill>
+          <a:ln>
+            <a:noFill/>
+          </a:ln>
+        </p:spPr>
+        <p:style>
+          <a:lnRef idx="2">
+            <a:schemeClr val="accent1">
+              <a:shade val="50000"/>
+            </a:schemeClr>
+          </a:lnRef>
+          <a:fillRef idx="1">
+            <a:schemeClr val="accent1"/>
+          </a:fillRef>
+          <a:effectRef idx="0">
+            <a:schemeClr val="accent1"/>
+          </a:effectRef>
+          <a:fontRef idx="minor">
+            <a:schemeClr val="lt1"/>
+          </a:fontRef>
+        </p:style>
+        <p:txBody>
+          <a:bodyPr rtlCol="0" anchor="ctr"/>
+          <a:lstStyle/>
+          <a:p>
+            <a:pPr algn="ctr"/>
+            <a:endParaRPr lang="en-US" sz="1350">
+              <a:solidFill>
+                <a:schemeClr val="tx1">
+                  <a:lumMod val="65000"/>
+                  <a:lumOff val="35000"/>
+                </a:schemeClr>
+              </a:solidFill>
+              <a:latin typeface="AvenirNext LT Pro Medium" panose="020B0504020202020204" pitchFamily="34" charset="0"/>
+            </a:endParaRPr>
+          </a:p>
+        </p:txBody>
+      </p:sp>
+      <p:sp>
+        <p:nvSpPr>
+          <p:cNvPr id="11" name="Title 1">
+            <a:extLst>
+              <a:ext uri="{FF2B5EF4-FFF2-40B4-BE49-F238E27FC236}">
+                <a16:creationId xmlns:a16="http://schemas.microsoft.com/office/drawing/2014/main" id="{27B873BD-A26D-4CB5-BED3-D95C908B8B24}"/>
+              </a:ext>
+            </a:extLst>
+          </p:cNvPr>
+          <p:cNvSpPr>
+            <a:spLocks noGrp="1"/>
+          </p:cNvSpPr>
+          <p:nvPr>
+            <p:ph type="ctrTitle"/>
+          </p:nvPr>
+        </p:nvSpPr>
+        <p:spPr>
+          <a:xfrm>
+            <a:off x="5943600" y="1066800"/>
+            <a:ext cx="5257800" cy="2833528"/>
+          </a:xfrm>
+        </p:spPr>
+        <p:txBody>
+          <a:bodyPr anchor="b">
+            <a:normAutofit/>
+          </a:bodyPr>
+          <a:lstStyle/>
+          <a:p>
+            <a:pPr algn="l">
+              <a:lnSpc>
+                <a:spcPct val="100000"/>
+              </a:lnSpc>
+            </a:pPr>
+            <a:endParaRPr lang="en-US" sz="3300" spc="90">
+              <a:cs typeface="Posterama" panose="020B0504020200020000" pitchFamily="34" charset="0"/>
+            </a:endParaRPr>
+          </a:p>
+        </p:txBody>
+      </p:sp>
+      <p:sp>
+        <p:nvSpPr>
+          <p:cNvPr id="12" name="Subtitle 2">
+            <a:extLst>
+              <a:ext uri="{FF2B5EF4-FFF2-40B4-BE49-F238E27FC236}">
+                <a16:creationId xmlns:a16="http://schemas.microsoft.com/office/drawing/2014/main" id="{EF5E2EC6-688E-4202-BA23-F29BE1145659}"/>
+              </a:ext>
+            </a:extLst>
+          </p:cNvPr>
+          <p:cNvSpPr>
+            <a:spLocks noGrp="1"/>
+          </p:cNvSpPr>
+          <p:nvPr>
+            <p:ph type="subTitle" idx="1"/>
+          </p:nvPr>
+        </p:nvSpPr>
+        <p:spPr>
+          <a:xfrm>
+            <a:off x="5943601" y="4074784"/>
+            <a:ext cx="5257799" cy="1640216"/>
+          </a:xfrm>
+        </p:spPr>
+        <p:txBody>
+          <a:bodyPr anchor="t">
+            <a:normAutofit/>
+          </a:bodyPr>
+          <a:lstStyle>
+            <a:lvl1pPr marL="0" indent="0">
+              <a:buNone/>
+              <a:defRPr/>
+            </a:lvl1pPr>
+          </a:lstStyle>
+          <a:p>
+            <a:pPr algn="l">
+              <a:lnSpc>
+                <a:spcPct val="110000"/>
+              </a:lnSpc>
+            </a:pPr>
+            <a:endParaRPr lang="en-US" sz="1650">
+              <a:cs typeface="Segoe UI Semilight" panose="020B0402040204020203" pitchFamily="34" charset="0"/>
+            </a:endParaRPr>
+          </a:p>
+        </p:txBody>
+      </p:sp>
+      <p:sp>
+        <p:nvSpPr>
+          <p:cNvPr id="15" name="Picture Placeholder 14">
+            <a:extLst>
+              <a:ext uri="{FF2B5EF4-FFF2-40B4-BE49-F238E27FC236}">
+                <a16:creationId xmlns:a16="http://schemas.microsoft.com/office/drawing/2014/main" id="{D8709CFE-7328-4CEC-A7C8-D6C8B18D6CD9}"/>
+              </a:ext>
+            </a:extLst>
+          </p:cNvPr>
+          <p:cNvSpPr>
+            <a:spLocks noGrp="1"/>
+          </p:cNvSpPr>
+          <p:nvPr>
+            <p:ph type="pic" sz="quarter" idx="13"/>
+          </p:nvPr>
+        </p:nvSpPr>
+        <p:spPr>
+          <a:xfrm>
+            <a:off x="713232" y="740664"/>
+            <a:ext cx="4745736" cy="5394960"/>
+          </a:xfrm>
+          <a:solidFill>
+            <a:schemeClr val="accent6"/>
+          </a:solidFill>
+        </p:spPr>
+        <p:txBody>
+          <a:bodyPr/>
+          <a:lstStyle/>
+          <a:p>
+            <a:endParaRPr lang="en-US"/>
+          </a:p>
+        </p:txBody>
+      </p:sp>
+    </p:spTree>
+    <p:extLst>
+      <p:ext uri="{BB962C8B-B14F-4D97-AF65-F5344CB8AC3E}">
+        <p14:creationId xmlns:p14="http://schemas.microsoft.com/office/powerpoint/2010/main" val="1445831377"/>
       </p:ext>
     </p:extLst>
   </p:cSld>
@@ -698,7 +1087,6 @@
               <a:rPr lang="en-US"/>
               <a:t>Click to edit Master title style</a:t>
             </a:r>
-            <a:endParaRPr lang="en-US" dirty="0"/>
           </a:p>
         </p:txBody>
       </p:sp>
@@ -750,7 +1138,6 @@
               <a:rPr lang="en-US"/>
               <a:t>Fifth level</a:t>
             </a:r>
-            <a:endParaRPr lang="en-US" dirty="0"/>
           </a:p>
         </p:txBody>
       </p:sp>
@@ -769,9 +1156,9 @@
           <a:bodyPr/>
           <a:lstStyle/>
           <a:p>
-            <a:fld id="{846CE7D5-CF57-46EF-B807-FDD0502418D4}" type="datetimeFigureOut">
-              <a:rPr lang="en-US" smtClean="0"/>
-              <a:t>12/13/2024</a:t>
+            <a:fld id="{C764DE79-268F-4C1A-8933-263129D2AF90}" type="datetimeFigureOut">
+              <a:rPr lang="en-US" dirty="0"/>
+              <a:t>12/15/2024</a:t>
             </a:fld>
             <a:endParaRPr lang="en-US"/>
           </a:p>
@@ -811,8 +1198,8 @@
           <a:bodyPr/>
           <a:lstStyle/>
           <a:p>
-            <a:fld id="{330EA680-D336-4FF7-8B7A-9848BB0A1C32}" type="slidenum">
-              <a:rPr lang="en-US" smtClean="0"/>
+            <a:fld id="{48F63A3B-78C7-47BE-AE5E-E10140E04643}" type="slidenum">
+              <a:rPr lang="en-US" dirty="0"/>
               <a:t>‹#›</a:t>
             </a:fld>
             <a:endParaRPr lang="en-US"/>
@@ -822,7 +1209,7 @@
     </p:spTree>
     <p:extLst>
       <p:ext uri="{BB962C8B-B14F-4D97-AF65-F5344CB8AC3E}">
-        <p14:creationId xmlns:p14="http://schemas.microsoft.com/office/powerpoint/2010/main" val="949138452"/>
+        <p14:creationId xmlns:p14="http://schemas.microsoft.com/office/powerpoint/2010/main" val="3323212355"/>
       </p:ext>
     </p:extLst>
   </p:cSld>
@@ -861,15 +1248,15 @@
         </p:nvSpPr>
         <p:spPr>
           <a:xfrm>
-            <a:off x="623888" y="1709739"/>
-            <a:ext cx="7886700" cy="2852737"/>
+            <a:off x="831851" y="1709740"/>
+            <a:ext cx="10515600" cy="2852737"/>
           </a:xfrm>
         </p:spPr>
         <p:txBody>
           <a:bodyPr anchor="b"/>
           <a:lstStyle>
             <a:lvl1pPr>
-              <a:defRPr sz="4500"/>
+              <a:defRPr sz="6000"/>
             </a:lvl1pPr>
           </a:lstStyle>
           <a:p>
@@ -877,7 +1264,6 @@
               <a:rPr lang="en-US"/>
               <a:t>Click to edit Master title style</a:t>
             </a:r>
-            <a:endParaRPr lang="en-US" dirty="0"/>
           </a:p>
         </p:txBody>
       </p:sp>
@@ -893,8 +1279,8 @@
         </p:nvSpPr>
         <p:spPr>
           <a:xfrm>
-            <a:off x="623888" y="4589464"/>
-            <a:ext cx="7886700" cy="1500187"/>
+            <a:off x="831851" y="4589465"/>
+            <a:ext cx="10515600" cy="1500187"/>
           </a:xfrm>
         </p:spPr>
         <p:txBody>
@@ -902,90 +1288,88 @@
           <a:lstStyle>
             <a:lvl1pPr marL="0" indent="0">
               <a:buNone/>
-              <a:defRPr sz="1800">
+              <a:defRPr sz="2400">
                 <a:solidFill>
-                  <a:schemeClr val="tx1">
-                    <a:tint val="82000"/>
-                  </a:schemeClr>
+                  <a:schemeClr val="tx1"/>
                 </a:solidFill>
               </a:defRPr>
             </a:lvl1pPr>
-            <a:lvl2pPr marL="342900" indent="0">
-              <a:buNone/>
-              <a:defRPr sz="1500">
+            <a:lvl2pPr marL="457200" indent="0">
+              <a:buNone/>
+              <a:defRPr sz="2000">
                 <a:solidFill>
                   <a:schemeClr val="tx1">
-                    <a:tint val="82000"/>
+                    <a:tint val="75000"/>
                   </a:schemeClr>
                 </a:solidFill>
               </a:defRPr>
             </a:lvl2pPr>
-            <a:lvl3pPr marL="685800" indent="0">
-              <a:buNone/>
-              <a:defRPr sz="1350">
+            <a:lvl3pPr marL="914400" indent="0">
+              <a:buNone/>
+              <a:defRPr sz="1800">
                 <a:solidFill>
                   <a:schemeClr val="tx1">
-                    <a:tint val="82000"/>
+                    <a:tint val="75000"/>
                   </a:schemeClr>
                 </a:solidFill>
               </a:defRPr>
             </a:lvl3pPr>
-            <a:lvl4pPr marL="1028700" indent="0">
-              <a:buNone/>
-              <a:defRPr sz="1200">
+            <a:lvl4pPr marL="1371600" indent="0">
+              <a:buNone/>
+              <a:defRPr sz="1600">
                 <a:solidFill>
                   <a:schemeClr val="tx1">
-                    <a:tint val="82000"/>
+                    <a:tint val="75000"/>
                   </a:schemeClr>
                 </a:solidFill>
               </a:defRPr>
             </a:lvl4pPr>
-            <a:lvl5pPr marL="1371600" indent="0">
-              <a:buNone/>
-              <a:defRPr sz="1200">
+            <a:lvl5pPr marL="1828800" indent="0">
+              <a:buNone/>
+              <a:defRPr sz="1600">
                 <a:solidFill>
                   <a:schemeClr val="tx1">
-                    <a:tint val="82000"/>
+                    <a:tint val="75000"/>
                   </a:schemeClr>
                 </a:solidFill>
               </a:defRPr>
             </a:lvl5pPr>
-            <a:lvl6pPr marL="1714500" indent="0">
-              <a:buNone/>
-              <a:defRPr sz="1200">
+            <a:lvl6pPr marL="2286000" indent="0">
+              <a:buNone/>
+              <a:defRPr sz="1600">
                 <a:solidFill>
                   <a:schemeClr val="tx1">
-                    <a:tint val="82000"/>
+                    <a:tint val="75000"/>
                   </a:schemeClr>
                 </a:solidFill>
               </a:defRPr>
             </a:lvl6pPr>
-            <a:lvl7pPr marL="2057400" indent="0">
-              <a:buNone/>
-              <a:defRPr sz="1200">
+            <a:lvl7pPr marL="2743200" indent="0">
+              <a:buNone/>
+              <a:defRPr sz="1600">
                 <a:solidFill>
                   <a:schemeClr val="tx1">
-                    <a:tint val="82000"/>
+                    <a:tint val="75000"/>
                   </a:schemeClr>
                 </a:solidFill>
               </a:defRPr>
             </a:lvl7pPr>
-            <a:lvl8pPr marL="2400300" indent="0">
-              <a:buNone/>
-              <a:defRPr sz="1200">
+            <a:lvl8pPr marL="3200400" indent="0">
+              <a:buNone/>
+              <a:defRPr sz="1600">
                 <a:solidFill>
                   <a:schemeClr val="tx1">
-                    <a:tint val="82000"/>
+                    <a:tint val="75000"/>
                   </a:schemeClr>
                 </a:solidFill>
               </a:defRPr>
             </a:lvl8pPr>
-            <a:lvl9pPr marL="2743200" indent="0">
-              <a:buNone/>
-              <a:defRPr sz="1200">
+            <a:lvl9pPr marL="3657600" indent="0">
+              <a:buNone/>
+              <a:defRPr sz="1600">
                 <a:solidFill>
                   <a:schemeClr val="tx1">
-                    <a:tint val="82000"/>
+                    <a:tint val="75000"/>
                   </a:schemeClr>
                 </a:solidFill>
               </a:defRPr>
@@ -1015,9 +1399,9 @@
           <a:bodyPr/>
           <a:lstStyle/>
           <a:p>
-            <a:fld id="{846CE7D5-CF57-46EF-B807-FDD0502418D4}" type="datetimeFigureOut">
-              <a:rPr lang="en-US" smtClean="0"/>
-              <a:t>12/13/2024</a:t>
+            <a:fld id="{C764DE79-268F-4C1A-8933-263129D2AF90}" type="datetimeFigureOut">
+              <a:rPr lang="en-US" dirty="0"/>
+              <a:t>12/15/2024</a:t>
             </a:fld>
             <a:endParaRPr lang="en-US"/>
           </a:p>
@@ -1057,8 +1441,8 @@
           <a:bodyPr/>
           <a:lstStyle/>
           <a:p>
-            <a:fld id="{330EA680-D336-4FF7-8B7A-9848BB0A1C32}" type="slidenum">
-              <a:rPr lang="en-US" smtClean="0"/>
+            <a:fld id="{48F63A3B-78C7-47BE-AE5E-E10140E04643}" type="slidenum">
+              <a:rPr lang="en-US" dirty="0"/>
               <a:t>‹#›</a:t>
             </a:fld>
             <a:endParaRPr lang="en-US"/>
@@ -1068,7 +1452,7 @@
     </p:spTree>
     <p:extLst>
       <p:ext uri="{BB962C8B-B14F-4D97-AF65-F5344CB8AC3E}">
-        <p14:creationId xmlns:p14="http://schemas.microsoft.com/office/powerpoint/2010/main" val="2591524520"/>
+        <p14:creationId xmlns:p14="http://schemas.microsoft.com/office/powerpoint/2010/main" val="2899347993"/>
       </p:ext>
     </p:extLst>
   </p:cSld>
@@ -1114,7 +1498,6 @@
               <a:rPr lang="en-US"/>
               <a:t>Click to edit Master title style</a:t>
             </a:r>
-            <a:endParaRPr lang="en-US" dirty="0"/>
           </a:p>
         </p:txBody>
       </p:sp>
@@ -1130,8 +1513,8 @@
         </p:nvSpPr>
         <p:spPr>
           <a:xfrm>
-            <a:off x="628650" y="1825625"/>
-            <a:ext cx="3886200" cy="4351338"/>
+            <a:off x="838200" y="1825625"/>
+            <a:ext cx="5181600" cy="4351338"/>
           </a:xfrm>
         </p:spPr>
         <p:txBody>
@@ -1171,7 +1554,6 @@
               <a:rPr lang="en-US"/>
               <a:t>Fifth level</a:t>
             </a:r>
-            <a:endParaRPr lang="en-US" dirty="0"/>
           </a:p>
         </p:txBody>
       </p:sp>
@@ -1187,8 +1569,8 @@
         </p:nvSpPr>
         <p:spPr>
           <a:xfrm>
-            <a:off x="4629150" y="1825625"/>
-            <a:ext cx="3886200" cy="4351338"/>
+            <a:off x="6172200" y="1825625"/>
+            <a:ext cx="5181600" cy="4351338"/>
           </a:xfrm>
         </p:spPr>
         <p:txBody>
@@ -1228,7 +1610,6 @@
               <a:rPr lang="en-US"/>
               <a:t>Fifth level</a:t>
             </a:r>
-            <a:endParaRPr lang="en-US" dirty="0"/>
           </a:p>
         </p:txBody>
       </p:sp>
@@ -1247,9 +1628,9 @@
           <a:bodyPr/>
           <a:lstStyle/>
           <a:p>
-            <a:fld id="{846CE7D5-CF57-46EF-B807-FDD0502418D4}" type="datetimeFigureOut">
-              <a:rPr lang="en-US" smtClean="0"/>
-              <a:t>12/13/2024</a:t>
+            <a:fld id="{C764DE79-268F-4C1A-8933-263129D2AF90}" type="datetimeFigureOut">
+              <a:rPr lang="en-US" dirty="0"/>
+              <a:t>12/15/2024</a:t>
             </a:fld>
             <a:endParaRPr lang="en-US"/>
           </a:p>
@@ -1289,8 +1670,8 @@
           <a:bodyPr/>
           <a:lstStyle/>
           <a:p>
-            <a:fld id="{330EA680-D336-4FF7-8B7A-9848BB0A1C32}" type="slidenum">
-              <a:rPr lang="en-US" smtClean="0"/>
+            <a:fld id="{48F63A3B-78C7-47BE-AE5E-E10140E04643}" type="slidenum">
+              <a:rPr lang="en-US" dirty="0"/>
               <a:t>‹#›</a:t>
             </a:fld>
             <a:endParaRPr lang="en-US"/>
@@ -1300,7 +1681,7 @@
     </p:spTree>
     <p:extLst>
       <p:ext uri="{BB962C8B-B14F-4D97-AF65-F5344CB8AC3E}">
-        <p14:creationId xmlns:p14="http://schemas.microsoft.com/office/powerpoint/2010/main" val="1203092039"/>
+        <p14:creationId xmlns:p14="http://schemas.microsoft.com/office/powerpoint/2010/main" val="819732569"/>
       </p:ext>
     </p:extLst>
   </p:cSld>
@@ -1339,8 +1720,8 @@
         </p:nvSpPr>
         <p:spPr>
           <a:xfrm>
-            <a:off x="629841" y="365126"/>
-            <a:ext cx="7886700" cy="1325563"/>
+            <a:off x="839788" y="365127"/>
+            <a:ext cx="10515600" cy="1325563"/>
           </a:xfrm>
         </p:spPr>
         <p:txBody>
@@ -1351,7 +1732,6 @@
               <a:rPr lang="en-US"/>
               <a:t>Click to edit Master title style</a:t>
             </a:r>
-            <a:endParaRPr lang="en-US" dirty="0"/>
           </a:p>
         </p:txBody>
       </p:sp>
@@ -1367,8 +1747,8 @@
         </p:nvSpPr>
         <p:spPr>
           <a:xfrm>
-            <a:off x="629842" y="1681163"/>
-            <a:ext cx="3868340" cy="823912"/>
+            <a:off x="839789" y="1681163"/>
+            <a:ext cx="5157787" cy="823912"/>
           </a:xfrm>
         </p:spPr>
         <p:txBody>
@@ -1376,39 +1756,39 @@
           <a:lstStyle>
             <a:lvl1pPr marL="0" indent="0">
               <a:buNone/>
+              <a:defRPr sz="2400" b="1"/>
+            </a:lvl1pPr>
+            <a:lvl2pPr marL="457200" indent="0">
+              <a:buNone/>
+              <a:defRPr sz="2000" b="1"/>
+            </a:lvl2pPr>
+            <a:lvl3pPr marL="914400" indent="0">
+              <a:buNone/>
               <a:defRPr sz="1800" b="1"/>
-            </a:lvl1pPr>
-            <a:lvl2pPr marL="342900" indent="0">
-              <a:buNone/>
-              <a:defRPr sz="1500" b="1"/>
-            </a:lvl2pPr>
-            <a:lvl3pPr marL="685800" indent="0">
-              <a:buNone/>
-              <a:defRPr sz="1350" b="1"/>
             </a:lvl3pPr>
-            <a:lvl4pPr marL="1028700" indent="0">
-              <a:buNone/>
-              <a:defRPr sz="1200" b="1"/>
+            <a:lvl4pPr marL="1371600" indent="0">
+              <a:buNone/>
+              <a:defRPr sz="1600" b="1"/>
             </a:lvl4pPr>
-            <a:lvl5pPr marL="1371600" indent="0">
-              <a:buNone/>
-              <a:defRPr sz="1200" b="1"/>
+            <a:lvl5pPr marL="1828800" indent="0">
+              <a:buNone/>
+              <a:defRPr sz="1600" b="1"/>
             </a:lvl5pPr>
-            <a:lvl6pPr marL="1714500" indent="0">
-              <a:buNone/>
-              <a:defRPr sz="1200" b="1"/>
+            <a:lvl6pPr marL="2286000" indent="0">
+              <a:buNone/>
+              <a:defRPr sz="1600" b="1"/>
             </a:lvl6pPr>
-            <a:lvl7pPr marL="2057400" indent="0">
-              <a:buNone/>
-              <a:defRPr sz="1200" b="1"/>
+            <a:lvl7pPr marL="2743200" indent="0">
+              <a:buNone/>
+              <a:defRPr sz="1600" b="1"/>
             </a:lvl7pPr>
-            <a:lvl8pPr marL="2400300" indent="0">
-              <a:buNone/>
-              <a:defRPr sz="1200" b="1"/>
+            <a:lvl8pPr marL="3200400" indent="0">
+              <a:buNone/>
+              <a:defRPr sz="1600" b="1"/>
             </a:lvl8pPr>
-            <a:lvl9pPr marL="2743200" indent="0">
-              <a:buNone/>
-              <a:defRPr sz="1200" b="1"/>
+            <a:lvl9pPr marL="3657600" indent="0">
+              <a:buNone/>
+              <a:defRPr sz="1600" b="1"/>
             </a:lvl9pPr>
           </a:lstStyle>
           <a:p>
@@ -1432,8 +1812,8 @@
         </p:nvSpPr>
         <p:spPr>
           <a:xfrm>
-            <a:off x="629842" y="2505075"/>
-            <a:ext cx="3868340" cy="3684588"/>
+            <a:off x="839789" y="2505075"/>
+            <a:ext cx="5157787" cy="3684588"/>
           </a:xfrm>
         </p:spPr>
         <p:txBody>
@@ -1473,7 +1853,6 @@
               <a:rPr lang="en-US"/>
               <a:t>Fifth level</a:t>
             </a:r>
-            <a:endParaRPr lang="en-US" dirty="0"/>
           </a:p>
         </p:txBody>
       </p:sp>
@@ -1489,8 +1868,8 @@
         </p:nvSpPr>
         <p:spPr>
           <a:xfrm>
-            <a:off x="4629150" y="1681163"/>
-            <a:ext cx="3887391" cy="823912"/>
+            <a:off x="6172201" y="1681163"/>
+            <a:ext cx="5183188" cy="823912"/>
           </a:xfrm>
         </p:spPr>
         <p:txBody>
@@ -1498,39 +1877,39 @@
           <a:lstStyle>
             <a:lvl1pPr marL="0" indent="0">
               <a:buNone/>
+              <a:defRPr sz="2400" b="1"/>
+            </a:lvl1pPr>
+            <a:lvl2pPr marL="457200" indent="0">
+              <a:buNone/>
+              <a:defRPr sz="2000" b="1"/>
+            </a:lvl2pPr>
+            <a:lvl3pPr marL="914400" indent="0">
+              <a:buNone/>
               <a:defRPr sz="1800" b="1"/>
-            </a:lvl1pPr>
-            <a:lvl2pPr marL="342900" indent="0">
-              <a:buNone/>
-              <a:defRPr sz="1500" b="1"/>
-            </a:lvl2pPr>
-            <a:lvl3pPr marL="685800" indent="0">
-              <a:buNone/>
-              <a:defRPr sz="1350" b="1"/>
             </a:lvl3pPr>
-            <a:lvl4pPr marL="1028700" indent="0">
-              <a:buNone/>
-              <a:defRPr sz="1200" b="1"/>
+            <a:lvl4pPr marL="1371600" indent="0">
+              <a:buNone/>
+              <a:defRPr sz="1600" b="1"/>
             </a:lvl4pPr>
-            <a:lvl5pPr marL="1371600" indent="0">
-              <a:buNone/>
-              <a:defRPr sz="1200" b="1"/>
+            <a:lvl5pPr marL="1828800" indent="0">
+              <a:buNone/>
+              <a:defRPr sz="1600" b="1"/>
             </a:lvl5pPr>
-            <a:lvl6pPr marL="1714500" indent="0">
-              <a:buNone/>
-              <a:defRPr sz="1200" b="1"/>
+            <a:lvl6pPr marL="2286000" indent="0">
+              <a:buNone/>
+              <a:defRPr sz="1600" b="1"/>
             </a:lvl6pPr>
-            <a:lvl7pPr marL="2057400" indent="0">
-              <a:buNone/>
-              <a:defRPr sz="1200" b="1"/>
+            <a:lvl7pPr marL="2743200" indent="0">
+              <a:buNone/>
+              <a:defRPr sz="1600" b="1"/>
             </a:lvl7pPr>
-            <a:lvl8pPr marL="2400300" indent="0">
-              <a:buNone/>
-              <a:defRPr sz="1200" b="1"/>
+            <a:lvl8pPr marL="3200400" indent="0">
+              <a:buNone/>
+              <a:defRPr sz="1600" b="1"/>
             </a:lvl8pPr>
-            <a:lvl9pPr marL="2743200" indent="0">
-              <a:buNone/>
-              <a:defRPr sz="1200" b="1"/>
+            <a:lvl9pPr marL="3657600" indent="0">
+              <a:buNone/>
+              <a:defRPr sz="1600" b="1"/>
             </a:lvl9pPr>
           </a:lstStyle>
           <a:p>
@@ -1554,8 +1933,8 @@
         </p:nvSpPr>
         <p:spPr>
           <a:xfrm>
-            <a:off x="4629150" y="2505075"/>
-            <a:ext cx="3887391" cy="3684588"/>
+            <a:off x="6172201" y="2505075"/>
+            <a:ext cx="5183188" cy="3684588"/>
           </a:xfrm>
         </p:spPr>
         <p:txBody>
@@ -1595,7 +1974,6 @@
               <a:rPr lang="en-US"/>
               <a:t>Fifth level</a:t>
             </a:r>
-            <a:endParaRPr lang="en-US" dirty="0"/>
           </a:p>
         </p:txBody>
       </p:sp>
@@ -1614,9 +1992,9 @@
           <a:bodyPr/>
           <a:lstStyle/>
           <a:p>
-            <a:fld id="{846CE7D5-CF57-46EF-B807-FDD0502418D4}" type="datetimeFigureOut">
-              <a:rPr lang="en-US" smtClean="0"/>
-              <a:t>12/13/2024</a:t>
+            <a:fld id="{C764DE79-268F-4C1A-8933-263129D2AF90}" type="datetimeFigureOut">
+              <a:rPr lang="en-US" dirty="0"/>
+              <a:t>12/15/2024</a:t>
             </a:fld>
             <a:endParaRPr lang="en-US"/>
           </a:p>
@@ -1656,8 +2034,8 @@
           <a:bodyPr/>
           <a:lstStyle/>
           <a:p>
-            <a:fld id="{330EA680-D336-4FF7-8B7A-9848BB0A1C32}" type="slidenum">
-              <a:rPr lang="en-US" smtClean="0"/>
+            <a:fld id="{48F63A3B-78C7-47BE-AE5E-E10140E04643}" type="slidenum">
+              <a:rPr lang="en-US" dirty="0"/>
               <a:t>‹#›</a:t>
             </a:fld>
             <a:endParaRPr lang="en-US"/>
@@ -1667,7 +2045,7 @@
     </p:spTree>
     <p:extLst>
       <p:ext uri="{BB962C8B-B14F-4D97-AF65-F5344CB8AC3E}">
-        <p14:creationId xmlns:p14="http://schemas.microsoft.com/office/powerpoint/2010/main" val="3733172339"/>
+        <p14:creationId xmlns:p14="http://schemas.microsoft.com/office/powerpoint/2010/main" val="2299041974"/>
       </p:ext>
     </p:extLst>
   </p:cSld>
@@ -1713,7 +2091,6 @@
               <a:rPr lang="en-US"/>
               <a:t>Click to edit Master title style</a:t>
             </a:r>
-            <a:endParaRPr lang="en-US" dirty="0"/>
           </a:p>
         </p:txBody>
       </p:sp>
@@ -1732,9 +2109,9 @@
           <a:bodyPr/>
           <a:lstStyle/>
           <a:p>
-            <a:fld id="{846CE7D5-CF57-46EF-B807-FDD0502418D4}" type="datetimeFigureOut">
-              <a:rPr lang="en-US" smtClean="0"/>
-              <a:t>12/13/2024</a:t>
+            <a:fld id="{C764DE79-268F-4C1A-8933-263129D2AF90}" type="datetimeFigureOut">
+              <a:rPr lang="en-US" dirty="0"/>
+              <a:t>12/15/2024</a:t>
             </a:fld>
             <a:endParaRPr lang="en-US"/>
           </a:p>
@@ -1774,8 +2151,8 @@
           <a:bodyPr/>
           <a:lstStyle/>
           <a:p>
-            <a:fld id="{330EA680-D336-4FF7-8B7A-9848BB0A1C32}" type="slidenum">
-              <a:rPr lang="en-US" smtClean="0"/>
+            <a:fld id="{48F63A3B-78C7-47BE-AE5E-E10140E04643}" type="slidenum">
+              <a:rPr lang="en-US" dirty="0"/>
               <a:t>‹#›</a:t>
             </a:fld>
             <a:endParaRPr lang="en-US"/>
@@ -1785,7 +2162,7 @@
     </p:spTree>
     <p:extLst>
       <p:ext uri="{BB962C8B-B14F-4D97-AF65-F5344CB8AC3E}">
-        <p14:creationId xmlns:p14="http://schemas.microsoft.com/office/powerpoint/2010/main" val="3210312558"/>
+        <p14:creationId xmlns:p14="http://schemas.microsoft.com/office/powerpoint/2010/main" val="24673404"/>
       </p:ext>
     </p:extLst>
   </p:cSld>
@@ -1827,9 +2204,9 @@
           <a:bodyPr/>
           <a:lstStyle/>
           <a:p>
-            <a:fld id="{846CE7D5-CF57-46EF-B807-FDD0502418D4}" type="datetimeFigureOut">
-              <a:rPr lang="en-US" smtClean="0"/>
-              <a:t>12/13/2024</a:t>
+            <a:fld id="{C764DE79-268F-4C1A-8933-263129D2AF90}" type="datetimeFigureOut">
+              <a:rPr lang="en-US" dirty="0"/>
+              <a:t>12/15/2024</a:t>
             </a:fld>
             <a:endParaRPr lang="en-US"/>
           </a:p>
@@ -1869,8 +2246,8 @@
           <a:bodyPr/>
           <a:lstStyle/>
           <a:p>
-            <a:fld id="{330EA680-D336-4FF7-8B7A-9848BB0A1C32}" type="slidenum">
-              <a:rPr lang="en-US" smtClean="0"/>
+            <a:fld id="{48F63A3B-78C7-47BE-AE5E-E10140E04643}" type="slidenum">
+              <a:rPr lang="en-US" dirty="0"/>
               <a:t>‹#›</a:t>
             </a:fld>
             <a:endParaRPr lang="en-US"/>
@@ -1880,7 +2257,7 @@
     </p:spTree>
     <p:extLst>
       <p:ext uri="{BB962C8B-B14F-4D97-AF65-F5344CB8AC3E}">
-        <p14:creationId xmlns:p14="http://schemas.microsoft.com/office/powerpoint/2010/main" val="3146388984"/>
+        <p14:creationId xmlns:p14="http://schemas.microsoft.com/office/powerpoint/2010/main" val="506077400"/>
       </p:ext>
     </p:extLst>
   </p:cSld>
@@ -1919,15 +2296,15 @@
         </p:nvSpPr>
         <p:spPr>
           <a:xfrm>
-            <a:off x="629841" y="457200"/>
-            <a:ext cx="2949178" cy="1600200"/>
+            <a:off x="839788" y="457200"/>
+            <a:ext cx="3932237" cy="1600200"/>
           </a:xfrm>
         </p:spPr>
         <p:txBody>
           <a:bodyPr anchor="b"/>
           <a:lstStyle>
             <a:lvl1pPr>
-              <a:defRPr sz="2400"/>
+              <a:defRPr sz="3200"/>
             </a:lvl1pPr>
           </a:lstStyle>
           <a:p>
@@ -1935,7 +2312,6 @@
               <a:rPr lang="en-US"/>
               <a:t>Click to edit Master title style</a:t>
             </a:r>
-            <a:endParaRPr lang="en-US" dirty="0"/>
           </a:p>
         </p:txBody>
       </p:sp>
@@ -1951,39 +2327,39 @@
         </p:nvSpPr>
         <p:spPr>
           <a:xfrm>
-            <a:off x="3887391" y="987426"/>
-            <a:ext cx="4629150" cy="4873625"/>
+            <a:off x="5183188" y="987427"/>
+            <a:ext cx="6172200" cy="4873625"/>
           </a:xfrm>
         </p:spPr>
         <p:txBody>
           <a:bodyPr/>
           <a:lstStyle>
             <a:lvl1pPr>
-              <a:defRPr sz="2400"/>
+              <a:defRPr sz="3200"/>
             </a:lvl1pPr>
             <a:lvl2pPr>
-              <a:defRPr sz="2100"/>
+              <a:defRPr sz="2800"/>
             </a:lvl2pPr>
             <a:lvl3pPr>
-              <a:defRPr sz="1800"/>
+              <a:defRPr sz="2400"/>
             </a:lvl3pPr>
             <a:lvl4pPr>
-              <a:defRPr sz="1500"/>
+              <a:defRPr sz="2000"/>
             </a:lvl4pPr>
             <a:lvl5pPr>
-              <a:defRPr sz="1500"/>
+              <a:defRPr sz="2000"/>
             </a:lvl5pPr>
             <a:lvl6pPr>
-              <a:defRPr sz="1500"/>
+              <a:defRPr sz="2000"/>
             </a:lvl6pPr>
             <a:lvl7pPr>
-              <a:defRPr sz="1500"/>
+              <a:defRPr sz="2000"/>
             </a:lvl7pPr>
             <a:lvl8pPr>
-              <a:defRPr sz="1500"/>
+              <a:defRPr sz="2000"/>
             </a:lvl8pPr>
             <a:lvl9pPr>
-              <a:defRPr sz="1500"/>
+              <a:defRPr sz="2000"/>
             </a:lvl9pPr>
           </a:lstStyle>
           <a:p>
@@ -2020,7 +2396,6 @@
               <a:rPr lang="en-US"/>
               <a:t>Fifth level</a:t>
             </a:r>
-            <a:endParaRPr lang="en-US" dirty="0"/>
           </a:p>
         </p:txBody>
       </p:sp>
@@ -2036,8 +2411,8 @@
         </p:nvSpPr>
         <p:spPr>
           <a:xfrm>
-            <a:off x="629841" y="2057400"/>
-            <a:ext cx="2949178" cy="3811588"/>
+            <a:off x="839788" y="2057400"/>
+            <a:ext cx="3932237" cy="3811588"/>
           </a:xfrm>
         </p:spPr>
         <p:txBody>
@@ -2045,39 +2420,39 @@
           <a:lstStyle>
             <a:lvl1pPr marL="0" indent="0">
               <a:buNone/>
+              <a:defRPr sz="1600"/>
+            </a:lvl1pPr>
+            <a:lvl2pPr marL="457200" indent="0">
+              <a:buNone/>
+              <a:defRPr sz="1400"/>
+            </a:lvl2pPr>
+            <a:lvl3pPr marL="914400" indent="0">
+              <a:buNone/>
               <a:defRPr sz="1200"/>
-            </a:lvl1pPr>
-            <a:lvl2pPr marL="342900" indent="0">
-              <a:buNone/>
-              <a:defRPr sz="1050"/>
-            </a:lvl2pPr>
-            <a:lvl3pPr marL="685800" indent="0">
-              <a:buNone/>
-              <a:defRPr sz="900"/>
             </a:lvl3pPr>
-            <a:lvl4pPr marL="1028700" indent="0">
-              <a:buNone/>
-              <a:defRPr sz="750"/>
+            <a:lvl4pPr marL="1371600" indent="0">
+              <a:buNone/>
+              <a:defRPr sz="1000"/>
             </a:lvl4pPr>
-            <a:lvl5pPr marL="1371600" indent="0">
-              <a:buNone/>
-              <a:defRPr sz="750"/>
+            <a:lvl5pPr marL="1828800" indent="0">
+              <a:buNone/>
+              <a:defRPr sz="1000"/>
             </a:lvl5pPr>
-            <a:lvl6pPr marL="1714500" indent="0">
-              <a:buNone/>
-              <a:defRPr sz="750"/>
+            <a:lvl6pPr marL="2286000" indent="0">
+              <a:buNone/>
+              <a:defRPr sz="1000"/>
             </a:lvl6pPr>
-            <a:lvl7pPr marL="2057400" indent="0">
-              <a:buNone/>
-              <a:defRPr sz="750"/>
+            <a:lvl7pPr marL="2743200" indent="0">
+              <a:buNone/>
+              <a:defRPr sz="1000"/>
             </a:lvl7pPr>
-            <a:lvl8pPr marL="2400300" indent="0">
-              <a:buNone/>
-              <a:defRPr sz="750"/>
+            <a:lvl8pPr marL="3200400" indent="0">
+              <a:buNone/>
+              <a:defRPr sz="1000"/>
             </a:lvl8pPr>
-            <a:lvl9pPr marL="2743200" indent="0">
-              <a:buNone/>
-              <a:defRPr sz="750"/>
+            <a:lvl9pPr marL="3657600" indent="0">
+              <a:buNone/>
+              <a:defRPr sz="1000"/>
             </a:lvl9pPr>
           </a:lstStyle>
           <a:p>
@@ -2104,9 +2479,9 @@
           <a:bodyPr/>
           <a:lstStyle/>
           <a:p>
-            <a:fld id="{846CE7D5-CF57-46EF-B807-FDD0502418D4}" type="datetimeFigureOut">
-              <a:rPr lang="en-US" smtClean="0"/>
-              <a:t>12/13/2024</a:t>
+            <a:fld id="{C764DE79-268F-4C1A-8933-263129D2AF90}" type="datetimeFigureOut">
+              <a:rPr lang="en-US" dirty="0"/>
+              <a:t>12/15/2024</a:t>
             </a:fld>
             <a:endParaRPr lang="en-US"/>
           </a:p>
@@ -2146,8 +2521,8 @@
           <a:bodyPr/>
           <a:lstStyle/>
           <a:p>
-            <a:fld id="{330EA680-D336-4FF7-8B7A-9848BB0A1C32}" type="slidenum">
-              <a:rPr lang="en-US" smtClean="0"/>
+            <a:fld id="{48F63A3B-78C7-47BE-AE5E-E10140E04643}" type="slidenum">
+              <a:rPr lang="en-US" dirty="0"/>
               <a:t>‹#›</a:t>
             </a:fld>
             <a:endParaRPr lang="en-US"/>
@@ -2157,7 +2532,7 @@
     </p:spTree>
     <p:extLst>
       <p:ext uri="{BB962C8B-B14F-4D97-AF65-F5344CB8AC3E}">
-        <p14:creationId xmlns:p14="http://schemas.microsoft.com/office/powerpoint/2010/main" val="3171841454"/>
+        <p14:creationId xmlns:p14="http://schemas.microsoft.com/office/powerpoint/2010/main" val="642331981"/>
       </p:ext>
     </p:extLst>
   </p:cSld>
@@ -2196,15 +2571,15 @@
         </p:nvSpPr>
         <p:spPr>
           <a:xfrm>
-            <a:off x="629841" y="457200"/>
-            <a:ext cx="2949178" cy="1600200"/>
+            <a:off x="839788" y="457200"/>
+            <a:ext cx="3932237" cy="1600200"/>
           </a:xfrm>
         </p:spPr>
         <p:txBody>
           <a:bodyPr anchor="b"/>
           <a:lstStyle>
             <a:lvl1pPr>
-              <a:defRPr sz="2400"/>
+              <a:defRPr sz="3200"/>
             </a:lvl1pPr>
           </a:lstStyle>
           <a:p>
@@ -2212,7 +2587,6 @@
               <a:rPr lang="en-US"/>
               <a:t>Click to edit Master title style</a:t>
             </a:r>
-            <a:endParaRPr lang="en-US" dirty="0"/>
           </a:p>
         </p:txBody>
       </p:sp>
@@ -2228,8 +2602,8 @@
         </p:nvSpPr>
         <p:spPr>
           <a:xfrm>
-            <a:off x="3887391" y="987426"/>
-            <a:ext cx="4629150" cy="4873625"/>
+            <a:off x="5183188" y="987427"/>
+            <a:ext cx="6172200" cy="4873625"/>
           </a:xfrm>
         </p:spPr>
         <p:txBody>
@@ -2237,47 +2611,43 @@
           <a:lstStyle>
             <a:lvl1pPr marL="0" indent="0">
               <a:buNone/>
+              <a:defRPr sz="3200"/>
+            </a:lvl1pPr>
+            <a:lvl2pPr marL="457200" indent="0">
+              <a:buNone/>
+              <a:defRPr sz="2800"/>
+            </a:lvl2pPr>
+            <a:lvl3pPr marL="914400" indent="0">
+              <a:buNone/>
               <a:defRPr sz="2400"/>
-            </a:lvl1pPr>
-            <a:lvl2pPr marL="342900" indent="0">
-              <a:buNone/>
-              <a:defRPr sz="2100"/>
-            </a:lvl2pPr>
-            <a:lvl3pPr marL="685800" indent="0">
-              <a:buNone/>
-              <a:defRPr sz="1800"/>
             </a:lvl3pPr>
-            <a:lvl4pPr marL="1028700" indent="0">
-              <a:buNone/>
-              <a:defRPr sz="1500"/>
+            <a:lvl4pPr marL="1371600" indent="0">
+              <a:buNone/>
+              <a:defRPr sz="2000"/>
             </a:lvl4pPr>
-            <a:lvl5pPr marL="1371600" indent="0">
-              <a:buNone/>
-              <a:defRPr sz="1500"/>
+            <a:lvl5pPr marL="1828800" indent="0">
+              <a:buNone/>
+              <a:defRPr sz="2000"/>
             </a:lvl5pPr>
-            <a:lvl6pPr marL="1714500" indent="0">
-              <a:buNone/>
-              <a:defRPr sz="1500"/>
+            <a:lvl6pPr marL="2286000" indent="0">
+              <a:buNone/>
+              <a:defRPr sz="2000"/>
             </a:lvl6pPr>
-            <a:lvl7pPr marL="2057400" indent="0">
-              <a:buNone/>
-              <a:defRPr sz="1500"/>
+            <a:lvl7pPr marL="2743200" indent="0">
+              <a:buNone/>
+              <a:defRPr sz="2000"/>
             </a:lvl7pPr>
-            <a:lvl8pPr marL="2400300" indent="0">
-              <a:buNone/>
-              <a:defRPr sz="1500"/>
+            <a:lvl8pPr marL="3200400" indent="0">
+              <a:buNone/>
+              <a:defRPr sz="2000"/>
             </a:lvl8pPr>
-            <a:lvl9pPr marL="2743200" indent="0">
-              <a:buNone/>
-              <a:defRPr sz="1500"/>
+            <a:lvl9pPr marL="3657600" indent="0">
+              <a:buNone/>
+              <a:defRPr sz="2000"/>
             </a:lvl9pPr>
           </a:lstStyle>
           <a:p>
-            <a:r>
-              <a:rPr lang="en-US"/>
-              <a:t>Click icon to add picture</a:t>
-            </a:r>
-            <a:endParaRPr lang="en-US" dirty="0"/>
+            <a:endParaRPr lang="en-US"/>
           </a:p>
         </p:txBody>
       </p:sp>
@@ -2293,8 +2663,8 @@
         </p:nvSpPr>
         <p:spPr>
           <a:xfrm>
-            <a:off x="629841" y="2057400"/>
-            <a:ext cx="2949178" cy="3811588"/>
+            <a:off x="839788" y="2057400"/>
+            <a:ext cx="3932237" cy="3811588"/>
           </a:xfrm>
         </p:spPr>
         <p:txBody>
@@ -2302,39 +2672,39 @@
           <a:lstStyle>
             <a:lvl1pPr marL="0" indent="0">
               <a:buNone/>
+              <a:defRPr sz="1600"/>
+            </a:lvl1pPr>
+            <a:lvl2pPr marL="457200" indent="0">
+              <a:buNone/>
+              <a:defRPr sz="1400"/>
+            </a:lvl2pPr>
+            <a:lvl3pPr marL="914400" indent="0">
+              <a:buNone/>
               <a:defRPr sz="1200"/>
-            </a:lvl1pPr>
-            <a:lvl2pPr marL="342900" indent="0">
-              <a:buNone/>
-              <a:defRPr sz="1050"/>
-            </a:lvl2pPr>
-            <a:lvl3pPr marL="685800" indent="0">
-              <a:buNone/>
-              <a:defRPr sz="900"/>
             </a:lvl3pPr>
-            <a:lvl4pPr marL="1028700" indent="0">
-              <a:buNone/>
-              <a:defRPr sz="750"/>
+            <a:lvl4pPr marL="1371600" indent="0">
+              <a:buNone/>
+              <a:defRPr sz="1000"/>
             </a:lvl4pPr>
-            <a:lvl5pPr marL="1371600" indent="0">
-              <a:buNone/>
-              <a:defRPr sz="750"/>
+            <a:lvl5pPr marL="1828800" indent="0">
+              <a:buNone/>
+              <a:defRPr sz="1000"/>
             </a:lvl5pPr>
-            <a:lvl6pPr marL="1714500" indent="0">
-              <a:buNone/>
-              <a:defRPr sz="750"/>
+            <a:lvl6pPr marL="2286000" indent="0">
+              <a:buNone/>
+              <a:defRPr sz="1000"/>
             </a:lvl6pPr>
-            <a:lvl7pPr marL="2057400" indent="0">
-              <a:buNone/>
-              <a:defRPr sz="750"/>
+            <a:lvl7pPr marL="2743200" indent="0">
+              <a:buNone/>
+              <a:defRPr sz="1000"/>
             </a:lvl7pPr>
-            <a:lvl8pPr marL="2400300" indent="0">
-              <a:buNone/>
-              <a:defRPr sz="750"/>
+            <a:lvl8pPr marL="3200400" indent="0">
+              <a:buNone/>
+              <a:defRPr sz="1000"/>
             </a:lvl8pPr>
-            <a:lvl9pPr marL="2743200" indent="0">
-              <a:buNone/>
-              <a:defRPr sz="750"/>
+            <a:lvl9pPr marL="3657600" indent="0">
+              <a:buNone/>
+              <a:defRPr sz="1000"/>
             </a:lvl9pPr>
           </a:lstStyle>
           <a:p>
@@ -2361,9 +2731,9 @@
           <a:bodyPr/>
           <a:lstStyle/>
           <a:p>
-            <a:fld id="{846CE7D5-CF57-46EF-B807-FDD0502418D4}" type="datetimeFigureOut">
-              <a:rPr lang="en-US" smtClean="0"/>
-              <a:t>12/13/2024</a:t>
+            <a:fld id="{C764DE79-268F-4C1A-8933-263129D2AF90}" type="datetimeFigureOut">
+              <a:rPr lang="en-US" dirty="0"/>
+              <a:t>12/15/2024</a:t>
             </a:fld>
             <a:endParaRPr lang="en-US"/>
           </a:p>
@@ -2403,8 +2773,8 @@
           <a:bodyPr/>
           <a:lstStyle/>
           <a:p>
-            <a:fld id="{330EA680-D336-4FF7-8B7A-9848BB0A1C32}" type="slidenum">
-              <a:rPr lang="en-US" smtClean="0"/>
+            <a:fld id="{48F63A3B-78C7-47BE-AE5E-E10140E04643}" type="slidenum">
+              <a:rPr lang="en-US" dirty="0"/>
               <a:t>‹#›</a:t>
             </a:fld>
             <a:endParaRPr lang="en-US"/>
@@ -2414,7 +2784,7 @@
     </p:spTree>
     <p:extLst>
       <p:ext uri="{BB962C8B-B14F-4D97-AF65-F5344CB8AC3E}">
-        <p14:creationId xmlns:p14="http://schemas.microsoft.com/office/powerpoint/2010/main" val="1718958274"/>
+        <p14:creationId xmlns:p14="http://schemas.microsoft.com/office/powerpoint/2010/main" val="3442506117"/>
       </p:ext>
     </p:extLst>
   </p:cSld>
@@ -2458,8 +2828,8 @@
         </p:nvSpPr>
         <p:spPr>
           <a:xfrm>
-            <a:off x="628650" y="365126"/>
-            <a:ext cx="7886700" cy="1325563"/>
+            <a:off x="838200" y="365127"/>
+            <a:ext cx="10515600" cy="1325563"/>
           </a:xfrm>
           <a:prstGeom prst="rect">
             <a:avLst/>
@@ -2475,7 +2845,6 @@
               <a:rPr lang="en-US"/>
               <a:t>Click to edit Master title style</a:t>
             </a:r>
-            <a:endParaRPr lang="en-US" dirty="0"/>
           </a:p>
         </p:txBody>
       </p:sp>
@@ -2491,8 +2860,8 @@
         </p:nvSpPr>
         <p:spPr>
           <a:xfrm>
-            <a:off x="628650" y="1825625"/>
-            <a:ext cx="7886700" cy="4351338"/>
+            <a:off x="838200" y="1825625"/>
+            <a:ext cx="10515600" cy="4351338"/>
           </a:xfrm>
           <a:prstGeom prst="rect">
             <a:avLst/>
@@ -2537,7 +2906,6 @@
               <a:rPr lang="en-US"/>
               <a:t>Fifth level</a:t>
             </a:r>
-            <a:endParaRPr lang="en-US" dirty="0"/>
           </a:p>
         </p:txBody>
       </p:sp>
@@ -2553,8 +2921,8 @@
         </p:nvSpPr>
         <p:spPr>
           <a:xfrm>
-            <a:off x="628650" y="6356351"/>
-            <a:ext cx="2057400" cy="365125"/>
+            <a:off x="838200" y="6356352"/>
+            <a:ext cx="2743200" cy="365125"/>
           </a:xfrm>
           <a:prstGeom prst="rect">
             <a:avLst/>
@@ -2564,19 +2932,19 @@
           <a:bodyPr vert="horz" lIns="91440" tIns="45720" rIns="91440" bIns="45720" rtlCol="0" anchor="ctr"/>
           <a:lstStyle>
             <a:lvl1pPr algn="l">
-              <a:defRPr sz="900">
+              <a:defRPr sz="1200">
                 <a:solidFill>
                   <a:schemeClr val="tx1">
-                    <a:tint val="82000"/>
+                    <a:tint val="75000"/>
                   </a:schemeClr>
                 </a:solidFill>
               </a:defRPr>
             </a:lvl1pPr>
           </a:lstStyle>
           <a:p>
-            <a:fld id="{846CE7D5-CF57-46EF-B807-FDD0502418D4}" type="datetimeFigureOut">
-              <a:rPr lang="en-US" smtClean="0"/>
-              <a:t>12/13/2024</a:t>
+            <a:fld id="{C764DE79-268F-4C1A-8933-263129D2AF90}" type="datetimeFigureOut">
+              <a:rPr lang="en-US" dirty="0"/>
+              <a:t>12/15/2024</a:t>
             </a:fld>
             <a:endParaRPr lang="en-US"/>
           </a:p>
@@ -2594,8 +2962,8 @@
         </p:nvSpPr>
         <p:spPr>
           <a:xfrm>
-            <a:off x="3028950" y="6356351"/>
-            <a:ext cx="3086100" cy="365125"/>
+            <a:off x="4038600" y="6356352"/>
+            <a:ext cx="4114800" cy="365125"/>
           </a:xfrm>
           <a:prstGeom prst="rect">
             <a:avLst/>
@@ -2605,10 +2973,10 @@
           <a:bodyPr vert="horz" lIns="91440" tIns="45720" rIns="91440" bIns="45720" rtlCol="0" anchor="ctr"/>
           <a:lstStyle>
             <a:lvl1pPr algn="ctr">
-              <a:defRPr sz="900">
+              <a:defRPr sz="1200">
                 <a:solidFill>
                   <a:schemeClr val="tx1">
-                    <a:tint val="82000"/>
+                    <a:tint val="75000"/>
                   </a:schemeClr>
                 </a:solidFill>
               </a:defRPr>
@@ -2631,8 +2999,8 @@
         </p:nvSpPr>
         <p:spPr>
           <a:xfrm>
-            <a:off x="6457950" y="6356351"/>
-            <a:ext cx="2057400" cy="365125"/>
+            <a:off x="8610600" y="6356352"/>
+            <a:ext cx="2743200" cy="365125"/>
           </a:xfrm>
           <a:prstGeom prst="rect">
             <a:avLst/>
@@ -2642,18 +3010,18 @@
           <a:bodyPr vert="horz" lIns="91440" tIns="45720" rIns="91440" bIns="45720" rtlCol="0" anchor="ctr"/>
           <a:lstStyle>
             <a:lvl1pPr algn="r">
-              <a:defRPr sz="900">
+              <a:defRPr sz="1200">
                 <a:solidFill>
                   <a:schemeClr val="tx1">
-                    <a:tint val="82000"/>
+                    <a:tint val="75000"/>
                   </a:schemeClr>
                 </a:solidFill>
               </a:defRPr>
             </a:lvl1pPr>
           </a:lstStyle>
           <a:p>
-            <a:fld id="{330EA680-D336-4FF7-8B7A-9848BB0A1C32}" type="slidenum">
-              <a:rPr lang="en-US" smtClean="0"/>
+            <a:fld id="{48F63A3B-78C7-47BE-AE5E-E10140E04643}" type="slidenum">
+              <a:rPr lang="en-US" dirty="0"/>
               <a:t>‹#›</a:t>
             </a:fld>
             <a:endParaRPr lang="en-US"/>
@@ -2663,23 +3031,24 @@
     </p:spTree>
     <p:extLst>
       <p:ext uri="{BB962C8B-B14F-4D97-AF65-F5344CB8AC3E}">
-        <p14:creationId xmlns:p14="http://schemas.microsoft.com/office/powerpoint/2010/main" val="2460954070"/>
+        <p14:creationId xmlns:p14="http://schemas.microsoft.com/office/powerpoint/2010/main" val="2669405630"/>
       </p:ext>
     </p:extLst>
   </p:cSld>
   <p:clrMap bg1="lt1" tx1="dk1" bg2="lt2" tx2="dk2" accent1="accent1" accent2="accent2" accent3="accent3" accent4="accent4" accent5="accent5" accent6="accent6" hlink="hlink" folHlink="folHlink"/>
   <p:sldLayoutIdLst>
-    <p:sldLayoutId id="2147483661" r:id="rId1"/>
-    <p:sldLayoutId id="2147483662" r:id="rId2"/>
-    <p:sldLayoutId id="2147483663" r:id="rId3"/>
-    <p:sldLayoutId id="2147483664" r:id="rId4"/>
-    <p:sldLayoutId id="2147483665" r:id="rId5"/>
-    <p:sldLayoutId id="2147483666" r:id="rId6"/>
-    <p:sldLayoutId id="2147483667" r:id="rId7"/>
-    <p:sldLayoutId id="2147483668" r:id="rId8"/>
-    <p:sldLayoutId id="2147483669" r:id="rId9"/>
-    <p:sldLayoutId id="2147483670" r:id="rId10"/>
-    <p:sldLayoutId id="2147483671" r:id="rId11"/>
+    <p:sldLayoutId id="2147483781" r:id="rId1"/>
+    <p:sldLayoutId id="2147483782" r:id="rId2"/>
+    <p:sldLayoutId id="2147483783" r:id="rId3"/>
+    <p:sldLayoutId id="2147483784" r:id="rId4"/>
+    <p:sldLayoutId id="2147483785" r:id="rId5"/>
+    <p:sldLayoutId id="2147483786" r:id="rId6"/>
+    <p:sldLayoutId id="2147483787" r:id="rId7"/>
+    <p:sldLayoutId id="2147483788" r:id="rId8"/>
+    <p:sldLayoutId id="2147483789" r:id="rId9"/>
+    <p:sldLayoutId id="2147483790" r:id="rId10"/>
+    <p:sldLayoutId id="2147483791" r:id="rId11"/>
+    <p:sldLayoutId id="2147483792" r:id="rId12"/>
   </p:sldLayoutIdLst>
   <p:txStyles>
     <p:titleStyle>
@@ -2967,6 +3336,14 @@
 <file path=ppt/slides/slide1.xml><?xml version="1.0" encoding="utf-8"?>
 <p:sld xmlns:a="http://schemas.openxmlformats.org/drawingml/2006/main" xmlns:r="http://schemas.openxmlformats.org/officeDocument/2006/relationships" xmlns:p="http://schemas.openxmlformats.org/presentationml/2006/main">
   <p:cSld>
+    <p:bg>
+      <p:bgPr>
+        <a:solidFill>
+          <a:schemeClr val="bg1"/>
+        </a:solidFill>
+        <a:effectLst/>
+      </p:bgPr>
+    </p:bg>
     <p:spTree>
       <p:nvGrpSpPr>
         <p:cNvPr id="1" name=""/>
@@ -2981,12 +3358,2944 @@
           <a:chExt cx="0" cy="0"/>
         </a:xfrm>
       </p:grpSpPr>
+      <p:sp>
+        <p:nvSpPr>
+          <p:cNvPr id="34" name="Rectangle 33">
+            <a:extLst>
+              <a:ext uri="{FF2B5EF4-FFF2-40B4-BE49-F238E27FC236}">
+                <a16:creationId xmlns:a16="http://schemas.microsoft.com/office/drawing/2014/main" id="{F3060C83-F051-4F0E-ABAD-AA0DFC48B218}"/>
+              </a:ext>
+              <a:ext uri="{C183D7F6-B498-43B3-948B-1728B52AA6E4}">
+                <adec:decorative xmlns:adec="http://schemas.microsoft.com/office/drawing/2017/decorative" val="1"/>
+              </a:ext>
+            </a:extLst>
+          </p:cNvPr>
+          <p:cNvSpPr>
+            <a:spLocks noGrp="1" noRot="1" noChangeAspect="1" noMove="1" noResize="1" noEditPoints="1" noAdjustHandles="1" noChangeArrowheads="1" noChangeShapeType="1" noTextEdit="1"/>
+          </p:cNvSpPr>
+          <p:nvPr>
+            <p:extLst>
+              <p:ext uri="{386F3935-93C4-4BCD-93E2-E3B085C9AB24}">
+                <p16:designElem xmlns:p16="http://schemas.microsoft.com/office/powerpoint/2015/main" val="1"/>
+              </p:ext>
+            </p:extLst>
+          </p:nvPr>
+        </p:nvSpPr>
+        <p:spPr>
+          <a:xfrm>
+            <a:off x="0" y="0"/>
+            <a:ext cx="12192000" cy="6858000"/>
+          </a:xfrm>
+          <a:prstGeom prst="rect">
+            <a:avLst/>
+          </a:prstGeom>
+          <a:solidFill>
+            <a:schemeClr val="bg1"/>
+          </a:solidFill>
+          <a:ln>
+            <a:noFill/>
+          </a:ln>
+        </p:spPr>
+        <p:style>
+          <a:lnRef idx="2">
+            <a:schemeClr val="accent1">
+              <a:shade val="50000"/>
+            </a:schemeClr>
+          </a:lnRef>
+          <a:fillRef idx="1">
+            <a:schemeClr val="accent1"/>
+          </a:fillRef>
+          <a:effectRef idx="0">
+            <a:schemeClr val="accent1"/>
+          </a:effectRef>
+          <a:fontRef idx="minor">
+            <a:schemeClr val="lt1"/>
+          </a:fontRef>
+        </p:style>
+        <p:txBody>
+          <a:bodyPr rtlCol="0" anchor="ctr"/>
+          <a:lstStyle/>
+          <a:p>
+            <a:pPr algn="ctr"/>
+            <a:endParaRPr lang="en-US" dirty="0"/>
+          </a:p>
+        </p:txBody>
+      </p:sp>
+      <p:sp>
+        <p:nvSpPr>
+          <p:cNvPr id="36" name="Freeform: Shape 35">
+            <a:extLst>
+              <a:ext uri="{FF2B5EF4-FFF2-40B4-BE49-F238E27FC236}">
+                <a16:creationId xmlns:a16="http://schemas.microsoft.com/office/drawing/2014/main" id="{83C98ABE-055B-441F-B07E-44F97F083C39}"/>
+              </a:ext>
+              <a:ext uri="{C183D7F6-B498-43B3-948B-1728B52AA6E4}">
+                <adec:decorative xmlns:adec="http://schemas.microsoft.com/office/drawing/2017/decorative" val="1"/>
+              </a:ext>
+            </a:extLst>
+          </p:cNvPr>
+          <p:cNvSpPr>
+            <a:spLocks noGrp="1" noRot="1" noChangeAspect="1" noMove="1" noResize="1" noEditPoints="1" noAdjustHandles="1" noChangeArrowheads="1" noChangeShapeType="1" noTextEdit="1"/>
+          </p:cNvSpPr>
+          <p:nvPr>
+            <p:extLst>
+              <p:ext uri="{386F3935-93C4-4BCD-93E2-E3B085C9AB24}">
+                <p16:designElem xmlns:p16="http://schemas.microsoft.com/office/powerpoint/2015/main" val="1"/>
+              </p:ext>
+            </p:extLst>
+          </p:nvPr>
+        </p:nvSpPr>
+        <p:spPr>
+          <a:xfrm rot="18900000" flipH="1">
+            <a:off x="-376156" y="-253670"/>
+            <a:ext cx="1827638" cy="1376989"/>
+          </a:xfrm>
+          <a:custGeom>
+            <a:avLst/>
+            <a:gdLst>
+              <a:gd name="connsiteX0" fmla="*/ 0 w 1827638"/>
+              <a:gd name="connsiteY0" fmla="*/ 987379 h 1376989"/>
+              <a:gd name="connsiteX1" fmla="*/ 987379 w 1827638"/>
+              <a:gd name="connsiteY1" fmla="*/ 0 h 1376989"/>
+              <a:gd name="connsiteX2" fmla="*/ 1827638 w 1827638"/>
+              <a:gd name="connsiteY2" fmla="*/ 840260 h 1376989"/>
+              <a:gd name="connsiteX3" fmla="*/ 1827638 w 1827638"/>
+              <a:gd name="connsiteY3" fmla="*/ 1376989 h 1376989"/>
+              <a:gd name="connsiteX4" fmla="*/ 0 w 1827638"/>
+              <a:gd name="connsiteY4" fmla="*/ 1376989 h 1376989"/>
+            </a:gdLst>
+            <a:ahLst/>
+            <a:cxnLst>
+              <a:cxn ang="0">
+                <a:pos x="connsiteX0" y="connsiteY0"/>
+              </a:cxn>
+              <a:cxn ang="0">
+                <a:pos x="connsiteX1" y="connsiteY1"/>
+              </a:cxn>
+              <a:cxn ang="0">
+                <a:pos x="connsiteX2" y="connsiteY2"/>
+              </a:cxn>
+              <a:cxn ang="0">
+                <a:pos x="connsiteX3" y="connsiteY3"/>
+              </a:cxn>
+              <a:cxn ang="0">
+                <a:pos x="connsiteX4" y="connsiteY4"/>
+              </a:cxn>
+            </a:cxnLst>
+            <a:rect l="l" t="t" r="r" b="b"/>
+            <a:pathLst>
+              <a:path w="1827638" h="1376989">
+                <a:moveTo>
+                  <a:pt x="0" y="987379"/>
+                </a:moveTo>
+                <a:lnTo>
+                  <a:pt x="987379" y="0"/>
+                </a:lnTo>
+                <a:lnTo>
+                  <a:pt x="1827638" y="840260"/>
+                </a:lnTo>
+                <a:lnTo>
+                  <a:pt x="1827638" y="1376989"/>
+                </a:lnTo>
+                <a:lnTo>
+                  <a:pt x="0" y="1376989"/>
+                </a:lnTo>
+                <a:close/>
+              </a:path>
+            </a:pathLst>
+          </a:custGeom>
+          <a:solidFill>
+            <a:schemeClr val="accent1">
+              <a:alpha val="30000"/>
+            </a:schemeClr>
+          </a:solidFill>
+          <a:ln>
+            <a:noFill/>
+          </a:ln>
+        </p:spPr>
+        <p:style>
+          <a:lnRef idx="2">
+            <a:schemeClr val="accent1">
+              <a:shade val="50000"/>
+            </a:schemeClr>
+          </a:lnRef>
+          <a:fillRef idx="1">
+            <a:schemeClr val="accent1"/>
+          </a:fillRef>
+          <a:effectRef idx="0">
+            <a:schemeClr val="accent1"/>
+          </a:effectRef>
+          <a:fontRef idx="minor">
+            <a:schemeClr val="lt1"/>
+          </a:fontRef>
+        </p:style>
+        <p:txBody>
+          <a:bodyPr rtlCol="0" anchor="ctr"/>
+          <a:lstStyle/>
+          <a:p>
+            <a:pPr algn="ctr"/>
+            <a:endParaRPr lang="en-US" dirty="0"/>
+          </a:p>
+        </p:txBody>
+      </p:sp>
+      <p:sp>
+        <p:nvSpPr>
+          <p:cNvPr id="38" name="Rectangle 37">
+            <a:extLst>
+              <a:ext uri="{FF2B5EF4-FFF2-40B4-BE49-F238E27FC236}">
+                <a16:creationId xmlns:a16="http://schemas.microsoft.com/office/drawing/2014/main" id="{29FDB030-9B49-4CED-8CCD-4D99382388AC}"/>
+              </a:ext>
+              <a:ext uri="{C183D7F6-B498-43B3-948B-1728B52AA6E4}">
+                <adec:decorative xmlns:adec="http://schemas.microsoft.com/office/drawing/2017/decorative" val="1"/>
+              </a:ext>
+            </a:extLst>
+          </p:cNvPr>
+          <p:cNvSpPr>
+            <a:spLocks noGrp="1" noRot="1" noChangeAspect="1" noMove="1" noResize="1" noEditPoints="1" noAdjustHandles="1" noChangeArrowheads="1" noChangeShapeType="1" noTextEdit="1"/>
+          </p:cNvSpPr>
+          <p:nvPr>
+            <p:extLst>
+              <p:ext uri="{386F3935-93C4-4BCD-93E2-E3B085C9AB24}">
+                <p16:designElem xmlns:p16="http://schemas.microsoft.com/office/powerpoint/2015/main" val="1"/>
+              </p:ext>
+            </p:extLst>
+          </p:nvPr>
+        </p:nvSpPr>
+        <p:spPr>
+          <a:xfrm rot="18900000" flipH="1">
+            <a:off x="891641" y="422146"/>
+            <a:ext cx="645368" cy="645368"/>
+          </a:xfrm>
+          <a:prstGeom prst="rect">
+            <a:avLst/>
+          </a:prstGeom>
+          <a:solidFill>
+            <a:schemeClr val="accent1">
+              <a:alpha val="30000"/>
+            </a:schemeClr>
+          </a:solidFill>
+          <a:ln>
+            <a:noFill/>
+          </a:ln>
+        </p:spPr>
+        <p:style>
+          <a:lnRef idx="2">
+            <a:schemeClr val="accent1">
+              <a:shade val="50000"/>
+            </a:schemeClr>
+          </a:lnRef>
+          <a:fillRef idx="1">
+            <a:schemeClr val="accent1"/>
+          </a:fillRef>
+          <a:effectRef idx="0">
+            <a:schemeClr val="accent1"/>
+          </a:effectRef>
+          <a:fontRef idx="minor">
+            <a:schemeClr val="lt1"/>
+          </a:fontRef>
+        </p:style>
+        <p:txBody>
+          <a:bodyPr rtlCol="0" anchor="ctr"/>
+          <a:lstStyle/>
+          <a:p>
+            <a:pPr algn="ctr"/>
+            <a:endParaRPr lang="en-US"/>
+          </a:p>
+        </p:txBody>
+      </p:sp>
+      <p:sp>
+        <p:nvSpPr>
+          <p:cNvPr id="40" name="Rectangle 39">
+            <a:extLst>
+              <a:ext uri="{FF2B5EF4-FFF2-40B4-BE49-F238E27FC236}">
+                <a16:creationId xmlns:a16="http://schemas.microsoft.com/office/drawing/2014/main" id="{3783CA14-24A1-485C-8B30-D6A5D87987AD}"/>
+              </a:ext>
+              <a:ext uri="{C183D7F6-B498-43B3-948B-1728B52AA6E4}">
+                <adec:decorative xmlns:adec="http://schemas.microsoft.com/office/drawing/2017/decorative" val="1"/>
+              </a:ext>
+            </a:extLst>
+          </p:cNvPr>
+          <p:cNvSpPr>
+            <a:spLocks noGrp="1" noRot="1" noChangeAspect="1" noMove="1" noResize="1" noEditPoints="1" noAdjustHandles="1" noChangeArrowheads="1" noChangeShapeType="1" noTextEdit="1"/>
+          </p:cNvSpPr>
+          <p:nvPr>
+            <p:extLst>
+              <p:ext uri="{386F3935-93C4-4BCD-93E2-E3B085C9AB24}">
+                <p16:designElem xmlns:p16="http://schemas.microsoft.com/office/powerpoint/2015/main" val="1"/>
+              </p:ext>
+            </p:extLst>
+          </p:nvPr>
+        </p:nvSpPr>
+        <p:spPr>
+          <a:xfrm rot="18900000" flipH="1">
+            <a:off x="10043482" y="655140"/>
+            <a:ext cx="687472" cy="687472"/>
+          </a:xfrm>
+          <a:prstGeom prst="rect">
+            <a:avLst/>
+          </a:prstGeom>
+          <a:solidFill>
+            <a:schemeClr val="accent4">
+              <a:alpha val="30000"/>
+            </a:schemeClr>
+          </a:solidFill>
+          <a:ln>
+            <a:noFill/>
+          </a:ln>
+        </p:spPr>
+        <p:style>
+          <a:lnRef idx="2">
+            <a:schemeClr val="accent1">
+              <a:shade val="50000"/>
+            </a:schemeClr>
+          </a:lnRef>
+          <a:fillRef idx="1">
+            <a:schemeClr val="accent1"/>
+          </a:fillRef>
+          <a:effectRef idx="0">
+            <a:schemeClr val="accent1"/>
+          </a:effectRef>
+          <a:fontRef idx="minor">
+            <a:schemeClr val="lt1"/>
+          </a:fontRef>
+        </p:style>
+        <p:txBody>
+          <a:bodyPr rtlCol="0" anchor="ctr"/>
+          <a:lstStyle/>
+          <a:p>
+            <a:pPr algn="ctr"/>
+            <a:endParaRPr lang="en-US"/>
+          </a:p>
+        </p:txBody>
+      </p:sp>
+      <p:sp>
+        <p:nvSpPr>
+          <p:cNvPr id="42" name="Freeform: Shape 41">
+            <a:extLst>
+              <a:ext uri="{FF2B5EF4-FFF2-40B4-BE49-F238E27FC236}">
+                <a16:creationId xmlns:a16="http://schemas.microsoft.com/office/drawing/2014/main" id="{9A97C86A-04D6-40F7-AE84-31AB43E6A846}"/>
+              </a:ext>
+              <a:ext uri="{C183D7F6-B498-43B3-948B-1728B52AA6E4}">
+                <adec:decorative xmlns:adec="http://schemas.microsoft.com/office/drawing/2017/decorative" val="1"/>
+              </a:ext>
+            </a:extLst>
+          </p:cNvPr>
+          <p:cNvSpPr>
+            <a:spLocks noGrp="1" noRot="1" noChangeAspect="1" noMove="1" noResize="1" noEditPoints="1" noAdjustHandles="1" noChangeArrowheads="1" noChangeShapeType="1" noTextEdit="1"/>
+          </p:cNvSpPr>
+          <p:nvPr>
+            <p:extLst>
+              <p:ext uri="{386F3935-93C4-4BCD-93E2-E3B085C9AB24}">
+                <p16:designElem xmlns:p16="http://schemas.microsoft.com/office/powerpoint/2015/main" val="1"/>
+              </p:ext>
+            </p:extLst>
+          </p:nvPr>
+        </p:nvSpPr>
+        <p:spPr>
+          <a:xfrm rot="10800000" flipH="1">
+            <a:off x="9356643" y="0"/>
+            <a:ext cx="2835357" cy="1480837"/>
+          </a:xfrm>
+          <a:custGeom>
+            <a:avLst/>
+            <a:gdLst>
+              <a:gd name="connsiteX0" fmla="*/ 2835357 w 2835357"/>
+              <a:gd name="connsiteY0" fmla="*/ 1480837 h 1480837"/>
+              <a:gd name="connsiteX1" fmla="*/ 0 w 2835357"/>
+              <a:gd name="connsiteY1" fmla="*/ 1480837 h 1480837"/>
+              <a:gd name="connsiteX2" fmla="*/ 1552727 w 2835357"/>
+              <a:gd name="connsiteY2" fmla="*/ 0 h 1480837"/>
+              <a:gd name="connsiteX3" fmla="*/ 2835357 w 2835357"/>
+              <a:gd name="connsiteY3" fmla="*/ 1223245 h 1480837"/>
+            </a:gdLst>
+            <a:ahLst/>
+            <a:cxnLst>
+              <a:cxn ang="0">
+                <a:pos x="connsiteX0" y="connsiteY0"/>
+              </a:cxn>
+              <a:cxn ang="0">
+                <a:pos x="connsiteX1" y="connsiteY1"/>
+              </a:cxn>
+              <a:cxn ang="0">
+                <a:pos x="connsiteX2" y="connsiteY2"/>
+              </a:cxn>
+              <a:cxn ang="0">
+                <a:pos x="connsiteX3" y="connsiteY3"/>
+              </a:cxn>
+            </a:cxnLst>
+            <a:rect l="l" t="t" r="r" b="b"/>
+            <a:pathLst>
+              <a:path w="2835357" h="1480837">
+                <a:moveTo>
+                  <a:pt x="2835357" y="1480837"/>
+                </a:moveTo>
+                <a:lnTo>
+                  <a:pt x="0" y="1480837"/>
+                </a:lnTo>
+                <a:lnTo>
+                  <a:pt x="1552727" y="0"/>
+                </a:lnTo>
+                <a:lnTo>
+                  <a:pt x="2835357" y="1223245"/>
+                </a:lnTo>
+                <a:close/>
+              </a:path>
+            </a:pathLst>
+          </a:custGeom>
+          <a:solidFill>
+            <a:schemeClr val="accent4">
+              <a:alpha val="30000"/>
+            </a:schemeClr>
+          </a:solidFill>
+          <a:ln>
+            <a:noFill/>
+          </a:ln>
+        </p:spPr>
+        <p:style>
+          <a:lnRef idx="2">
+            <a:schemeClr val="accent1">
+              <a:shade val="50000"/>
+            </a:schemeClr>
+          </a:lnRef>
+          <a:fillRef idx="1">
+            <a:schemeClr val="accent1"/>
+          </a:fillRef>
+          <a:effectRef idx="0">
+            <a:schemeClr val="accent1"/>
+          </a:effectRef>
+          <a:fontRef idx="minor">
+            <a:schemeClr val="lt1"/>
+          </a:fontRef>
+        </p:style>
+        <p:txBody>
+          <a:bodyPr wrap="square" rtlCol="0" anchor="ctr">
+            <a:noAutofit/>
+          </a:bodyPr>
+          <a:lstStyle/>
+          <a:p>
+            <a:pPr algn="ctr"/>
+            <a:endParaRPr lang="en-US" dirty="0"/>
+          </a:p>
+        </p:txBody>
+      </p:sp>
+      <p:sp>
+        <p:nvSpPr>
+          <p:cNvPr id="44" name="Isosceles Triangle 43">
+            <a:extLst>
+              <a:ext uri="{FF2B5EF4-FFF2-40B4-BE49-F238E27FC236}">
+                <a16:creationId xmlns:a16="http://schemas.microsoft.com/office/drawing/2014/main" id="{FF9F2414-84E8-453E-B1F3-389FDE8192D9}"/>
+              </a:ext>
+              <a:ext uri="{C183D7F6-B498-43B3-948B-1728B52AA6E4}">
+                <adec:decorative xmlns:adec="http://schemas.microsoft.com/office/drawing/2017/decorative" val="1"/>
+              </a:ext>
+            </a:extLst>
+          </p:cNvPr>
+          <p:cNvSpPr>
+            <a:spLocks noGrp="1" noRot="1" noChangeAspect="1" noMove="1" noResize="1" noEditPoints="1" noAdjustHandles="1" noChangeArrowheads="1" noChangeShapeType="1" noTextEdit="1"/>
+          </p:cNvSpPr>
+          <p:nvPr>
+            <p:extLst>
+              <p:ext uri="{386F3935-93C4-4BCD-93E2-E3B085C9AB24}">
+                <p16:designElem xmlns:p16="http://schemas.microsoft.com/office/powerpoint/2015/main" val="1"/>
+              </p:ext>
+            </p:extLst>
+          </p:nvPr>
+        </p:nvSpPr>
+        <p:spPr>
+          <a:xfrm flipH="1">
+            <a:off x="7976344" y="6115501"/>
+            <a:ext cx="1494513" cy="742499"/>
+          </a:xfrm>
+          <a:prstGeom prst="triangle">
+            <a:avLst/>
+          </a:prstGeom>
+          <a:solidFill>
+            <a:schemeClr val="accent1">
+              <a:alpha val="30000"/>
+            </a:schemeClr>
+          </a:solidFill>
+          <a:ln>
+            <a:noFill/>
+          </a:ln>
+        </p:spPr>
+        <p:style>
+          <a:lnRef idx="2">
+            <a:schemeClr val="accent1">
+              <a:shade val="50000"/>
+            </a:schemeClr>
+          </a:lnRef>
+          <a:fillRef idx="1">
+            <a:schemeClr val="accent1"/>
+          </a:fillRef>
+          <a:effectRef idx="0">
+            <a:schemeClr val="accent1"/>
+          </a:effectRef>
+          <a:fontRef idx="minor">
+            <a:schemeClr val="lt1"/>
+          </a:fontRef>
+        </p:style>
+        <p:txBody>
+          <a:bodyPr rtlCol="0" anchor="ctr"/>
+          <a:lstStyle/>
+          <a:p>
+            <a:pPr algn="ctr"/>
+            <a:endParaRPr lang="en-US"/>
+          </a:p>
+        </p:txBody>
+      </p:sp>
       <p:pic>
         <p:nvPicPr>
-          <p:cNvPr id="9" name="Picture 8" descr="A logo with white letters and blue squares&#10;&#10;Description automatically generated">
+          <p:cNvPr id="21" name="Picture 20" descr="A logo with white letters and blue squares&#10;&#10;Description automatically generated">
             <a:extLst>
               <a:ext uri="{FF2B5EF4-FFF2-40B4-BE49-F238E27FC236}">
-                <a16:creationId xmlns:a16="http://schemas.microsoft.com/office/drawing/2014/main" id="{D2467FA8-FE6F-A485-809A-74D21FB7BF94}"/>
+                <a16:creationId xmlns:a16="http://schemas.microsoft.com/office/drawing/2014/main" id="{309E97D8-3AED-77F3-27A4-72A4354302BE}"/>
+              </a:ext>
+            </a:extLst>
+          </p:cNvPr>
+          <p:cNvPicPr>
+            <a:picLocks noChangeAspect="1"/>
+          </p:cNvPicPr>
+          <p:nvPr/>
+        </p:nvPicPr>
+        <p:blipFill>
+          <a:blip r:embed="rId2">
+            <a:extLst>
+              <a:ext uri="{BEBA8EAE-BF5A-486C-A8C5-ECC9F3942E4B}">
+                <a14:imgProps xmlns:a14="http://schemas.microsoft.com/office/drawing/2010/main">
+                  <a14:imgLayer r:embed="rId3">
+                    <a14:imgEffect>
+                      <a14:backgroundRemoval t="10000" b="90000" l="10000" r="90000"/>
+                    </a14:imgEffect>
+                  </a14:imgLayer>
+                </a14:imgProps>
+              </a:ext>
+            </a:extLst>
+          </a:blip>
+          <a:stretch>
+            <a:fillRect/>
+          </a:stretch>
+        </p:blipFill>
+        <p:spPr>
+          <a:xfrm>
+            <a:off x="3310467" y="643467"/>
+            <a:ext cx="5571065" cy="5571065"/>
+          </a:xfrm>
+          <a:prstGeom prst="rect">
+            <a:avLst/>
+          </a:prstGeom>
+          <a:ln>
+            <a:noFill/>
+          </a:ln>
+        </p:spPr>
+      </p:pic>
+      <p:sp>
+        <p:nvSpPr>
+          <p:cNvPr id="46" name="Isosceles Triangle 45">
+            <a:extLst>
+              <a:ext uri="{FF2B5EF4-FFF2-40B4-BE49-F238E27FC236}">
+                <a16:creationId xmlns:a16="http://schemas.microsoft.com/office/drawing/2014/main" id="{3ECA69A1-7536-43AC-85EF-C7106179F5ED}"/>
+              </a:ext>
+              <a:ext uri="{C183D7F6-B498-43B3-948B-1728B52AA6E4}">
+                <adec:decorative xmlns:adec="http://schemas.microsoft.com/office/drawing/2017/decorative" val="1"/>
+              </a:ext>
+            </a:extLst>
+          </p:cNvPr>
+          <p:cNvSpPr>
+            <a:spLocks noGrp="1" noRot="1" noChangeAspect="1" noMove="1" noResize="1" noEditPoints="1" noAdjustHandles="1" noChangeArrowheads="1" noChangeShapeType="1" noTextEdit="1"/>
+          </p:cNvSpPr>
+          <p:nvPr>
+            <p:extLst>
+              <p:ext uri="{386F3935-93C4-4BCD-93E2-E3B085C9AB24}">
+                <p16:designElem xmlns:p16="http://schemas.microsoft.com/office/powerpoint/2015/main" val="1"/>
+              </p:ext>
+            </p:extLst>
+          </p:nvPr>
+        </p:nvSpPr>
+        <p:spPr>
+          <a:xfrm flipH="1">
+            <a:off x="7604080" y="6453143"/>
+            <a:ext cx="814903" cy="404857"/>
+          </a:xfrm>
+          <a:prstGeom prst="triangle">
+            <a:avLst/>
+          </a:prstGeom>
+          <a:solidFill>
+            <a:schemeClr val="accent1">
+              <a:alpha val="30000"/>
+            </a:schemeClr>
+          </a:solidFill>
+          <a:ln>
+            <a:noFill/>
+          </a:ln>
+        </p:spPr>
+        <p:style>
+          <a:lnRef idx="2">
+            <a:schemeClr val="accent1">
+              <a:shade val="50000"/>
+            </a:schemeClr>
+          </a:lnRef>
+          <a:fillRef idx="1">
+            <a:schemeClr val="accent1"/>
+          </a:fillRef>
+          <a:effectRef idx="0">
+            <a:schemeClr val="accent1"/>
+          </a:effectRef>
+          <a:fontRef idx="minor">
+            <a:schemeClr val="lt1"/>
+          </a:fontRef>
+        </p:style>
+        <p:txBody>
+          <a:bodyPr rtlCol="0" anchor="ctr"/>
+          <a:lstStyle/>
+          <a:p>
+            <a:pPr algn="ctr"/>
+            <a:endParaRPr lang="en-US"/>
+          </a:p>
+        </p:txBody>
+      </p:sp>
+    </p:spTree>
+    <p:extLst>
+      <p:ext uri="{BB962C8B-B14F-4D97-AF65-F5344CB8AC3E}">
+        <p14:creationId xmlns:p14="http://schemas.microsoft.com/office/powerpoint/2010/main" val="109857222"/>
+      </p:ext>
+    </p:extLst>
+  </p:cSld>
+  <p:clrMapOvr>
+    <a:masterClrMapping/>
+  </p:clrMapOvr>
+</p:sld>
+</file>
+
+<file path=ppt/slides/slide2.xml><?xml version="1.0" encoding="utf-8"?>
+<p:sld xmlns:a="http://schemas.openxmlformats.org/drawingml/2006/main" xmlns:r="http://schemas.openxmlformats.org/officeDocument/2006/relationships" xmlns:p="http://schemas.openxmlformats.org/presentationml/2006/main">
+  <p:cSld>
+    <p:bg>
+      <p:bgPr>
+        <a:solidFill>
+          <a:schemeClr val="bg1"/>
+        </a:solidFill>
+        <a:effectLst/>
+      </p:bgPr>
+    </p:bg>
+    <p:spTree>
+      <p:nvGrpSpPr>
+        <p:cNvPr id="1" name=""/>
+        <p:cNvGrpSpPr/>
+        <p:nvPr/>
+      </p:nvGrpSpPr>
+      <p:grpSpPr>
+        <a:xfrm>
+          <a:off x="0" y="0"/>
+          <a:ext cx="0" cy="0"/>
+          <a:chOff x="0" y="0"/>
+          <a:chExt cx="0" cy="0"/>
+        </a:xfrm>
+      </p:grpSpPr>
+      <p:sp useBgFill="1">
+        <p:nvSpPr>
+          <p:cNvPr id="20" name="Rectangle 19">
+            <a:extLst>
+              <a:ext uri="{FF2B5EF4-FFF2-40B4-BE49-F238E27FC236}">
+                <a16:creationId xmlns:a16="http://schemas.microsoft.com/office/drawing/2014/main" id="{C2554CA6-288E-4202-BC52-2E5A8F0C0AED}"/>
+              </a:ext>
+              <a:ext uri="{C183D7F6-B498-43B3-948B-1728B52AA6E4}">
+                <adec:decorative xmlns:adec="http://schemas.microsoft.com/office/drawing/2017/decorative" val="1"/>
+              </a:ext>
+            </a:extLst>
+          </p:cNvPr>
+          <p:cNvSpPr>
+            <a:spLocks noGrp="1" noRot="1" noChangeAspect="1" noMove="1" noResize="1" noEditPoints="1" noAdjustHandles="1" noChangeArrowheads="1" noChangeShapeType="1" noTextEdit="1"/>
+          </p:cNvSpPr>
+          <p:nvPr>
+            <p:extLst>
+              <p:ext uri="{386F3935-93C4-4BCD-93E2-E3B085C9AB24}">
+                <p16:designElem xmlns:p16="http://schemas.microsoft.com/office/powerpoint/2015/main" val="1"/>
+              </p:ext>
+            </p:extLst>
+          </p:nvPr>
+        </p:nvSpPr>
+        <p:spPr>
+          <a:xfrm>
+            <a:off x="3048" y="0"/>
+            <a:ext cx="12188952" cy="6858000"/>
+          </a:xfrm>
+          <a:prstGeom prst="rect">
+            <a:avLst/>
+          </a:prstGeom>
+          <a:ln>
+            <a:noFill/>
+          </a:ln>
+        </p:spPr>
+        <p:style>
+          <a:lnRef idx="2">
+            <a:schemeClr val="accent1">
+              <a:shade val="50000"/>
+            </a:schemeClr>
+          </a:lnRef>
+          <a:fillRef idx="1">
+            <a:schemeClr val="accent1"/>
+          </a:fillRef>
+          <a:effectRef idx="0">
+            <a:schemeClr val="accent1"/>
+          </a:effectRef>
+          <a:fontRef idx="minor">
+            <a:schemeClr val="lt1"/>
+          </a:fontRef>
+        </p:style>
+        <p:txBody>
+          <a:bodyPr rtlCol="0" anchor="ctr"/>
+          <a:lstStyle/>
+          <a:p>
+            <a:pPr algn="ctr"/>
+            <a:endParaRPr lang="en-US"/>
+          </a:p>
+        </p:txBody>
+      </p:sp>
+      <p:sp>
+        <p:nvSpPr>
+          <p:cNvPr id="22" name="Oval 21">
+            <a:extLst>
+              <a:ext uri="{FF2B5EF4-FFF2-40B4-BE49-F238E27FC236}">
+                <a16:creationId xmlns:a16="http://schemas.microsoft.com/office/drawing/2014/main" id="{B10BB131-AC8E-4A8E-A5D1-36260F720C3B}"/>
+              </a:ext>
+              <a:ext uri="{C183D7F6-B498-43B3-948B-1728B52AA6E4}">
+                <adec:decorative xmlns:adec="http://schemas.microsoft.com/office/drawing/2017/decorative" val="1"/>
+              </a:ext>
+            </a:extLst>
+          </p:cNvPr>
+          <p:cNvSpPr>
+            <a:spLocks noGrp="1" noRot="1" noChangeAspect="1" noMove="1" noResize="1" noEditPoints="1" noAdjustHandles="1" noChangeArrowheads="1" noChangeShapeType="1" noTextEdit="1"/>
+          </p:cNvSpPr>
+          <p:nvPr>
+            <p:extLst>
+              <p:ext uri="{386F3935-93C4-4BCD-93E2-E3B085C9AB24}">
+                <p16:designElem xmlns:p16="http://schemas.microsoft.com/office/powerpoint/2015/main" val="1"/>
+              </p:ext>
+            </p:extLst>
+          </p:nvPr>
+        </p:nvSpPr>
+        <p:spPr>
+          <a:xfrm>
+            <a:off x="489189" y="1119031"/>
+            <a:ext cx="4619938" cy="4619938"/>
+          </a:xfrm>
+          <a:prstGeom prst="ellipse">
+            <a:avLst/>
+          </a:prstGeom>
+          <a:solidFill>
+            <a:schemeClr val="accent2"/>
+          </a:solidFill>
+          <a:ln>
+            <a:noFill/>
+          </a:ln>
+        </p:spPr>
+        <p:style>
+          <a:lnRef idx="2">
+            <a:schemeClr val="accent1">
+              <a:shade val="50000"/>
+            </a:schemeClr>
+          </a:lnRef>
+          <a:fillRef idx="1">
+            <a:schemeClr val="accent1"/>
+          </a:fillRef>
+          <a:effectRef idx="0">
+            <a:schemeClr val="accent1"/>
+          </a:effectRef>
+          <a:fontRef idx="minor">
+            <a:schemeClr val="lt1"/>
+          </a:fontRef>
+        </p:style>
+        <p:txBody>
+          <a:bodyPr rtlCol="0" anchor="ctr"/>
+          <a:lstStyle/>
+          <a:p>
+            <a:pPr algn="ctr"/>
+            <a:endParaRPr lang="en-US"/>
+          </a:p>
+        </p:txBody>
+      </p:sp>
+      <p:sp>
+        <p:nvSpPr>
+          <p:cNvPr id="2" name="Title 1">
+            <a:extLst>
+              <a:ext uri="{FF2B5EF4-FFF2-40B4-BE49-F238E27FC236}">
+                <a16:creationId xmlns:a16="http://schemas.microsoft.com/office/drawing/2014/main" id="{6602E3A7-B9B6-0398-6F70-F1F9C32F1531}"/>
+              </a:ext>
+            </a:extLst>
+          </p:cNvPr>
+          <p:cNvSpPr>
+            <a:spLocks noGrp="1"/>
+          </p:cNvSpPr>
+          <p:nvPr>
+            <p:ph type="title"/>
+          </p:nvPr>
+        </p:nvSpPr>
+        <p:spPr>
+          <a:xfrm>
+            <a:off x="1171074" y="1396686"/>
+            <a:ext cx="3240506" cy="4064628"/>
+          </a:xfrm>
+        </p:spPr>
+        <p:txBody>
+          <a:bodyPr vert="horz" lIns="91440" tIns="45720" rIns="91440" bIns="45720" rtlCol="0" anchor="ctr">
+            <a:normAutofit/>
+          </a:bodyPr>
+          <a:lstStyle/>
+          <a:p>
+            <a:r>
+              <a:rPr lang="en-US" kern="1200">
+                <a:solidFill>
+                  <a:srgbClr val="FFFFFF"/>
+                </a:solidFill>
+                <a:latin typeface="+mj-lt"/>
+                <a:ea typeface="+mj-ea"/>
+                <a:cs typeface="+mj-cs"/>
+              </a:rPr>
+              <a:t>Interfaccia</a:t>
+            </a:r>
+          </a:p>
+        </p:txBody>
+      </p:sp>
+      <p:sp>
+        <p:nvSpPr>
+          <p:cNvPr id="24" name="Arc 23">
+            <a:extLst>
+              <a:ext uri="{FF2B5EF4-FFF2-40B4-BE49-F238E27FC236}">
+                <a16:creationId xmlns:a16="http://schemas.microsoft.com/office/drawing/2014/main" id="{5B7778FC-632E-4DCA-A7CB-0D7731CCF970}"/>
+              </a:ext>
+              <a:ext uri="{C183D7F6-B498-43B3-948B-1728B52AA6E4}">
+                <adec:decorative xmlns:adec="http://schemas.microsoft.com/office/drawing/2017/decorative" val="1"/>
+              </a:ext>
+            </a:extLst>
+          </p:cNvPr>
+          <p:cNvSpPr>
+            <a:spLocks noGrp="1" noRot="1" noChangeAspect="1" noMove="1" noResize="1" noEditPoints="1" noAdjustHandles="1" noChangeArrowheads="1" noChangeShapeType="1" noTextEdit="1"/>
+          </p:cNvSpPr>
+          <p:nvPr>
+            <p:extLst>
+              <p:ext uri="{386F3935-93C4-4BCD-93E2-E3B085C9AB24}">
+                <p16:designElem xmlns:p16="http://schemas.microsoft.com/office/powerpoint/2015/main" val="1"/>
+              </p:ext>
+            </p:extLst>
+          </p:nvPr>
+        </p:nvSpPr>
+        <p:spPr>
+          <a:xfrm rot="19809111">
+            <a:off x="8683720" y="941148"/>
+            <a:ext cx="2987899" cy="2987899"/>
+          </a:xfrm>
+          <a:prstGeom prst="arc">
+            <a:avLst>
+              <a:gd name="adj1" fmla="val 15817365"/>
+              <a:gd name="adj2" fmla="val 1781380"/>
+            </a:avLst>
+          </a:prstGeom>
+          <a:ln w="127000" cap="rnd">
+            <a:solidFill>
+              <a:schemeClr val="accent4"/>
+            </a:solidFill>
+            <a:prstDash val="dash"/>
+            <a:miter lim="800000"/>
+          </a:ln>
+        </p:spPr>
+        <p:style>
+          <a:lnRef idx="1">
+            <a:schemeClr val="accent1"/>
+          </a:lnRef>
+          <a:fillRef idx="0">
+            <a:schemeClr val="accent1"/>
+          </a:fillRef>
+          <a:effectRef idx="0">
+            <a:schemeClr val="accent1"/>
+          </a:effectRef>
+          <a:fontRef idx="minor">
+            <a:schemeClr val="tx1"/>
+          </a:fontRef>
+        </p:style>
+        <p:txBody>
+          <a:bodyPr rtlCol="0" anchor="ctr"/>
+          <a:lstStyle/>
+          <a:p>
+            <a:pPr marL="0" marR="0" lvl="0" indent="0" algn="ctr" defTabSz="914400" rtl="0" eaLnBrk="1" fontAlgn="auto" latinLnBrk="0" hangingPunct="1">
+              <a:lnSpc>
+                <a:spcPct val="100000"/>
+              </a:lnSpc>
+              <a:spcBef>
+                <a:spcPts val="0"/>
+              </a:spcBef>
+              <a:spcAft>
+                <a:spcPts val="0"/>
+              </a:spcAft>
+              <a:buClrTx/>
+              <a:buSzTx/>
+              <a:buFontTx/>
+              <a:buNone/>
+              <a:tabLst/>
+              <a:defRPr/>
+            </a:pPr>
+            <a:endParaRPr kumimoji="0" lang="en-US" sz="1800" b="0" i="0" u="none" strike="noStrike" kern="1200" cap="none" spc="0" normalizeH="0" baseline="0" noProof="0">
+              <a:ln>
+                <a:noFill/>
+              </a:ln>
+              <a:solidFill>
+                <a:srgbClr val="000000"/>
+              </a:solidFill>
+              <a:effectLst/>
+              <a:uLnTx/>
+              <a:uFillTx/>
+              <a:latin typeface="Calibri" panose="020F0502020204030204"/>
+              <a:ea typeface="+mn-ea"/>
+              <a:cs typeface="+mn-cs"/>
+            </a:endParaRPr>
+          </a:p>
+        </p:txBody>
+      </p:sp>
+      <p:sp>
+        <p:nvSpPr>
+          <p:cNvPr id="26" name="Oval 25">
+            <a:extLst>
+              <a:ext uri="{FF2B5EF4-FFF2-40B4-BE49-F238E27FC236}">
+                <a16:creationId xmlns:a16="http://schemas.microsoft.com/office/drawing/2014/main" id="{FA23A907-97FB-4A8F-880A-DD77401C4296}"/>
+              </a:ext>
+              <a:ext uri="{C183D7F6-B498-43B3-948B-1728B52AA6E4}">
+                <adec:decorative xmlns:adec="http://schemas.microsoft.com/office/drawing/2017/decorative" val="1"/>
+              </a:ext>
+            </a:extLst>
+          </p:cNvPr>
+          <p:cNvSpPr>
+            <a:spLocks noGrp="1" noRot="1" noChangeAspect="1" noMove="1" noResize="1" noEditPoints="1" noAdjustHandles="1" noChangeArrowheads="1" noChangeShapeType="1" noTextEdit="1"/>
+          </p:cNvSpPr>
+          <p:nvPr>
+            <p:extLst>
+              <p:ext uri="{386F3935-93C4-4BCD-93E2-E3B085C9AB24}">
+                <p16:designElem xmlns:p16="http://schemas.microsoft.com/office/powerpoint/2015/main" val="1"/>
+              </p:ext>
+            </p:extLst>
+          </p:nvPr>
+        </p:nvSpPr>
+        <p:spPr>
+          <a:xfrm>
+            <a:off x="910048" y="4780992"/>
+            <a:ext cx="546100" cy="546100"/>
+          </a:xfrm>
+          <a:prstGeom prst="ellipse">
+            <a:avLst/>
+          </a:prstGeom>
+          <a:solidFill>
+            <a:schemeClr val="accent5"/>
+          </a:solidFill>
+          <a:ln>
+            <a:noFill/>
+          </a:ln>
+        </p:spPr>
+        <p:style>
+          <a:lnRef idx="2">
+            <a:schemeClr val="accent1">
+              <a:shade val="50000"/>
+            </a:schemeClr>
+          </a:lnRef>
+          <a:fillRef idx="1">
+            <a:schemeClr val="accent1"/>
+          </a:fillRef>
+          <a:effectRef idx="0">
+            <a:schemeClr val="accent1"/>
+          </a:effectRef>
+          <a:fontRef idx="minor">
+            <a:schemeClr val="lt1"/>
+          </a:fontRef>
+        </p:style>
+        <p:txBody>
+          <a:bodyPr rtlCol="0" anchor="ctr"/>
+          <a:lstStyle/>
+          <a:p>
+            <a:pPr marL="0" marR="0" lvl="0" indent="0" algn="ctr" defTabSz="914400" rtl="0" eaLnBrk="1" fontAlgn="auto" latinLnBrk="0" hangingPunct="1">
+              <a:lnSpc>
+                <a:spcPct val="100000"/>
+              </a:lnSpc>
+              <a:spcBef>
+                <a:spcPts val="0"/>
+              </a:spcBef>
+              <a:spcAft>
+                <a:spcPts val="0"/>
+              </a:spcAft>
+              <a:buClrTx/>
+              <a:buSzTx/>
+              <a:buFontTx/>
+              <a:buNone/>
+              <a:tabLst/>
+              <a:defRPr/>
+            </a:pPr>
+            <a:endParaRPr kumimoji="0" lang="en-US" sz="1800" b="0" i="0" u="none" strike="noStrike" kern="1200" cap="none" spc="0" normalizeH="0" baseline="0" noProof="0">
+              <a:ln>
+                <a:noFill/>
+              </a:ln>
+              <a:solidFill>
+                <a:srgbClr val="FFFFFF"/>
+              </a:solidFill>
+              <a:effectLst/>
+              <a:uLnTx/>
+              <a:uFillTx/>
+              <a:latin typeface="Calibri" panose="020F0502020204030204"/>
+              <a:ea typeface="+mn-ea"/>
+              <a:cs typeface="+mn-cs"/>
+            </a:endParaRPr>
+          </a:p>
+        </p:txBody>
+      </p:sp>
+      <p:sp>
+        <p:nvSpPr>
+          <p:cNvPr id="3" name="TextBox 2">
+            <a:extLst>
+              <a:ext uri="{FF2B5EF4-FFF2-40B4-BE49-F238E27FC236}">
+                <a16:creationId xmlns:a16="http://schemas.microsoft.com/office/drawing/2014/main" id="{1078736E-CE4B-6953-5294-554C4B3CC27A}"/>
+              </a:ext>
+            </a:extLst>
+          </p:cNvPr>
+          <p:cNvSpPr txBox="1"/>
+          <p:nvPr/>
+        </p:nvSpPr>
+        <p:spPr>
+          <a:xfrm>
+            <a:off x="5370153" y="1526033"/>
+            <a:ext cx="5536397" cy="3935281"/>
+          </a:xfrm>
+          <a:prstGeom prst="rect">
+            <a:avLst/>
+          </a:prstGeom>
+        </p:spPr>
+        <p:txBody>
+          <a:bodyPr rot="0" spcFirstLastPara="0" vertOverflow="overflow" horzOverflow="overflow" vert="horz" lIns="91440" tIns="45720" rIns="91440" bIns="45720" numCol="1" spcCol="0" rtlCol="0" fromWordArt="0" anchorCtr="0" forceAA="0" compatLnSpc="1">
+            <a:prstTxWarp prst="textNoShape">
+              <a:avLst/>
+            </a:prstTxWarp>
+            <a:normAutofit/>
+          </a:bodyPr>
+          <a:lstStyle/>
+          <a:p>
+            <a:pPr marL="285750" indent="-228600">
+              <a:lnSpc>
+                <a:spcPct val="90000"/>
+              </a:lnSpc>
+              <a:spcAft>
+                <a:spcPts val="600"/>
+              </a:spcAft>
+              <a:buFont typeface="Arial" panose="020B0604020202020204" pitchFamily="34" charset="0"/>
+              <a:buChar char="•"/>
+            </a:pPr>
+            <a:r>
+              <a:rPr lang="en-US"/>
+              <a:t>HTML</a:t>
+            </a:r>
+          </a:p>
+          <a:p>
+            <a:pPr marL="285750" indent="-228600">
+              <a:lnSpc>
+                <a:spcPct val="90000"/>
+              </a:lnSpc>
+              <a:spcAft>
+                <a:spcPts val="600"/>
+              </a:spcAft>
+              <a:buFont typeface="Arial" panose="020B0604020202020204" pitchFamily="34" charset="0"/>
+              <a:buChar char="•"/>
+            </a:pPr>
+            <a:r>
+              <a:rPr lang="en-US"/>
+              <a:t>JavaScript</a:t>
+            </a:r>
+          </a:p>
+          <a:p>
+            <a:pPr marL="285750" indent="-228600">
+              <a:lnSpc>
+                <a:spcPct val="90000"/>
+              </a:lnSpc>
+              <a:spcAft>
+                <a:spcPts val="600"/>
+              </a:spcAft>
+              <a:buFont typeface="Arial" panose="020B0604020202020204" pitchFamily="34" charset="0"/>
+              <a:buChar char="•"/>
+            </a:pPr>
+            <a:r>
+              <a:rPr lang="en-US"/>
+              <a:t>CSS</a:t>
+            </a:r>
+          </a:p>
+        </p:txBody>
+      </p:sp>
+    </p:spTree>
+    <p:extLst>
+      <p:ext uri="{BB962C8B-B14F-4D97-AF65-F5344CB8AC3E}">
+        <p14:creationId xmlns:p14="http://schemas.microsoft.com/office/powerpoint/2010/main" val="1651970873"/>
+      </p:ext>
+    </p:extLst>
+  </p:cSld>
+  <p:clrMapOvr>
+    <a:masterClrMapping/>
+  </p:clrMapOvr>
+</p:sld>
+</file>
+
+<file path=ppt/slides/slide3.xml><?xml version="1.0" encoding="utf-8"?>
+<p:sld xmlns:a="http://schemas.openxmlformats.org/drawingml/2006/main" xmlns:r="http://schemas.openxmlformats.org/officeDocument/2006/relationships" xmlns:p="http://schemas.openxmlformats.org/presentationml/2006/main">
+  <p:cSld>
+    <p:bg>
+      <p:bgPr>
+        <a:solidFill>
+          <a:schemeClr val="bg1"/>
+        </a:solidFill>
+        <a:effectLst/>
+      </p:bgPr>
+    </p:bg>
+    <p:spTree>
+      <p:nvGrpSpPr>
+        <p:cNvPr id="1" name=""/>
+        <p:cNvGrpSpPr/>
+        <p:nvPr/>
+      </p:nvGrpSpPr>
+      <p:grpSpPr>
+        <a:xfrm>
+          <a:off x="0" y="0"/>
+          <a:ext cx="0" cy="0"/>
+          <a:chOff x="0" y="0"/>
+          <a:chExt cx="0" cy="0"/>
+        </a:xfrm>
+      </p:grpSpPr>
+      <p:sp useBgFill="1">
+        <p:nvSpPr>
+          <p:cNvPr id="7" name="Rectangle 6">
+            <a:extLst>
+              <a:ext uri="{FF2B5EF4-FFF2-40B4-BE49-F238E27FC236}">
+                <a16:creationId xmlns:a16="http://schemas.microsoft.com/office/drawing/2014/main" id="{4E1BEB12-92AF-4445-98AD-4C7756E7C93B}"/>
+              </a:ext>
+              <a:ext uri="{C183D7F6-B498-43B3-948B-1728B52AA6E4}">
+                <adec:decorative xmlns:adec="http://schemas.microsoft.com/office/drawing/2017/decorative" val="1"/>
+              </a:ext>
+            </a:extLst>
+          </p:cNvPr>
+          <p:cNvSpPr>
+            <a:spLocks noGrp="1" noRot="1" noChangeAspect="1" noMove="1" noResize="1" noEditPoints="1" noAdjustHandles="1" noChangeArrowheads="1" noChangeShapeType="1" noTextEdit="1"/>
+          </p:cNvSpPr>
+          <p:nvPr>
+            <p:extLst>
+              <p:ext uri="{386F3935-93C4-4BCD-93E2-E3B085C9AB24}">
+                <p16:designElem xmlns:p16="http://schemas.microsoft.com/office/powerpoint/2015/main" val="1"/>
+              </p:ext>
+            </p:extLst>
+          </p:nvPr>
+        </p:nvSpPr>
+        <p:spPr>
+          <a:xfrm>
+            <a:off x="3048" y="0"/>
+            <a:ext cx="12188952" cy="6858000"/>
+          </a:xfrm>
+          <a:prstGeom prst="rect">
+            <a:avLst/>
+          </a:prstGeom>
+          <a:ln>
+            <a:noFill/>
+          </a:ln>
+        </p:spPr>
+        <p:style>
+          <a:lnRef idx="2">
+            <a:schemeClr val="accent1">
+              <a:shade val="50000"/>
+            </a:schemeClr>
+          </a:lnRef>
+          <a:fillRef idx="1">
+            <a:schemeClr val="accent1"/>
+          </a:fillRef>
+          <a:effectRef idx="0">
+            <a:schemeClr val="accent1"/>
+          </a:effectRef>
+          <a:fontRef idx="minor">
+            <a:schemeClr val="lt1"/>
+          </a:fontRef>
+        </p:style>
+        <p:txBody>
+          <a:bodyPr rtlCol="0" anchor="ctr"/>
+          <a:lstStyle/>
+          <a:p>
+            <a:pPr algn="ctr"/>
+            <a:endParaRPr lang="en-US"/>
+          </a:p>
+        </p:txBody>
+      </p:sp>
+      <p:sp>
+        <p:nvSpPr>
+          <p:cNvPr id="9" name="Rectangle 8">
+            <a:extLst>
+              <a:ext uri="{FF2B5EF4-FFF2-40B4-BE49-F238E27FC236}">
+                <a16:creationId xmlns:a16="http://schemas.microsoft.com/office/drawing/2014/main" id="{D0522C2C-7B5C-48A7-A969-03941E5D2E76}"/>
+              </a:ext>
+              <a:ext uri="{C183D7F6-B498-43B3-948B-1728B52AA6E4}">
+                <adec:decorative xmlns:adec="http://schemas.microsoft.com/office/drawing/2017/decorative" val="1"/>
+              </a:ext>
+            </a:extLst>
+          </p:cNvPr>
+          <p:cNvSpPr>
+            <a:spLocks noGrp="1" noRot="1" noChangeAspect="1" noMove="1" noResize="1" noEditPoints="1" noAdjustHandles="1" noChangeArrowheads="1" noChangeShapeType="1" noTextEdit="1"/>
+          </p:cNvSpPr>
+          <p:nvPr>
+            <p:extLst>
+              <p:ext uri="{386F3935-93C4-4BCD-93E2-E3B085C9AB24}">
+                <p16:designElem xmlns:p16="http://schemas.microsoft.com/office/powerpoint/2015/main" val="1"/>
+              </p:ext>
+            </p:extLst>
+          </p:nvPr>
+        </p:nvSpPr>
+        <p:spPr>
+          <a:xfrm>
+            <a:off x="0" y="0"/>
+            <a:ext cx="12192000" cy="6858000"/>
+          </a:xfrm>
+          <a:prstGeom prst="rect">
+            <a:avLst/>
+          </a:prstGeom>
+          <a:solidFill>
+            <a:schemeClr val="accent2"/>
+          </a:solidFill>
+          <a:ln>
+            <a:noFill/>
+          </a:ln>
+        </p:spPr>
+        <p:style>
+          <a:lnRef idx="2">
+            <a:schemeClr val="accent1">
+              <a:shade val="50000"/>
+            </a:schemeClr>
+          </a:lnRef>
+          <a:fillRef idx="1">
+            <a:schemeClr val="accent1"/>
+          </a:fillRef>
+          <a:effectRef idx="0">
+            <a:schemeClr val="accent1"/>
+          </a:effectRef>
+          <a:fontRef idx="minor">
+            <a:schemeClr val="lt1"/>
+          </a:fontRef>
+        </p:style>
+        <p:txBody>
+          <a:bodyPr rtlCol="0" anchor="ctr"/>
+          <a:lstStyle/>
+          <a:p>
+            <a:pPr algn="ctr"/>
+            <a:endParaRPr lang="en-US">
+              <a:solidFill>
+                <a:schemeClr val="tx1"/>
+              </a:solidFill>
+            </a:endParaRPr>
+          </a:p>
+        </p:txBody>
+      </p:sp>
+      <p:sp>
+        <p:nvSpPr>
+          <p:cNvPr id="11" name="Freeform 13">
+            <a:extLst>
+              <a:ext uri="{FF2B5EF4-FFF2-40B4-BE49-F238E27FC236}">
+                <a16:creationId xmlns:a16="http://schemas.microsoft.com/office/drawing/2014/main" id="{9C682A1A-5B2D-4111-BBD6-620165633E5B}"/>
+              </a:ext>
+              <a:ext uri="{C183D7F6-B498-43B3-948B-1728B52AA6E4}">
+                <adec:decorative xmlns:adec="http://schemas.microsoft.com/office/drawing/2017/decorative" val="1"/>
+              </a:ext>
+            </a:extLst>
+          </p:cNvPr>
+          <p:cNvSpPr>
+            <a:spLocks noGrp="1" noRot="1" noChangeAspect="1" noMove="1" noResize="1" noEditPoints="1" noAdjustHandles="1" noChangeArrowheads="1" noChangeShapeType="1" noTextEdit="1"/>
+          </p:cNvSpPr>
+          <p:nvPr>
+            <p:extLst>
+              <p:ext uri="{386F3935-93C4-4BCD-93E2-E3B085C9AB24}">
+                <p16:designElem xmlns:p16="http://schemas.microsoft.com/office/powerpoint/2015/main" val="1"/>
+              </p:ext>
+            </p:extLst>
+          </p:nvPr>
+        </p:nvSpPr>
+        <p:spPr>
+          <a:xfrm>
+            <a:off x="2769476" y="220196"/>
+            <a:ext cx="9422524" cy="6637806"/>
+          </a:xfrm>
+          <a:custGeom>
+            <a:avLst/>
+            <a:gdLst>
+              <a:gd name="connsiteX0" fmla="*/ 4929467 w 8191500"/>
+              <a:gd name="connsiteY0" fmla="*/ 0 h 5770597"/>
+              <a:gd name="connsiteX1" fmla="*/ 8065066 w 8191500"/>
+              <a:gd name="connsiteY1" fmla="*/ 1118513 h 5770597"/>
+              <a:gd name="connsiteX2" fmla="*/ 8191500 w 8191500"/>
+              <a:gd name="connsiteY2" fmla="*/ 1227339 h 5770597"/>
+              <a:gd name="connsiteX3" fmla="*/ 8191500 w 8191500"/>
+              <a:gd name="connsiteY3" fmla="*/ 5770597 h 5770597"/>
+              <a:gd name="connsiteX4" fmla="*/ 79523 w 8191500"/>
+              <a:gd name="connsiteY4" fmla="*/ 5770597 h 5770597"/>
+              <a:gd name="connsiteX5" fmla="*/ 56799 w 8191500"/>
+              <a:gd name="connsiteY5" fmla="*/ 5644158 h 5770597"/>
+              <a:gd name="connsiteX6" fmla="*/ 0 w 8191500"/>
+              <a:gd name="connsiteY6" fmla="*/ 4898209 h 5770597"/>
+              <a:gd name="connsiteX7" fmla="*/ 4929467 w 8191500"/>
+              <a:gd name="connsiteY7" fmla="*/ 0 h 5770597"/>
+            </a:gdLst>
+            <a:ahLst/>
+            <a:cxnLst>
+              <a:cxn ang="0">
+                <a:pos x="connsiteX0" y="connsiteY0"/>
+              </a:cxn>
+              <a:cxn ang="0">
+                <a:pos x="connsiteX1" y="connsiteY1"/>
+              </a:cxn>
+              <a:cxn ang="0">
+                <a:pos x="connsiteX2" y="connsiteY2"/>
+              </a:cxn>
+              <a:cxn ang="0">
+                <a:pos x="connsiteX3" y="connsiteY3"/>
+              </a:cxn>
+              <a:cxn ang="0">
+                <a:pos x="connsiteX4" y="connsiteY4"/>
+              </a:cxn>
+              <a:cxn ang="0">
+                <a:pos x="connsiteX5" y="connsiteY5"/>
+              </a:cxn>
+              <a:cxn ang="0">
+                <a:pos x="connsiteX6" y="connsiteY6"/>
+              </a:cxn>
+              <a:cxn ang="0">
+                <a:pos x="connsiteX7" y="connsiteY7"/>
+              </a:cxn>
+            </a:cxnLst>
+            <a:rect l="l" t="t" r="r" b="b"/>
+            <a:pathLst>
+              <a:path w="8191500" h="5770597">
+                <a:moveTo>
+                  <a:pt x="4929467" y="0"/>
+                </a:moveTo>
+                <a:cubicBezTo>
+                  <a:pt x="6120547" y="0"/>
+                  <a:pt x="7212963" y="419755"/>
+                  <a:pt x="8065066" y="1118513"/>
+                </a:cubicBezTo>
+                <a:lnTo>
+                  <a:pt x="8191500" y="1227339"/>
+                </a:lnTo>
+                <a:lnTo>
+                  <a:pt x="8191500" y="5770597"/>
+                </a:lnTo>
+                <a:lnTo>
+                  <a:pt x="79523" y="5770597"/>
+                </a:lnTo>
+                <a:lnTo>
+                  <a:pt x="56799" y="5644158"/>
+                </a:lnTo>
+                <a:cubicBezTo>
+                  <a:pt x="19398" y="5400934"/>
+                  <a:pt x="0" y="5151822"/>
+                  <a:pt x="0" y="4898209"/>
+                </a:cubicBezTo>
+                <a:cubicBezTo>
+                  <a:pt x="0" y="2193003"/>
+                  <a:pt x="2206998" y="0"/>
+                  <a:pt x="4929467" y="0"/>
+                </a:cubicBezTo>
+                <a:close/>
+              </a:path>
+            </a:pathLst>
+          </a:custGeom>
+          <a:solidFill>
+            <a:schemeClr val="bg1"/>
+          </a:solidFill>
+          <a:ln>
+            <a:noFill/>
+          </a:ln>
+        </p:spPr>
+        <p:style>
+          <a:lnRef idx="2">
+            <a:schemeClr val="accent1">
+              <a:shade val="50000"/>
+            </a:schemeClr>
+          </a:lnRef>
+          <a:fillRef idx="1">
+            <a:schemeClr val="accent1"/>
+          </a:fillRef>
+          <a:effectRef idx="0">
+            <a:schemeClr val="accent1"/>
+          </a:effectRef>
+          <a:fontRef idx="minor">
+            <a:schemeClr val="lt1"/>
+          </a:fontRef>
+        </p:style>
+        <p:txBody>
+          <a:bodyPr wrap="square" rtlCol="0" anchor="ctr">
+            <a:noAutofit/>
+          </a:bodyPr>
+          <a:lstStyle/>
+          <a:p>
+            <a:pPr marL="0" marR="0" lvl="0" indent="0" algn="ctr" defTabSz="914400" rtl="0" eaLnBrk="1" fontAlgn="auto" latinLnBrk="0" hangingPunct="1">
+              <a:lnSpc>
+                <a:spcPct val="100000"/>
+              </a:lnSpc>
+              <a:spcBef>
+                <a:spcPts val="0"/>
+              </a:spcBef>
+              <a:spcAft>
+                <a:spcPts val="0"/>
+              </a:spcAft>
+              <a:buClrTx/>
+              <a:buSzTx/>
+              <a:buFontTx/>
+              <a:buNone/>
+              <a:tabLst/>
+              <a:defRPr/>
+            </a:pPr>
+            <a:endParaRPr kumimoji="0" lang="en-US" sz="1800" b="0" i="0" u="none" strike="noStrike" kern="1200" cap="none" spc="0" normalizeH="0" baseline="0" noProof="0">
+              <a:ln>
+                <a:noFill/>
+              </a:ln>
+              <a:solidFill>
+                <a:srgbClr val="FFFFFF"/>
+              </a:solidFill>
+              <a:effectLst/>
+              <a:uLnTx/>
+              <a:uFillTx/>
+              <a:latin typeface="Calibri" panose="020F0502020204030204"/>
+              <a:ea typeface="+mn-ea"/>
+              <a:cs typeface="+mn-cs"/>
+            </a:endParaRPr>
+          </a:p>
+        </p:txBody>
+      </p:sp>
+      <p:sp>
+        <p:nvSpPr>
+          <p:cNvPr id="13" name="Oval 12">
+            <a:extLst>
+              <a:ext uri="{FF2B5EF4-FFF2-40B4-BE49-F238E27FC236}">
+                <a16:creationId xmlns:a16="http://schemas.microsoft.com/office/drawing/2014/main" id="{D6EE29F2-D77F-4BD0-A20B-334D316A1C9D}"/>
+              </a:ext>
+              <a:ext uri="{C183D7F6-B498-43B3-948B-1728B52AA6E4}">
+                <adec:decorative xmlns:adec="http://schemas.microsoft.com/office/drawing/2017/decorative" val="1"/>
+              </a:ext>
+            </a:extLst>
+          </p:cNvPr>
+          <p:cNvSpPr>
+            <a:spLocks noGrp="1" noRot="1" noChangeAspect="1" noMove="1" noResize="1" noEditPoints="1" noAdjustHandles="1" noChangeArrowheads="1" noChangeShapeType="1" noTextEdit="1"/>
+          </p:cNvSpPr>
+          <p:nvPr>
+            <p:extLst>
+              <p:ext uri="{386F3935-93C4-4BCD-93E2-E3B085C9AB24}">
+                <p16:designElem xmlns:p16="http://schemas.microsoft.com/office/powerpoint/2015/main" val="1"/>
+              </p:ext>
+            </p:extLst>
+          </p:nvPr>
+        </p:nvSpPr>
+        <p:spPr>
+          <a:xfrm>
+            <a:off x="2209800" y="2099696"/>
+            <a:ext cx="1942241" cy="1889551"/>
+          </a:xfrm>
+          <a:prstGeom prst="ellipse">
+            <a:avLst/>
+          </a:prstGeom>
+          <a:solidFill>
+            <a:schemeClr val="accent4"/>
+          </a:solidFill>
+          <a:ln>
+            <a:noFill/>
+          </a:ln>
+        </p:spPr>
+        <p:style>
+          <a:lnRef idx="2">
+            <a:schemeClr val="accent1">
+              <a:shade val="50000"/>
+            </a:schemeClr>
+          </a:lnRef>
+          <a:fillRef idx="1">
+            <a:schemeClr val="accent1"/>
+          </a:fillRef>
+          <a:effectRef idx="0">
+            <a:schemeClr val="accent1"/>
+          </a:effectRef>
+          <a:fontRef idx="minor">
+            <a:schemeClr val="lt1"/>
+          </a:fontRef>
+        </p:style>
+        <p:txBody>
+          <a:bodyPr rtlCol="0" anchor="ctr"/>
+          <a:lstStyle/>
+          <a:p>
+            <a:pPr marL="0" marR="0" lvl="0" indent="0" algn="ctr" defTabSz="914400" rtl="0" eaLnBrk="1" fontAlgn="auto" latinLnBrk="0" hangingPunct="1">
+              <a:lnSpc>
+                <a:spcPct val="100000"/>
+              </a:lnSpc>
+              <a:spcBef>
+                <a:spcPts val="0"/>
+              </a:spcBef>
+              <a:spcAft>
+                <a:spcPts val="0"/>
+              </a:spcAft>
+              <a:buClrTx/>
+              <a:buSzTx/>
+              <a:buFontTx/>
+              <a:buNone/>
+              <a:tabLst/>
+              <a:defRPr/>
+            </a:pPr>
+            <a:endParaRPr kumimoji="0" lang="en-US" sz="1800" b="0" i="0" u="none" strike="noStrike" kern="1200" cap="none" spc="0" normalizeH="0" baseline="0" noProof="0">
+              <a:ln>
+                <a:noFill/>
+              </a:ln>
+              <a:solidFill>
+                <a:srgbClr val="FFFFFF"/>
+              </a:solidFill>
+              <a:effectLst/>
+              <a:uLnTx/>
+              <a:uFillTx/>
+              <a:latin typeface="Calibri" panose="020F0502020204030204"/>
+              <a:ea typeface="+mn-ea"/>
+              <a:cs typeface="+mn-cs"/>
+            </a:endParaRPr>
+          </a:p>
+        </p:txBody>
+      </p:sp>
+      <p:sp>
+        <p:nvSpPr>
+          <p:cNvPr id="15" name="Arc 14">
+            <a:extLst>
+              <a:ext uri="{FF2B5EF4-FFF2-40B4-BE49-F238E27FC236}">
+                <a16:creationId xmlns:a16="http://schemas.microsoft.com/office/drawing/2014/main" id="{22D09ED2-868F-42C6-866E-F92E0CEF314F}"/>
+              </a:ext>
+              <a:ext uri="{C183D7F6-B498-43B3-948B-1728B52AA6E4}">
+                <adec:decorative xmlns:adec="http://schemas.microsoft.com/office/drawing/2017/decorative" val="1"/>
+              </a:ext>
+            </a:extLst>
+          </p:cNvPr>
+          <p:cNvSpPr>
+            <a:spLocks noGrp="1" noRot="1" noChangeAspect="1" noMove="1" noResize="1" noEditPoints="1" noAdjustHandles="1" noChangeArrowheads="1" noChangeShapeType="1" noTextEdit="1"/>
+          </p:cNvSpPr>
+          <p:nvPr>
+            <p:extLst>
+              <p:ext uri="{386F3935-93C4-4BCD-93E2-E3B085C9AB24}">
+                <p16:designElem xmlns:p16="http://schemas.microsoft.com/office/powerpoint/2015/main" val="1"/>
+              </p:ext>
+            </p:extLst>
+          </p:nvPr>
+        </p:nvSpPr>
+        <p:spPr>
+          <a:xfrm rot="18520172">
+            <a:off x="1613162" y="1492572"/>
+            <a:ext cx="2987899" cy="2987899"/>
+          </a:xfrm>
+          <a:prstGeom prst="arc">
+            <a:avLst>
+              <a:gd name="adj1" fmla="val 14455503"/>
+              <a:gd name="adj2" fmla="val 227775"/>
+            </a:avLst>
+          </a:prstGeom>
+          <a:ln w="127000" cap="rnd">
+            <a:solidFill>
+              <a:schemeClr val="accent4"/>
+            </a:solidFill>
+            <a:prstDash val="dash"/>
+            <a:miter lim="800000"/>
+          </a:ln>
+        </p:spPr>
+        <p:style>
+          <a:lnRef idx="1">
+            <a:schemeClr val="accent1"/>
+          </a:lnRef>
+          <a:fillRef idx="0">
+            <a:schemeClr val="accent1"/>
+          </a:fillRef>
+          <a:effectRef idx="0">
+            <a:schemeClr val="accent1"/>
+          </a:effectRef>
+          <a:fontRef idx="minor">
+            <a:schemeClr val="tx1"/>
+          </a:fontRef>
+        </p:style>
+        <p:txBody>
+          <a:bodyPr rtlCol="0" anchor="ctr"/>
+          <a:lstStyle/>
+          <a:p>
+            <a:pPr marL="0" marR="0" lvl="0" indent="0" algn="ctr" defTabSz="914400" rtl="0" eaLnBrk="1" fontAlgn="auto" latinLnBrk="0" hangingPunct="1">
+              <a:lnSpc>
+                <a:spcPct val="100000"/>
+              </a:lnSpc>
+              <a:spcBef>
+                <a:spcPts val="0"/>
+              </a:spcBef>
+              <a:spcAft>
+                <a:spcPts val="0"/>
+              </a:spcAft>
+              <a:buClrTx/>
+              <a:buSzTx/>
+              <a:buFontTx/>
+              <a:buNone/>
+              <a:tabLst/>
+              <a:defRPr/>
+            </a:pPr>
+            <a:endParaRPr kumimoji="0" lang="en-US" sz="1800" b="0" i="0" u="none" strike="noStrike" kern="1200" cap="none" spc="0" normalizeH="0" baseline="0" noProof="0">
+              <a:ln>
+                <a:noFill/>
+              </a:ln>
+              <a:solidFill>
+                <a:srgbClr val="000000"/>
+              </a:solidFill>
+              <a:effectLst/>
+              <a:uLnTx/>
+              <a:uFillTx/>
+              <a:latin typeface="Calibri" panose="020F0502020204030204"/>
+              <a:ea typeface="+mn-ea"/>
+              <a:cs typeface="+mn-cs"/>
+            </a:endParaRPr>
+          </a:p>
+        </p:txBody>
+      </p:sp>
+      <p:sp>
+        <p:nvSpPr>
+          <p:cNvPr id="2" name="Title 1">
+            <a:extLst>
+              <a:ext uri="{FF2B5EF4-FFF2-40B4-BE49-F238E27FC236}">
+                <a16:creationId xmlns:a16="http://schemas.microsoft.com/office/drawing/2014/main" id="{6602E3A7-B9B6-0398-6F70-F1F9C32F1531}"/>
+              </a:ext>
+            </a:extLst>
+          </p:cNvPr>
+          <p:cNvSpPr>
+            <a:spLocks noGrp="1"/>
+          </p:cNvSpPr>
+          <p:nvPr>
+            <p:ph type="title"/>
+          </p:nvPr>
+        </p:nvSpPr>
+        <p:spPr>
+          <a:xfrm>
+            <a:off x="4743091" y="1852895"/>
+            <a:ext cx="7127043" cy="1140822"/>
+          </a:xfrm>
+        </p:spPr>
+        <p:txBody>
+          <a:bodyPr vert="horz" lIns="91440" tIns="45720" rIns="91440" bIns="45720" rtlCol="0" anchor="b">
+            <a:normAutofit/>
+          </a:bodyPr>
+          <a:lstStyle/>
+          <a:p>
+            <a:pPr algn="ctr"/>
+            <a:r>
+              <a:rPr lang="en-US" sz="6000"/>
+              <a:t>Servizi</a:t>
+            </a:r>
+            <a:endParaRPr lang="en-US" sz="6000">
+              <a:ea typeface="Calibri Light"/>
+              <a:cs typeface="Calibri Light"/>
+            </a:endParaRPr>
+          </a:p>
+        </p:txBody>
+      </p:sp>
+      <p:sp>
+        <p:nvSpPr>
+          <p:cNvPr id="3" name="TextBox 2">
+            <a:extLst>
+              <a:ext uri="{FF2B5EF4-FFF2-40B4-BE49-F238E27FC236}">
+                <a16:creationId xmlns:a16="http://schemas.microsoft.com/office/drawing/2014/main" id="{1078736E-CE4B-6953-5294-554C4B3CC27A}"/>
+              </a:ext>
+            </a:extLst>
+          </p:cNvPr>
+          <p:cNvSpPr txBox="1"/>
+          <p:nvPr/>
+        </p:nvSpPr>
+        <p:spPr>
+          <a:xfrm>
+            <a:off x="5972174" y="3743324"/>
+            <a:ext cx="5724525" cy="923330"/>
+          </a:xfrm>
+          <a:prstGeom prst="rect">
+            <a:avLst/>
+          </a:prstGeom>
+          <a:noFill/>
+        </p:spPr>
+        <p:txBody>
+          <a:bodyPr rot="0" spcFirstLastPara="0" vertOverflow="overflow" horzOverflow="overflow" vert="horz" wrap="square" lIns="91440" tIns="45720" rIns="91440" bIns="45720" numCol="1" spcCol="0" rtlCol="0" fromWordArt="0" anchor="t" anchorCtr="0" forceAA="0" compatLnSpc="1">
+            <a:prstTxWarp prst="textNoShape">
+              <a:avLst/>
+            </a:prstTxWarp>
+            <a:spAutoFit/>
+          </a:bodyPr>
+          <a:lstStyle/>
+          <a:p>
+            <a:pPr marL="285750" indent="-285750">
+              <a:buFont typeface="Arial"/>
+              <a:buChar char="•"/>
+            </a:pPr>
+            <a:r>
+              <a:rPr lang="en-US">
+                <a:ea typeface="Calibri" panose="020F0502020204030204"/>
+                <a:cs typeface="Calibri" panose="020F0502020204030204"/>
+              </a:rPr>
+              <a:t>Java</a:t>
+            </a:r>
+          </a:p>
+          <a:p>
+            <a:pPr marL="285750" indent="-285750" algn="l">
+              <a:buFont typeface="Arial"/>
+              <a:buChar char="•"/>
+            </a:pPr>
+            <a:r>
+              <a:rPr lang="en-US" err="1">
+                <a:ea typeface="Calibri" panose="020F0502020204030204"/>
+                <a:cs typeface="Calibri" panose="020F0502020204030204"/>
+              </a:rPr>
+              <a:t>SpringBoot</a:t>
+            </a:r>
+          </a:p>
+          <a:p>
+            <a:pPr marL="285750" indent="-285750">
+              <a:buFont typeface="Arial"/>
+              <a:buChar char="•"/>
+            </a:pPr>
+            <a:r>
+              <a:rPr lang="en-US">
+                <a:ea typeface="Calibri" panose="020F0502020204030204"/>
+                <a:cs typeface="Calibri" panose="020F0502020204030204"/>
+              </a:rPr>
+              <a:t>...</a:t>
+            </a:r>
+          </a:p>
+        </p:txBody>
+      </p:sp>
+    </p:spTree>
+    <p:extLst>
+      <p:ext uri="{BB962C8B-B14F-4D97-AF65-F5344CB8AC3E}">
+        <p14:creationId xmlns:p14="http://schemas.microsoft.com/office/powerpoint/2010/main" val="3763416179"/>
+      </p:ext>
+    </p:extLst>
+  </p:cSld>
+  <p:clrMapOvr>
+    <a:masterClrMapping/>
+  </p:clrMapOvr>
+</p:sld>
+</file>
+
+<file path=ppt/slides/slide4.xml><?xml version="1.0" encoding="utf-8"?>
+<p:sld xmlns:a="http://schemas.openxmlformats.org/drawingml/2006/main" xmlns:r="http://schemas.openxmlformats.org/officeDocument/2006/relationships" xmlns:p="http://schemas.openxmlformats.org/presentationml/2006/main">
+  <p:cSld>
+    <p:bg>
+      <p:bgPr>
+        <a:solidFill>
+          <a:schemeClr val="bg1"/>
+        </a:solidFill>
+        <a:effectLst/>
+      </p:bgPr>
+    </p:bg>
+    <p:spTree>
+      <p:nvGrpSpPr>
+        <p:cNvPr id="1" name=""/>
+        <p:cNvGrpSpPr/>
+        <p:nvPr/>
+      </p:nvGrpSpPr>
+      <p:grpSpPr>
+        <a:xfrm>
+          <a:off x="0" y="0"/>
+          <a:ext cx="0" cy="0"/>
+          <a:chOff x="0" y="0"/>
+          <a:chExt cx="0" cy="0"/>
+        </a:xfrm>
+      </p:grpSpPr>
+      <p:sp useBgFill="1">
+        <p:nvSpPr>
+          <p:cNvPr id="7" name="Rectangle 6">
+            <a:extLst>
+              <a:ext uri="{FF2B5EF4-FFF2-40B4-BE49-F238E27FC236}">
+                <a16:creationId xmlns:a16="http://schemas.microsoft.com/office/drawing/2014/main" id="{4E1BEB12-92AF-4445-98AD-4C7756E7C93B}"/>
+              </a:ext>
+              <a:ext uri="{C183D7F6-B498-43B3-948B-1728B52AA6E4}">
+                <adec:decorative xmlns:adec="http://schemas.microsoft.com/office/drawing/2017/decorative" val="1"/>
+              </a:ext>
+            </a:extLst>
+          </p:cNvPr>
+          <p:cNvSpPr>
+            <a:spLocks noGrp="1" noRot="1" noChangeAspect="1" noMove="1" noResize="1" noEditPoints="1" noAdjustHandles="1" noChangeArrowheads="1" noChangeShapeType="1" noTextEdit="1"/>
+          </p:cNvSpPr>
+          <p:nvPr>
+            <p:extLst>
+              <p:ext uri="{386F3935-93C4-4BCD-93E2-E3B085C9AB24}">
+                <p16:designElem xmlns:p16="http://schemas.microsoft.com/office/powerpoint/2015/main" val="1"/>
+              </p:ext>
+            </p:extLst>
+          </p:nvPr>
+        </p:nvSpPr>
+        <p:spPr>
+          <a:xfrm>
+            <a:off x="3048" y="0"/>
+            <a:ext cx="12188952" cy="6858000"/>
+          </a:xfrm>
+          <a:prstGeom prst="rect">
+            <a:avLst/>
+          </a:prstGeom>
+          <a:ln>
+            <a:noFill/>
+          </a:ln>
+        </p:spPr>
+        <p:style>
+          <a:lnRef idx="2">
+            <a:schemeClr val="accent1">
+              <a:shade val="50000"/>
+            </a:schemeClr>
+          </a:lnRef>
+          <a:fillRef idx="1">
+            <a:schemeClr val="accent1"/>
+          </a:fillRef>
+          <a:effectRef idx="0">
+            <a:schemeClr val="accent1"/>
+          </a:effectRef>
+          <a:fontRef idx="minor">
+            <a:schemeClr val="lt1"/>
+          </a:fontRef>
+        </p:style>
+        <p:txBody>
+          <a:bodyPr rtlCol="0" anchor="ctr"/>
+          <a:lstStyle/>
+          <a:p>
+            <a:pPr algn="ctr"/>
+            <a:endParaRPr lang="en-US"/>
+          </a:p>
+        </p:txBody>
+      </p:sp>
+      <p:sp>
+        <p:nvSpPr>
+          <p:cNvPr id="9" name="Rectangle 8">
+            <a:extLst>
+              <a:ext uri="{FF2B5EF4-FFF2-40B4-BE49-F238E27FC236}">
+                <a16:creationId xmlns:a16="http://schemas.microsoft.com/office/drawing/2014/main" id="{D0522C2C-7B5C-48A7-A969-03941E5D2E76}"/>
+              </a:ext>
+              <a:ext uri="{C183D7F6-B498-43B3-948B-1728B52AA6E4}">
+                <adec:decorative xmlns:adec="http://schemas.microsoft.com/office/drawing/2017/decorative" val="1"/>
+              </a:ext>
+            </a:extLst>
+          </p:cNvPr>
+          <p:cNvSpPr>
+            <a:spLocks noGrp="1" noRot="1" noChangeAspect="1" noMove="1" noResize="1" noEditPoints="1" noAdjustHandles="1" noChangeArrowheads="1" noChangeShapeType="1" noTextEdit="1"/>
+          </p:cNvSpPr>
+          <p:nvPr>
+            <p:extLst>
+              <p:ext uri="{386F3935-93C4-4BCD-93E2-E3B085C9AB24}">
+                <p16:designElem xmlns:p16="http://schemas.microsoft.com/office/powerpoint/2015/main" val="1"/>
+              </p:ext>
+            </p:extLst>
+          </p:nvPr>
+        </p:nvSpPr>
+        <p:spPr>
+          <a:xfrm>
+            <a:off x="0" y="0"/>
+            <a:ext cx="12192000" cy="6858000"/>
+          </a:xfrm>
+          <a:prstGeom prst="rect">
+            <a:avLst/>
+          </a:prstGeom>
+          <a:solidFill>
+            <a:schemeClr val="accent2"/>
+          </a:solidFill>
+          <a:ln>
+            <a:noFill/>
+          </a:ln>
+        </p:spPr>
+        <p:style>
+          <a:lnRef idx="2">
+            <a:schemeClr val="accent1">
+              <a:shade val="50000"/>
+            </a:schemeClr>
+          </a:lnRef>
+          <a:fillRef idx="1">
+            <a:schemeClr val="accent1"/>
+          </a:fillRef>
+          <a:effectRef idx="0">
+            <a:schemeClr val="accent1"/>
+          </a:effectRef>
+          <a:fontRef idx="minor">
+            <a:schemeClr val="lt1"/>
+          </a:fontRef>
+        </p:style>
+        <p:txBody>
+          <a:bodyPr rtlCol="0" anchor="ctr"/>
+          <a:lstStyle/>
+          <a:p>
+            <a:pPr algn="ctr"/>
+            <a:endParaRPr lang="en-US">
+              <a:solidFill>
+                <a:schemeClr val="tx1"/>
+              </a:solidFill>
+            </a:endParaRPr>
+          </a:p>
+        </p:txBody>
+      </p:sp>
+      <p:sp>
+        <p:nvSpPr>
+          <p:cNvPr id="11" name="Freeform 13">
+            <a:extLst>
+              <a:ext uri="{FF2B5EF4-FFF2-40B4-BE49-F238E27FC236}">
+                <a16:creationId xmlns:a16="http://schemas.microsoft.com/office/drawing/2014/main" id="{9C682A1A-5B2D-4111-BBD6-620165633E5B}"/>
+              </a:ext>
+              <a:ext uri="{C183D7F6-B498-43B3-948B-1728B52AA6E4}">
+                <adec:decorative xmlns:adec="http://schemas.microsoft.com/office/drawing/2017/decorative" val="1"/>
+              </a:ext>
+            </a:extLst>
+          </p:cNvPr>
+          <p:cNvSpPr>
+            <a:spLocks noGrp="1" noRot="1" noChangeAspect="1" noMove="1" noResize="1" noEditPoints="1" noAdjustHandles="1" noChangeArrowheads="1" noChangeShapeType="1" noTextEdit="1"/>
+          </p:cNvSpPr>
+          <p:nvPr>
+            <p:extLst>
+              <p:ext uri="{386F3935-93C4-4BCD-93E2-E3B085C9AB24}">
+                <p16:designElem xmlns:p16="http://schemas.microsoft.com/office/powerpoint/2015/main" val="1"/>
+              </p:ext>
+            </p:extLst>
+          </p:nvPr>
+        </p:nvSpPr>
+        <p:spPr>
+          <a:xfrm>
+            <a:off x="2769476" y="220196"/>
+            <a:ext cx="9422524" cy="6637806"/>
+          </a:xfrm>
+          <a:custGeom>
+            <a:avLst/>
+            <a:gdLst>
+              <a:gd name="connsiteX0" fmla="*/ 4929467 w 8191500"/>
+              <a:gd name="connsiteY0" fmla="*/ 0 h 5770597"/>
+              <a:gd name="connsiteX1" fmla="*/ 8065066 w 8191500"/>
+              <a:gd name="connsiteY1" fmla="*/ 1118513 h 5770597"/>
+              <a:gd name="connsiteX2" fmla="*/ 8191500 w 8191500"/>
+              <a:gd name="connsiteY2" fmla="*/ 1227339 h 5770597"/>
+              <a:gd name="connsiteX3" fmla="*/ 8191500 w 8191500"/>
+              <a:gd name="connsiteY3" fmla="*/ 5770597 h 5770597"/>
+              <a:gd name="connsiteX4" fmla="*/ 79523 w 8191500"/>
+              <a:gd name="connsiteY4" fmla="*/ 5770597 h 5770597"/>
+              <a:gd name="connsiteX5" fmla="*/ 56799 w 8191500"/>
+              <a:gd name="connsiteY5" fmla="*/ 5644158 h 5770597"/>
+              <a:gd name="connsiteX6" fmla="*/ 0 w 8191500"/>
+              <a:gd name="connsiteY6" fmla="*/ 4898209 h 5770597"/>
+              <a:gd name="connsiteX7" fmla="*/ 4929467 w 8191500"/>
+              <a:gd name="connsiteY7" fmla="*/ 0 h 5770597"/>
+            </a:gdLst>
+            <a:ahLst/>
+            <a:cxnLst>
+              <a:cxn ang="0">
+                <a:pos x="connsiteX0" y="connsiteY0"/>
+              </a:cxn>
+              <a:cxn ang="0">
+                <a:pos x="connsiteX1" y="connsiteY1"/>
+              </a:cxn>
+              <a:cxn ang="0">
+                <a:pos x="connsiteX2" y="connsiteY2"/>
+              </a:cxn>
+              <a:cxn ang="0">
+                <a:pos x="connsiteX3" y="connsiteY3"/>
+              </a:cxn>
+              <a:cxn ang="0">
+                <a:pos x="connsiteX4" y="connsiteY4"/>
+              </a:cxn>
+              <a:cxn ang="0">
+                <a:pos x="connsiteX5" y="connsiteY5"/>
+              </a:cxn>
+              <a:cxn ang="0">
+                <a:pos x="connsiteX6" y="connsiteY6"/>
+              </a:cxn>
+              <a:cxn ang="0">
+                <a:pos x="connsiteX7" y="connsiteY7"/>
+              </a:cxn>
+            </a:cxnLst>
+            <a:rect l="l" t="t" r="r" b="b"/>
+            <a:pathLst>
+              <a:path w="8191500" h="5770597">
+                <a:moveTo>
+                  <a:pt x="4929467" y="0"/>
+                </a:moveTo>
+                <a:cubicBezTo>
+                  <a:pt x="6120547" y="0"/>
+                  <a:pt x="7212963" y="419755"/>
+                  <a:pt x="8065066" y="1118513"/>
+                </a:cubicBezTo>
+                <a:lnTo>
+                  <a:pt x="8191500" y="1227339"/>
+                </a:lnTo>
+                <a:lnTo>
+                  <a:pt x="8191500" y="5770597"/>
+                </a:lnTo>
+                <a:lnTo>
+                  <a:pt x="79523" y="5770597"/>
+                </a:lnTo>
+                <a:lnTo>
+                  <a:pt x="56799" y="5644158"/>
+                </a:lnTo>
+                <a:cubicBezTo>
+                  <a:pt x="19398" y="5400934"/>
+                  <a:pt x="0" y="5151822"/>
+                  <a:pt x="0" y="4898209"/>
+                </a:cubicBezTo>
+                <a:cubicBezTo>
+                  <a:pt x="0" y="2193003"/>
+                  <a:pt x="2206998" y="0"/>
+                  <a:pt x="4929467" y="0"/>
+                </a:cubicBezTo>
+                <a:close/>
+              </a:path>
+            </a:pathLst>
+          </a:custGeom>
+          <a:solidFill>
+            <a:schemeClr val="bg1"/>
+          </a:solidFill>
+          <a:ln>
+            <a:noFill/>
+          </a:ln>
+        </p:spPr>
+        <p:style>
+          <a:lnRef idx="2">
+            <a:schemeClr val="accent1">
+              <a:shade val="50000"/>
+            </a:schemeClr>
+          </a:lnRef>
+          <a:fillRef idx="1">
+            <a:schemeClr val="accent1"/>
+          </a:fillRef>
+          <a:effectRef idx="0">
+            <a:schemeClr val="accent1"/>
+          </a:effectRef>
+          <a:fontRef idx="minor">
+            <a:schemeClr val="lt1"/>
+          </a:fontRef>
+        </p:style>
+        <p:txBody>
+          <a:bodyPr wrap="square" rtlCol="0" anchor="ctr">
+            <a:noAutofit/>
+          </a:bodyPr>
+          <a:lstStyle/>
+          <a:p>
+            <a:pPr marL="0" marR="0" lvl="0" indent="0" algn="ctr" defTabSz="914400" rtl="0" eaLnBrk="1" fontAlgn="auto" latinLnBrk="0" hangingPunct="1">
+              <a:lnSpc>
+                <a:spcPct val="100000"/>
+              </a:lnSpc>
+              <a:spcBef>
+                <a:spcPts val="0"/>
+              </a:spcBef>
+              <a:spcAft>
+                <a:spcPts val="0"/>
+              </a:spcAft>
+              <a:buClrTx/>
+              <a:buSzTx/>
+              <a:buFontTx/>
+              <a:buNone/>
+              <a:tabLst/>
+              <a:defRPr/>
+            </a:pPr>
+            <a:endParaRPr kumimoji="0" lang="en-US" sz="1800" b="0" i="0" u="none" strike="noStrike" kern="1200" cap="none" spc="0" normalizeH="0" baseline="0" noProof="0">
+              <a:ln>
+                <a:noFill/>
+              </a:ln>
+              <a:solidFill>
+                <a:srgbClr val="FFFFFF"/>
+              </a:solidFill>
+              <a:effectLst/>
+              <a:uLnTx/>
+              <a:uFillTx/>
+              <a:latin typeface="Calibri" panose="020F0502020204030204"/>
+              <a:ea typeface="+mn-ea"/>
+              <a:cs typeface="+mn-cs"/>
+            </a:endParaRPr>
+          </a:p>
+        </p:txBody>
+      </p:sp>
+      <p:sp>
+        <p:nvSpPr>
+          <p:cNvPr id="13" name="Oval 12">
+            <a:extLst>
+              <a:ext uri="{FF2B5EF4-FFF2-40B4-BE49-F238E27FC236}">
+                <a16:creationId xmlns:a16="http://schemas.microsoft.com/office/drawing/2014/main" id="{D6EE29F2-D77F-4BD0-A20B-334D316A1C9D}"/>
+              </a:ext>
+              <a:ext uri="{C183D7F6-B498-43B3-948B-1728B52AA6E4}">
+                <adec:decorative xmlns:adec="http://schemas.microsoft.com/office/drawing/2017/decorative" val="1"/>
+              </a:ext>
+            </a:extLst>
+          </p:cNvPr>
+          <p:cNvSpPr>
+            <a:spLocks noGrp="1" noRot="1" noChangeAspect="1" noMove="1" noResize="1" noEditPoints="1" noAdjustHandles="1" noChangeArrowheads="1" noChangeShapeType="1" noTextEdit="1"/>
+          </p:cNvSpPr>
+          <p:nvPr>
+            <p:extLst>
+              <p:ext uri="{386F3935-93C4-4BCD-93E2-E3B085C9AB24}">
+                <p16:designElem xmlns:p16="http://schemas.microsoft.com/office/powerpoint/2015/main" val="1"/>
+              </p:ext>
+            </p:extLst>
+          </p:nvPr>
+        </p:nvSpPr>
+        <p:spPr>
+          <a:xfrm>
+            <a:off x="2209800" y="2099696"/>
+            <a:ext cx="1942241" cy="1889551"/>
+          </a:xfrm>
+          <a:prstGeom prst="ellipse">
+            <a:avLst/>
+          </a:prstGeom>
+          <a:solidFill>
+            <a:schemeClr val="accent4"/>
+          </a:solidFill>
+          <a:ln>
+            <a:noFill/>
+          </a:ln>
+        </p:spPr>
+        <p:style>
+          <a:lnRef idx="2">
+            <a:schemeClr val="accent1">
+              <a:shade val="50000"/>
+            </a:schemeClr>
+          </a:lnRef>
+          <a:fillRef idx="1">
+            <a:schemeClr val="accent1"/>
+          </a:fillRef>
+          <a:effectRef idx="0">
+            <a:schemeClr val="accent1"/>
+          </a:effectRef>
+          <a:fontRef idx="minor">
+            <a:schemeClr val="lt1"/>
+          </a:fontRef>
+        </p:style>
+        <p:txBody>
+          <a:bodyPr rtlCol="0" anchor="ctr"/>
+          <a:lstStyle/>
+          <a:p>
+            <a:pPr marL="0" marR="0" lvl="0" indent="0" algn="ctr" defTabSz="914400" rtl="0" eaLnBrk="1" fontAlgn="auto" latinLnBrk="0" hangingPunct="1">
+              <a:lnSpc>
+                <a:spcPct val="100000"/>
+              </a:lnSpc>
+              <a:spcBef>
+                <a:spcPts val="0"/>
+              </a:spcBef>
+              <a:spcAft>
+                <a:spcPts val="0"/>
+              </a:spcAft>
+              <a:buClrTx/>
+              <a:buSzTx/>
+              <a:buFontTx/>
+              <a:buNone/>
+              <a:tabLst/>
+              <a:defRPr/>
+            </a:pPr>
+            <a:endParaRPr kumimoji="0" lang="en-US" sz="1800" b="0" i="0" u="none" strike="noStrike" kern="1200" cap="none" spc="0" normalizeH="0" baseline="0" noProof="0">
+              <a:ln>
+                <a:noFill/>
+              </a:ln>
+              <a:solidFill>
+                <a:srgbClr val="FFFFFF"/>
+              </a:solidFill>
+              <a:effectLst/>
+              <a:uLnTx/>
+              <a:uFillTx/>
+              <a:latin typeface="Calibri" panose="020F0502020204030204"/>
+              <a:ea typeface="+mn-ea"/>
+              <a:cs typeface="+mn-cs"/>
+            </a:endParaRPr>
+          </a:p>
+        </p:txBody>
+      </p:sp>
+      <p:sp>
+        <p:nvSpPr>
+          <p:cNvPr id="15" name="Arc 14">
+            <a:extLst>
+              <a:ext uri="{FF2B5EF4-FFF2-40B4-BE49-F238E27FC236}">
+                <a16:creationId xmlns:a16="http://schemas.microsoft.com/office/drawing/2014/main" id="{22D09ED2-868F-42C6-866E-F92E0CEF314F}"/>
+              </a:ext>
+              <a:ext uri="{C183D7F6-B498-43B3-948B-1728B52AA6E4}">
+                <adec:decorative xmlns:adec="http://schemas.microsoft.com/office/drawing/2017/decorative" val="1"/>
+              </a:ext>
+            </a:extLst>
+          </p:cNvPr>
+          <p:cNvSpPr>
+            <a:spLocks noGrp="1" noRot="1" noChangeAspect="1" noMove="1" noResize="1" noEditPoints="1" noAdjustHandles="1" noChangeArrowheads="1" noChangeShapeType="1" noTextEdit="1"/>
+          </p:cNvSpPr>
+          <p:nvPr>
+            <p:extLst>
+              <p:ext uri="{386F3935-93C4-4BCD-93E2-E3B085C9AB24}">
+                <p16:designElem xmlns:p16="http://schemas.microsoft.com/office/powerpoint/2015/main" val="1"/>
+              </p:ext>
+            </p:extLst>
+          </p:nvPr>
+        </p:nvSpPr>
+        <p:spPr>
+          <a:xfrm rot="18520172">
+            <a:off x="1613162" y="1492572"/>
+            <a:ext cx="2987899" cy="2987899"/>
+          </a:xfrm>
+          <a:prstGeom prst="arc">
+            <a:avLst>
+              <a:gd name="adj1" fmla="val 14455503"/>
+              <a:gd name="adj2" fmla="val 227775"/>
+            </a:avLst>
+          </a:prstGeom>
+          <a:ln w="127000" cap="rnd">
+            <a:solidFill>
+              <a:schemeClr val="accent4"/>
+            </a:solidFill>
+            <a:prstDash val="dash"/>
+            <a:miter lim="800000"/>
+          </a:ln>
+        </p:spPr>
+        <p:style>
+          <a:lnRef idx="1">
+            <a:schemeClr val="accent1"/>
+          </a:lnRef>
+          <a:fillRef idx="0">
+            <a:schemeClr val="accent1"/>
+          </a:fillRef>
+          <a:effectRef idx="0">
+            <a:schemeClr val="accent1"/>
+          </a:effectRef>
+          <a:fontRef idx="minor">
+            <a:schemeClr val="tx1"/>
+          </a:fontRef>
+        </p:style>
+        <p:txBody>
+          <a:bodyPr rtlCol="0" anchor="ctr"/>
+          <a:lstStyle/>
+          <a:p>
+            <a:pPr marL="0" marR="0" lvl="0" indent="0" algn="ctr" defTabSz="914400" rtl="0" eaLnBrk="1" fontAlgn="auto" latinLnBrk="0" hangingPunct="1">
+              <a:lnSpc>
+                <a:spcPct val="100000"/>
+              </a:lnSpc>
+              <a:spcBef>
+                <a:spcPts val="0"/>
+              </a:spcBef>
+              <a:spcAft>
+                <a:spcPts val="0"/>
+              </a:spcAft>
+              <a:buClrTx/>
+              <a:buSzTx/>
+              <a:buFontTx/>
+              <a:buNone/>
+              <a:tabLst/>
+              <a:defRPr/>
+            </a:pPr>
+            <a:endParaRPr kumimoji="0" lang="en-US" sz="1800" b="0" i="0" u="none" strike="noStrike" kern="1200" cap="none" spc="0" normalizeH="0" baseline="0" noProof="0">
+              <a:ln>
+                <a:noFill/>
+              </a:ln>
+              <a:solidFill>
+                <a:srgbClr val="000000"/>
+              </a:solidFill>
+              <a:effectLst/>
+              <a:uLnTx/>
+              <a:uFillTx/>
+              <a:latin typeface="Calibri" panose="020F0502020204030204"/>
+              <a:ea typeface="+mn-ea"/>
+              <a:cs typeface="+mn-cs"/>
+            </a:endParaRPr>
+          </a:p>
+        </p:txBody>
+      </p:sp>
+      <p:sp>
+        <p:nvSpPr>
+          <p:cNvPr id="2" name="Title 1">
+            <a:extLst>
+              <a:ext uri="{FF2B5EF4-FFF2-40B4-BE49-F238E27FC236}">
+                <a16:creationId xmlns:a16="http://schemas.microsoft.com/office/drawing/2014/main" id="{6602E3A7-B9B6-0398-6F70-F1F9C32F1531}"/>
+              </a:ext>
+            </a:extLst>
+          </p:cNvPr>
+          <p:cNvSpPr>
+            <a:spLocks noGrp="1"/>
+          </p:cNvSpPr>
+          <p:nvPr>
+            <p:ph type="title"/>
+          </p:nvPr>
+        </p:nvSpPr>
+        <p:spPr>
+          <a:xfrm>
+            <a:off x="4743091" y="1852895"/>
+            <a:ext cx="7127043" cy="1140822"/>
+          </a:xfrm>
+        </p:spPr>
+        <p:txBody>
+          <a:bodyPr vert="horz" lIns="91440" tIns="45720" rIns="91440" bIns="45720" rtlCol="0" anchor="b">
+            <a:normAutofit/>
+          </a:bodyPr>
+          <a:lstStyle/>
+          <a:p>
+            <a:pPr algn="ctr"/>
+            <a:r>
+              <a:rPr lang="en-US" sz="6000">
+                <a:ea typeface="Calibri Light"/>
+                <a:cs typeface="Calibri Light"/>
+              </a:rPr>
+              <a:t>Authorization</a:t>
+            </a:r>
+          </a:p>
+        </p:txBody>
+      </p:sp>
+      <p:sp>
+        <p:nvSpPr>
+          <p:cNvPr id="3" name="TextBox 2">
+            <a:extLst>
+              <a:ext uri="{FF2B5EF4-FFF2-40B4-BE49-F238E27FC236}">
+                <a16:creationId xmlns:a16="http://schemas.microsoft.com/office/drawing/2014/main" id="{1078736E-CE4B-6953-5294-554C4B3CC27A}"/>
+              </a:ext>
+            </a:extLst>
+          </p:cNvPr>
+          <p:cNvSpPr txBox="1"/>
+          <p:nvPr/>
+        </p:nvSpPr>
+        <p:spPr>
+          <a:xfrm>
+            <a:off x="5972174" y="3743324"/>
+            <a:ext cx="5724525" cy="369332"/>
+          </a:xfrm>
+          <a:prstGeom prst="rect">
+            <a:avLst/>
+          </a:prstGeom>
+          <a:noFill/>
+        </p:spPr>
+        <p:txBody>
+          <a:bodyPr rot="0" spcFirstLastPara="0" vertOverflow="overflow" horzOverflow="overflow" vert="horz" wrap="square" lIns="91440" tIns="45720" rIns="91440" bIns="45720" numCol="1" spcCol="0" rtlCol="0" fromWordArt="0" anchor="t" anchorCtr="0" forceAA="0" compatLnSpc="1">
+            <a:prstTxWarp prst="textNoShape">
+              <a:avLst/>
+            </a:prstTxWarp>
+            <a:spAutoFit/>
+          </a:bodyPr>
+          <a:lstStyle/>
+          <a:p>
+            <a:pPr marL="285750" indent="-285750">
+              <a:buFont typeface="Arial"/>
+              <a:buChar char="•"/>
+            </a:pPr>
+            <a:r>
+              <a:rPr lang="en-US">
+                <a:ea typeface="Calibri" panose="020F0502020204030204"/>
+                <a:cs typeface="Calibri" panose="020F0502020204030204"/>
+              </a:rPr>
+              <a:t>...</a:t>
+            </a:r>
+          </a:p>
+        </p:txBody>
+      </p:sp>
+    </p:spTree>
+    <p:extLst>
+      <p:ext uri="{BB962C8B-B14F-4D97-AF65-F5344CB8AC3E}">
+        <p14:creationId xmlns:p14="http://schemas.microsoft.com/office/powerpoint/2010/main" val="3346043081"/>
+      </p:ext>
+    </p:extLst>
+  </p:cSld>
+  <p:clrMapOvr>
+    <a:masterClrMapping/>
+  </p:clrMapOvr>
+</p:sld>
+</file>
+
+<file path=ppt/slides/slide5.xml><?xml version="1.0" encoding="utf-8"?>
+<p:sld xmlns:a="http://schemas.openxmlformats.org/drawingml/2006/main" xmlns:r="http://schemas.openxmlformats.org/officeDocument/2006/relationships" xmlns:p="http://schemas.openxmlformats.org/presentationml/2006/main">
+  <p:cSld>
+    <p:bg>
+      <p:bgPr>
+        <a:solidFill>
+          <a:schemeClr val="bg1"/>
+        </a:solidFill>
+        <a:effectLst/>
+      </p:bgPr>
+    </p:bg>
+    <p:spTree>
+      <p:nvGrpSpPr>
+        <p:cNvPr id="1" name=""/>
+        <p:cNvGrpSpPr/>
+        <p:nvPr/>
+      </p:nvGrpSpPr>
+      <p:grpSpPr>
+        <a:xfrm>
+          <a:off x="0" y="0"/>
+          <a:ext cx="0" cy="0"/>
+          <a:chOff x="0" y="0"/>
+          <a:chExt cx="0" cy="0"/>
+        </a:xfrm>
+      </p:grpSpPr>
+      <p:sp useBgFill="1">
+        <p:nvSpPr>
+          <p:cNvPr id="48" name="Rectangle 47">
+            <a:extLst>
+              <a:ext uri="{FF2B5EF4-FFF2-40B4-BE49-F238E27FC236}">
+                <a16:creationId xmlns:a16="http://schemas.microsoft.com/office/drawing/2014/main" id="{C4879EFC-8E62-4E00-973C-C45EE9EC676D}"/>
+              </a:ext>
+              <a:ext uri="{C183D7F6-B498-43B3-948B-1728B52AA6E4}">
+                <adec:decorative xmlns:adec="http://schemas.microsoft.com/office/drawing/2017/decorative" val="1"/>
+              </a:ext>
+            </a:extLst>
+          </p:cNvPr>
+          <p:cNvSpPr>
+            <a:spLocks noGrp="1" noRot="1" noChangeAspect="1" noMove="1" noResize="1" noEditPoints="1" noAdjustHandles="1" noChangeArrowheads="1" noChangeShapeType="1" noTextEdit="1"/>
+          </p:cNvSpPr>
+          <p:nvPr>
+            <p:extLst>
+              <p:ext uri="{386F3935-93C4-4BCD-93E2-E3B085C9AB24}">
+                <p16:designElem xmlns:p16="http://schemas.microsoft.com/office/powerpoint/2015/main" val="1"/>
+              </p:ext>
+            </p:extLst>
+          </p:nvPr>
+        </p:nvSpPr>
+        <p:spPr>
+          <a:xfrm>
+            <a:off x="0" y="0"/>
+            <a:ext cx="12188952" cy="6858000"/>
+          </a:xfrm>
+          <a:prstGeom prst="rect">
+            <a:avLst/>
+          </a:prstGeom>
+          <a:ln>
+            <a:noFill/>
+          </a:ln>
+        </p:spPr>
+        <p:style>
+          <a:lnRef idx="2">
+            <a:schemeClr val="accent1">
+              <a:shade val="50000"/>
+            </a:schemeClr>
+          </a:lnRef>
+          <a:fillRef idx="1">
+            <a:schemeClr val="accent1"/>
+          </a:fillRef>
+          <a:effectRef idx="0">
+            <a:schemeClr val="accent1"/>
+          </a:effectRef>
+          <a:fontRef idx="minor">
+            <a:schemeClr val="lt1"/>
+          </a:fontRef>
+        </p:style>
+        <p:txBody>
+          <a:bodyPr rtlCol="0" anchor="ctr"/>
+          <a:lstStyle/>
+          <a:p>
+            <a:pPr algn="ctr"/>
+            <a:endParaRPr lang="en-US"/>
+          </a:p>
+        </p:txBody>
+      </p:sp>
+      <p:sp>
+        <p:nvSpPr>
+          <p:cNvPr id="2" name="Title 1">
+            <a:extLst>
+              <a:ext uri="{FF2B5EF4-FFF2-40B4-BE49-F238E27FC236}">
+                <a16:creationId xmlns:a16="http://schemas.microsoft.com/office/drawing/2014/main" id="{33F6EBFD-17C9-1655-2D2D-1F192248A309}"/>
+              </a:ext>
+            </a:extLst>
+          </p:cNvPr>
+          <p:cNvSpPr>
+            <a:spLocks noGrp="1"/>
+          </p:cNvSpPr>
+          <p:nvPr>
+            <p:ph type="title"/>
+          </p:nvPr>
+        </p:nvSpPr>
+        <p:spPr>
+          <a:xfrm>
+            <a:off x="638881" y="457200"/>
+            <a:ext cx="10909640" cy="1368614"/>
+          </a:xfrm>
+        </p:spPr>
+        <p:txBody>
+          <a:bodyPr vert="horz" lIns="91440" tIns="45720" rIns="91440" bIns="45720" rtlCol="0" anchor="ctr">
+            <a:normAutofit/>
+          </a:bodyPr>
+          <a:lstStyle/>
+          <a:p>
+            <a:pPr algn="ctr"/>
+            <a:r>
+              <a:rPr lang="en-US" sz="6600"/>
+              <a:t>Dependency Graph - SBOM</a:t>
+            </a:r>
+          </a:p>
+          <a:p>
+            <a:pPr algn="ctr"/>
+            <a:endParaRPr lang="en-US" sz="6600"/>
+          </a:p>
+        </p:txBody>
+      </p:sp>
+      <p:sp>
+        <p:nvSpPr>
+          <p:cNvPr id="7" name="TextBox 6">
+            <a:extLst>
+              <a:ext uri="{FF2B5EF4-FFF2-40B4-BE49-F238E27FC236}">
+                <a16:creationId xmlns:a16="http://schemas.microsoft.com/office/drawing/2014/main" id="{D635B334-7D46-D95B-4432-AC0930F51455}"/>
+              </a:ext>
+            </a:extLst>
+          </p:cNvPr>
+          <p:cNvSpPr txBox="1"/>
+          <p:nvPr/>
+        </p:nvSpPr>
+        <p:spPr>
+          <a:xfrm>
+            <a:off x="638881" y="1269418"/>
+            <a:ext cx="10909643" cy="552659"/>
+          </a:xfrm>
+          <a:prstGeom prst="rect">
+            <a:avLst/>
+          </a:prstGeom>
+        </p:spPr>
+        <p:txBody>
+          <a:bodyPr rot="0" spcFirstLastPara="0" vertOverflow="overflow" horzOverflow="overflow" vert="horz" lIns="91440" tIns="45720" rIns="91440" bIns="45720" numCol="1" spcCol="0" rtlCol="0" fromWordArt="0" anchor="ctr" anchorCtr="0" forceAA="0" compatLnSpc="1">
+            <a:prstTxWarp prst="textNoShape">
+              <a:avLst/>
+            </a:prstTxWarp>
+            <a:normAutofit/>
+          </a:bodyPr>
+          <a:lstStyle/>
+          <a:p>
+            <a:pPr algn="ctr">
+              <a:lnSpc>
+                <a:spcPct val="90000"/>
+              </a:lnSpc>
+              <a:spcBef>
+                <a:spcPts val="1000"/>
+              </a:spcBef>
+            </a:pPr>
+            <a:r>
+              <a:rPr lang="en-US" sz="2400"/>
+              <a:t>Licenza scelta: GPL3</a:t>
+            </a:r>
+          </a:p>
+        </p:txBody>
+      </p:sp>
+      <p:sp>
+        <p:nvSpPr>
+          <p:cNvPr id="50" name="sketch line">
+            <a:extLst>
+              <a:ext uri="{FF2B5EF4-FFF2-40B4-BE49-F238E27FC236}">
+                <a16:creationId xmlns:a16="http://schemas.microsoft.com/office/drawing/2014/main" id="{D6A9C53F-5F90-40A5-8C85-5412D39C8C68}"/>
+              </a:ext>
+              <a:ext uri="{C183D7F6-B498-43B3-948B-1728B52AA6E4}">
+                <adec:decorative xmlns:adec="http://schemas.microsoft.com/office/drawing/2017/decorative" val="1"/>
+              </a:ext>
+            </a:extLst>
+          </p:cNvPr>
+          <p:cNvSpPr>
+            <a:spLocks noGrp="1" noRot="1" noChangeAspect="1" noMove="1" noResize="1" noEditPoints="1" noAdjustHandles="1" noChangeArrowheads="1" noChangeShapeType="1" noTextEdit="1"/>
+          </p:cNvSpPr>
+          <p:nvPr>
+            <p:extLst>
+              <p:ext uri="{386F3935-93C4-4BCD-93E2-E3B085C9AB24}">
+                <p16:designElem xmlns:p16="http://schemas.microsoft.com/office/powerpoint/2015/main" val="1"/>
+              </p:ext>
+            </p:extLst>
+          </p:nvPr>
+        </p:nvSpPr>
+        <p:spPr>
+          <a:xfrm>
+            <a:off x="4450080" y="1850683"/>
+            <a:ext cx="3291840" cy="18288"/>
+          </a:xfrm>
+          <a:custGeom>
+            <a:avLst/>
+            <a:gdLst>
+              <a:gd name="connsiteX0" fmla="*/ 0 w 3291840"/>
+              <a:gd name="connsiteY0" fmla="*/ 0 h 18288"/>
+              <a:gd name="connsiteX1" fmla="*/ 658368 w 3291840"/>
+              <a:gd name="connsiteY1" fmla="*/ 0 h 18288"/>
+              <a:gd name="connsiteX2" fmla="*/ 1283818 w 3291840"/>
+              <a:gd name="connsiteY2" fmla="*/ 0 h 18288"/>
+              <a:gd name="connsiteX3" fmla="*/ 1909267 w 3291840"/>
+              <a:gd name="connsiteY3" fmla="*/ 0 h 18288"/>
+              <a:gd name="connsiteX4" fmla="*/ 2633472 w 3291840"/>
+              <a:gd name="connsiteY4" fmla="*/ 0 h 18288"/>
+              <a:gd name="connsiteX5" fmla="*/ 3291840 w 3291840"/>
+              <a:gd name="connsiteY5" fmla="*/ 0 h 18288"/>
+              <a:gd name="connsiteX6" fmla="*/ 3291840 w 3291840"/>
+              <a:gd name="connsiteY6" fmla="*/ 18288 h 18288"/>
+              <a:gd name="connsiteX7" fmla="*/ 2633472 w 3291840"/>
+              <a:gd name="connsiteY7" fmla="*/ 18288 h 18288"/>
+              <a:gd name="connsiteX8" fmla="*/ 2073859 w 3291840"/>
+              <a:gd name="connsiteY8" fmla="*/ 18288 h 18288"/>
+              <a:gd name="connsiteX9" fmla="*/ 1448410 w 3291840"/>
+              <a:gd name="connsiteY9" fmla="*/ 18288 h 18288"/>
+              <a:gd name="connsiteX10" fmla="*/ 822960 w 3291840"/>
+              <a:gd name="connsiteY10" fmla="*/ 18288 h 18288"/>
+              <a:gd name="connsiteX11" fmla="*/ 0 w 3291840"/>
+              <a:gd name="connsiteY11" fmla="*/ 18288 h 18288"/>
+              <a:gd name="connsiteX12" fmla="*/ 0 w 3291840"/>
+              <a:gd name="connsiteY12" fmla="*/ 0 h 18288"/>
+            </a:gdLst>
+            <a:ahLst/>
+            <a:cxnLst>
+              <a:cxn ang="0">
+                <a:pos x="connsiteX0" y="connsiteY0"/>
+              </a:cxn>
+              <a:cxn ang="0">
+                <a:pos x="connsiteX1" y="connsiteY1"/>
+              </a:cxn>
+              <a:cxn ang="0">
+                <a:pos x="connsiteX2" y="connsiteY2"/>
+              </a:cxn>
+              <a:cxn ang="0">
+                <a:pos x="connsiteX3" y="connsiteY3"/>
+              </a:cxn>
+              <a:cxn ang="0">
+                <a:pos x="connsiteX4" y="connsiteY4"/>
+              </a:cxn>
+              <a:cxn ang="0">
+                <a:pos x="connsiteX5" y="connsiteY5"/>
+              </a:cxn>
+              <a:cxn ang="0">
+                <a:pos x="connsiteX6" y="connsiteY6"/>
+              </a:cxn>
+              <a:cxn ang="0">
+                <a:pos x="connsiteX7" y="connsiteY7"/>
+              </a:cxn>
+              <a:cxn ang="0">
+                <a:pos x="connsiteX8" y="connsiteY8"/>
+              </a:cxn>
+              <a:cxn ang="0">
+                <a:pos x="connsiteX9" y="connsiteY9"/>
+              </a:cxn>
+              <a:cxn ang="0">
+                <a:pos x="connsiteX10" y="connsiteY10"/>
+              </a:cxn>
+              <a:cxn ang="0">
+                <a:pos x="connsiteX11" y="connsiteY11"/>
+              </a:cxn>
+              <a:cxn ang="0">
+                <a:pos x="connsiteX12" y="connsiteY12"/>
+              </a:cxn>
+            </a:cxnLst>
+            <a:rect l="l" t="t" r="r" b="b"/>
+            <a:pathLst>
+              <a:path w="3291840" h="18288" fill="none" extrusionOk="0">
+                <a:moveTo>
+                  <a:pt x="0" y="0"/>
+                </a:moveTo>
+                <a:cubicBezTo>
+                  <a:pt x="173077" y="-20031"/>
+                  <a:pt x="443104" y="6424"/>
+                  <a:pt x="658368" y="0"/>
+                </a:cubicBezTo>
+                <a:cubicBezTo>
+                  <a:pt x="873632" y="-6424"/>
+                  <a:pt x="1034028" y="11764"/>
+                  <a:pt x="1283818" y="0"/>
+                </a:cubicBezTo>
+                <a:cubicBezTo>
+                  <a:pt x="1533608" y="-11764"/>
+                  <a:pt x="1691227" y="-30112"/>
+                  <a:pt x="1909267" y="0"/>
+                </a:cubicBezTo>
+                <a:cubicBezTo>
+                  <a:pt x="2127307" y="30112"/>
+                  <a:pt x="2272465" y="-18735"/>
+                  <a:pt x="2633472" y="0"/>
+                </a:cubicBezTo>
+                <a:cubicBezTo>
+                  <a:pt x="2994479" y="18735"/>
+                  <a:pt x="3023324" y="-32030"/>
+                  <a:pt x="3291840" y="0"/>
+                </a:cubicBezTo>
+                <a:cubicBezTo>
+                  <a:pt x="3291406" y="7551"/>
+                  <a:pt x="3291373" y="9822"/>
+                  <a:pt x="3291840" y="18288"/>
+                </a:cubicBezTo>
+                <a:cubicBezTo>
+                  <a:pt x="3048445" y="38989"/>
+                  <a:pt x="2846548" y="-14400"/>
+                  <a:pt x="2633472" y="18288"/>
+                </a:cubicBezTo>
+                <a:cubicBezTo>
+                  <a:pt x="2420396" y="50976"/>
+                  <a:pt x="2304099" y="6336"/>
+                  <a:pt x="2073859" y="18288"/>
+                </a:cubicBezTo>
+                <a:cubicBezTo>
+                  <a:pt x="1843619" y="30240"/>
+                  <a:pt x="1706926" y="10778"/>
+                  <a:pt x="1448410" y="18288"/>
+                </a:cubicBezTo>
+                <a:cubicBezTo>
+                  <a:pt x="1189894" y="25798"/>
+                  <a:pt x="1002278" y="8992"/>
+                  <a:pt x="822960" y="18288"/>
+                </a:cubicBezTo>
+                <a:cubicBezTo>
+                  <a:pt x="643642" y="27585"/>
+                  <a:pt x="307039" y="38051"/>
+                  <a:pt x="0" y="18288"/>
+                </a:cubicBezTo>
+                <a:cubicBezTo>
+                  <a:pt x="60" y="11696"/>
+                  <a:pt x="66" y="3758"/>
+                  <a:pt x="0" y="0"/>
+                </a:cubicBezTo>
+                <a:close/>
+              </a:path>
+              <a:path w="3291840" h="18288" stroke="0" extrusionOk="0">
+                <a:moveTo>
+                  <a:pt x="0" y="0"/>
+                </a:moveTo>
+                <a:cubicBezTo>
+                  <a:pt x="195850" y="28018"/>
+                  <a:pt x="434891" y="17390"/>
+                  <a:pt x="592531" y="0"/>
+                </a:cubicBezTo>
+                <a:cubicBezTo>
+                  <a:pt x="750171" y="-17390"/>
+                  <a:pt x="1018709" y="32200"/>
+                  <a:pt x="1316736" y="0"/>
+                </a:cubicBezTo>
+                <a:cubicBezTo>
+                  <a:pt x="1614763" y="-32200"/>
+                  <a:pt x="1696480" y="-11367"/>
+                  <a:pt x="1876349" y="0"/>
+                </a:cubicBezTo>
+                <a:cubicBezTo>
+                  <a:pt x="2056218" y="11367"/>
+                  <a:pt x="2193364" y="13433"/>
+                  <a:pt x="2435962" y="0"/>
+                </a:cubicBezTo>
+                <a:cubicBezTo>
+                  <a:pt x="2678560" y="-13433"/>
+                  <a:pt x="3010901" y="-42367"/>
+                  <a:pt x="3291840" y="0"/>
+                </a:cubicBezTo>
+                <a:cubicBezTo>
+                  <a:pt x="3291758" y="4406"/>
+                  <a:pt x="3291751" y="9982"/>
+                  <a:pt x="3291840" y="18288"/>
+                </a:cubicBezTo>
+                <a:cubicBezTo>
+                  <a:pt x="3108993" y="14228"/>
+                  <a:pt x="2952658" y="46900"/>
+                  <a:pt x="2666390" y="18288"/>
+                </a:cubicBezTo>
+                <a:cubicBezTo>
+                  <a:pt x="2380122" y="-10324"/>
+                  <a:pt x="2263855" y="41055"/>
+                  <a:pt x="2040941" y="18288"/>
+                </a:cubicBezTo>
+                <a:cubicBezTo>
+                  <a:pt x="1818027" y="-4479"/>
+                  <a:pt x="1675097" y="6509"/>
+                  <a:pt x="1415491" y="18288"/>
+                </a:cubicBezTo>
+                <a:cubicBezTo>
+                  <a:pt x="1155885" y="30068"/>
+                  <a:pt x="852976" y="36210"/>
+                  <a:pt x="691286" y="18288"/>
+                </a:cubicBezTo>
+                <a:cubicBezTo>
+                  <a:pt x="529596" y="366"/>
+                  <a:pt x="187183" y="13912"/>
+                  <a:pt x="0" y="18288"/>
+                </a:cubicBezTo>
+                <a:cubicBezTo>
+                  <a:pt x="189" y="14288"/>
+                  <a:pt x="-703" y="3747"/>
+                  <a:pt x="0" y="0"/>
+                </a:cubicBezTo>
+                <a:close/>
+              </a:path>
+            </a:pathLst>
+          </a:custGeom>
+          <a:solidFill>
+            <a:schemeClr val="accent2"/>
+          </a:solidFill>
+          <a:ln w="41275" cap="rnd">
+            <a:solidFill>
+              <a:schemeClr val="accent2"/>
+            </a:solidFill>
+            <a:round/>
+            <a:extLst>
+              <a:ext uri="{C807C97D-BFC1-408E-A445-0C87EB9F89A2}">
+                <ask:lineSketchStyleProps xmlns:ask="http://schemas.microsoft.com/office/drawing/2018/sketchyshapes" sd="2863741219">
+                  <a:prstGeom prst="rect">
+                    <a:avLst/>
+                  </a:prstGeom>
+                  <ask:type>
+                    <ask:lineSketchFreehand/>
+                  </ask:type>
+                </ask:lineSketchStyleProps>
+              </a:ext>
+            </a:extLst>
+          </a:ln>
+        </p:spPr>
+        <p:style>
+          <a:lnRef idx="2">
+            <a:schemeClr val="accent1">
+              <a:shade val="50000"/>
+            </a:schemeClr>
+          </a:lnRef>
+          <a:fillRef idx="1">
+            <a:schemeClr val="accent1"/>
+          </a:fillRef>
+          <a:effectRef idx="0">
+            <a:schemeClr val="accent1"/>
+          </a:effectRef>
+          <a:fontRef idx="minor">
+            <a:schemeClr val="lt1"/>
+          </a:fontRef>
+        </p:style>
+        <p:txBody>
+          <a:bodyPr rtlCol="0" anchor="ctr"/>
+          <a:lstStyle/>
+          <a:p>
+            <a:pPr algn="ctr"/>
+            <a:endParaRPr lang="en-US"/>
+          </a:p>
+        </p:txBody>
+      </p:sp>
+      <p:pic>
+        <p:nvPicPr>
+          <p:cNvPr id="6" name="Picture 5" descr="A screenshot of a computer screen&#10;&#10;Description automatically generated">
+            <a:extLst>
+              <a:ext uri="{FF2B5EF4-FFF2-40B4-BE49-F238E27FC236}">
+                <a16:creationId xmlns:a16="http://schemas.microsoft.com/office/drawing/2014/main" id="{74DA3D1A-91BA-65F8-8A5F-7788247BC788}"/>
+              </a:ext>
+            </a:extLst>
+          </p:cNvPr>
+          <p:cNvPicPr>
+            <a:picLocks noChangeAspect="1"/>
+          </p:cNvPicPr>
+          <p:nvPr/>
+        </p:nvPicPr>
+        <p:blipFill>
+          <a:blip r:embed="rId2"/>
+          <a:srcRect l="25241" t="23211" r="25241" b="24371"/>
+          <a:stretch/>
+        </p:blipFill>
+        <p:spPr>
+          <a:xfrm>
+            <a:off x="6852595" y="2071116"/>
+            <a:ext cx="4699432" cy="4177284"/>
+          </a:xfrm>
+          <a:prstGeom prst="rect">
+            <a:avLst/>
+          </a:prstGeom>
+        </p:spPr>
+      </p:pic>
+      <p:pic>
+        <p:nvPicPr>
+          <p:cNvPr id="3" name="Picture 2" descr="A screenshot of a computer code&#10;&#10;Description automatically generated">
+            <a:extLst>
+              <a:ext uri="{FF2B5EF4-FFF2-40B4-BE49-F238E27FC236}">
+                <a16:creationId xmlns:a16="http://schemas.microsoft.com/office/drawing/2014/main" id="{F3CEC248-E0C7-711E-CBDF-C61868FFF881}"/>
+              </a:ext>
+            </a:extLst>
+          </p:cNvPr>
+          <p:cNvPicPr>
+            <a:picLocks noChangeAspect="1"/>
+          </p:cNvPicPr>
+          <p:nvPr/>
+        </p:nvPicPr>
+        <p:blipFill>
+          <a:blip r:embed="rId3"/>
+          <a:stretch>
+            <a:fillRect/>
+          </a:stretch>
+        </p:blipFill>
+        <p:spPr>
+          <a:xfrm>
+            <a:off x="641785" y="2073043"/>
+            <a:ext cx="4708723" cy="4187372"/>
+          </a:xfrm>
+          <a:prstGeom prst="rect">
+            <a:avLst/>
+          </a:prstGeom>
+          <a:ln>
+            <a:noFill/>
+          </a:ln>
+        </p:spPr>
+      </p:pic>
+    </p:spTree>
+    <p:extLst>
+      <p:ext uri="{BB962C8B-B14F-4D97-AF65-F5344CB8AC3E}">
+        <p14:creationId xmlns:p14="http://schemas.microsoft.com/office/powerpoint/2010/main" val="3563860645"/>
+      </p:ext>
+    </p:extLst>
+  </p:cSld>
+  <p:clrMapOvr>
+    <a:masterClrMapping/>
+  </p:clrMapOvr>
+</p:sld>
+</file>
+
+<file path=ppt/slides/slide6.xml><?xml version="1.0" encoding="utf-8"?>
+<p:sld xmlns:a="http://schemas.openxmlformats.org/drawingml/2006/main" xmlns:r="http://schemas.openxmlformats.org/officeDocument/2006/relationships" xmlns:p="http://schemas.openxmlformats.org/presentationml/2006/main">
+  <p:cSld>
+    <p:bg>
+      <p:bgPr>
+        <a:solidFill>
+          <a:schemeClr val="bg1"/>
+        </a:solidFill>
+        <a:effectLst/>
+      </p:bgPr>
+    </p:bg>
+    <p:spTree>
+      <p:nvGrpSpPr>
+        <p:cNvPr id="1" name=""/>
+        <p:cNvGrpSpPr/>
+        <p:nvPr/>
+      </p:nvGrpSpPr>
+      <p:grpSpPr>
+        <a:xfrm>
+          <a:off x="0" y="0"/>
+          <a:ext cx="0" cy="0"/>
+          <a:chOff x="0" y="0"/>
+          <a:chExt cx="0" cy="0"/>
+        </a:xfrm>
+      </p:grpSpPr>
+      <p:sp>
+        <p:nvSpPr>
+          <p:cNvPr id="3" name="TextBox 2">
+            <a:extLst>
+              <a:ext uri="{FF2B5EF4-FFF2-40B4-BE49-F238E27FC236}">
+                <a16:creationId xmlns:a16="http://schemas.microsoft.com/office/drawing/2014/main" id="{1FF69529-07C0-BF27-E79A-C382B290EBB6}"/>
+              </a:ext>
+            </a:extLst>
+          </p:cNvPr>
+          <p:cNvSpPr txBox="1"/>
+          <p:nvPr/>
+        </p:nvSpPr>
+        <p:spPr>
+          <a:xfrm>
+            <a:off x="1091513" y="154459"/>
+            <a:ext cx="10023388" cy="1283428"/>
+          </a:xfrm>
+          <a:prstGeom prst="rect">
+            <a:avLst/>
+          </a:prstGeom>
+          <a:noFill/>
+        </p:spPr>
+        <p:txBody>
+          <a:bodyPr rot="0" spcFirstLastPara="0" vertOverflow="overflow" horzOverflow="overflow" vert="horz" wrap="square" lIns="91440" tIns="45720" rIns="91440" bIns="45720" numCol="1" spcCol="0" rtlCol="0" fromWordArt="0" anchor="t" anchorCtr="0" forceAA="0" compatLnSpc="1">
+            <a:prstTxWarp prst="textNoShape">
+              <a:avLst/>
+            </a:prstTxWarp>
+            <a:spAutoFit/>
+          </a:bodyPr>
+          <a:lstStyle/>
+          <a:p>
+            <a:pPr algn="ctr">
+              <a:lnSpc>
+                <a:spcPct val="90000"/>
+              </a:lnSpc>
+              <a:spcBef>
+                <a:spcPct val="0"/>
+              </a:spcBef>
+            </a:pPr>
+            <a:r>
+              <a:rPr lang="en-US" sz="6600" dirty="0">
+                <a:latin typeface="Calibri Light"/>
+                <a:ea typeface="Calibri Light"/>
+                <a:cs typeface="Calibri Light"/>
+              </a:rPr>
+              <a:t>APIs Structure</a:t>
+            </a:r>
+          </a:p>
+          <a:p>
+            <a:pPr algn="l"/>
+            <a:endParaRPr lang="en-US" dirty="0">
+              <a:ea typeface="Calibri"/>
+              <a:cs typeface="Calibri"/>
+            </a:endParaRPr>
+          </a:p>
+        </p:txBody>
+      </p:sp>
+      <p:pic>
+        <p:nvPicPr>
+          <p:cNvPr id="5" name="Picture 4" descr="A diagram of a computer&#10;&#10;Description automatically generated">
+            <a:extLst>
+              <a:ext uri="{FF2B5EF4-FFF2-40B4-BE49-F238E27FC236}">
+                <a16:creationId xmlns:a16="http://schemas.microsoft.com/office/drawing/2014/main" id="{02045A60-45F2-3896-62AB-614E0365821F}"/>
               </a:ext>
             </a:extLst>
           </p:cNvPr>
@@ -3003,8 +6312,8 @@
         </p:blipFill>
         <p:spPr>
           <a:xfrm>
-            <a:off x="2514600" y="1366694"/>
-            <a:ext cx="4114800" cy="4114800"/>
+            <a:off x="1092755" y="1824681"/>
+            <a:ext cx="4342977" cy="4114800"/>
           </a:xfrm>
           <a:prstGeom prst="rect">
             <a:avLst/>
@@ -3014,10 +6323,40 @@
           </a:ln>
         </p:spPr>
       </p:pic>
+      <p:pic>
+        <p:nvPicPr>
+          <p:cNvPr id="8" name="Picture 7" descr="A screenshot of a computer&#10;&#10;Description automatically generated">
+            <a:extLst>
+              <a:ext uri="{FF2B5EF4-FFF2-40B4-BE49-F238E27FC236}">
+                <a16:creationId xmlns:a16="http://schemas.microsoft.com/office/drawing/2014/main" id="{2332106F-3BE2-37D1-95B0-7CF1C96703FE}"/>
+              </a:ext>
+            </a:extLst>
+          </p:cNvPr>
+          <p:cNvPicPr>
+            <a:picLocks noChangeAspect="1"/>
+          </p:cNvPicPr>
+          <p:nvPr/>
+        </p:nvPicPr>
+        <p:blipFill>
+          <a:blip r:embed="rId3"/>
+          <a:stretch>
+            <a:fillRect/>
+          </a:stretch>
+        </p:blipFill>
+        <p:spPr>
+          <a:xfrm>
+            <a:off x="6143110" y="2781944"/>
+            <a:ext cx="4972050" cy="2200275"/>
+          </a:xfrm>
+          <a:prstGeom prst="rect">
+            <a:avLst/>
+          </a:prstGeom>
+        </p:spPr>
+      </p:pic>
     </p:spTree>
     <p:extLst>
       <p:ext uri="{BB962C8B-B14F-4D97-AF65-F5344CB8AC3E}">
-        <p14:creationId xmlns:p14="http://schemas.microsoft.com/office/powerpoint/2010/main" val="109857222"/>
+        <p14:creationId xmlns:p14="http://schemas.microsoft.com/office/powerpoint/2010/main" val="847191899"/>
       </p:ext>
     </p:extLst>
   </p:cSld>
@@ -3028,9 +6367,9 @@
 </file>
 
 <file path=ppt/theme/theme1.xml><?xml version="1.0" encoding="utf-8"?>
-<a:theme xmlns:a="http://schemas.openxmlformats.org/drawingml/2006/main" name="office theme">
+<a:theme xmlns:a="http://schemas.openxmlformats.org/drawingml/2006/main" name="Office Theme">
   <a:themeElements>
-    <a:clrScheme name="Office">
+    <a:clrScheme name="Office Theme">
       <a:dk1>
         <a:sysClr val="windowText" lastClr="000000"/>
       </a:dk1>
@@ -3038,44 +6377,44 @@
         <a:sysClr val="window" lastClr="FFFFFF"/>
       </a:lt1>
       <a:dk2>
-        <a:srgbClr val="0E2841"/>
+        <a:srgbClr val="44546A"/>
       </a:dk2>
       <a:lt2>
-        <a:srgbClr val="E8E8E8"/>
+        <a:srgbClr val="E7E6E6"/>
       </a:lt2>
       <a:accent1>
-        <a:srgbClr val="156082"/>
+        <a:srgbClr val="4472C4"/>
       </a:accent1>
       <a:accent2>
-        <a:srgbClr val="E97132"/>
+        <a:srgbClr val="ED7D31"/>
       </a:accent2>
       <a:accent3>
-        <a:srgbClr val="196B24"/>
+        <a:srgbClr val="A5A5A5"/>
       </a:accent3>
       <a:accent4>
-        <a:srgbClr val="0F9ED5"/>
+        <a:srgbClr val="FFC000"/>
       </a:accent4>
       <a:accent5>
-        <a:srgbClr val="A02B93"/>
+        <a:srgbClr val="5B9BD5"/>
       </a:accent5>
       <a:accent6>
-        <a:srgbClr val="4EA72E"/>
+        <a:srgbClr val="70AD47"/>
       </a:accent6>
       <a:hlink>
-        <a:srgbClr val="467886"/>
+        <a:srgbClr val="0563C1"/>
       </a:hlink>
       <a:folHlink>
-        <a:srgbClr val="96607D"/>
+        <a:srgbClr val="954F72"/>
       </a:folHlink>
     </a:clrScheme>
     <a:fontScheme name="Office Theme">
       <a:majorFont>
-        <a:latin typeface="Aptos Display" panose="020F0302020204030204"/>
+        <a:latin typeface="Calibri Light" panose="020F0302020204030204"/>
         <a:ea typeface=""/>
         <a:cs typeface=""/>
-        <a:font script="Jpan" typeface="ＭＳ Ｐゴシック"/>
+        <a:font script="Jpan" typeface="游ゴシック Light"/>
         <a:font script="Hang" typeface="맑은 고딕"/>
-        <a:font script="Hans" typeface="宋体"/>
+        <a:font script="Hans" typeface="等线 Light"/>
         <a:font script="Hant" typeface="新細明體"/>
         <a:font script="Arab" typeface="Times New Roman"/>
         <a:font script="Hebr" typeface="Times New Roman"/>
@@ -3105,12 +6444,12 @@
         <a:font script="Geor" typeface="Sylfaen"/>
       </a:majorFont>
       <a:minorFont>
-        <a:latin typeface="Aptos" panose="020B0004020202020204"/>
+        <a:latin typeface="Calibri" panose="020F0502020204030204"/>
         <a:ea typeface=""/>
         <a:cs typeface=""/>
-        <a:font script="Jpan" typeface="ＭＳ Ｐゴシック"/>
+        <a:font script="Jpan" typeface="游ゴシック"/>
         <a:font script="Hang" typeface="맑은 고딕"/>
-        <a:font script="Hans" typeface="宋体"/>
+        <a:font script="Hans" typeface="等线"/>
         <a:font script="Hant" typeface="新細明體"/>
         <a:font script="Arab" typeface="Arial"/>
         <a:font script="Hebr" typeface="Arial"/>
@@ -3199,6 +6538,13 @@
         </a:gradFill>
       </a:fillStyleLst>
       <a:lnStyleLst>
+        <a:ln w="6350" cap="flat" cmpd="sng" algn="ctr">
+          <a:solidFill>
+            <a:schemeClr val="phClr"/>
+          </a:solidFill>
+          <a:prstDash val="solid"/>
+          <a:miter lim="800000"/>
+        </a:ln>
         <a:ln w="12700" cap="flat" cmpd="sng" algn="ctr">
           <a:solidFill>
             <a:schemeClr val="phClr"/>
@@ -3207,13 +6553,6 @@
           <a:miter lim="800000"/>
         </a:ln>
         <a:ln w="19050" cap="flat" cmpd="sng" algn="ctr">
-          <a:solidFill>
-            <a:schemeClr val="phClr"/>
-          </a:solidFill>
-          <a:prstDash val="solid"/>
-          <a:miter lim="800000"/>
-        </a:ln>
-        <a:ln w="25400" cap="flat" cmpd="sng" algn="ctr">
           <a:solidFill>
             <a:schemeClr val="phClr"/>
           </a:solidFill>
@@ -3278,31 +6617,11 @@
       </a:bgFillStyleLst>
     </a:fmtScheme>
   </a:themeElements>
-  <a:objectDefaults>
-    <a:lnDef>
-      <a:spPr/>
-      <a:bodyPr/>
-      <a:lstStyle/>
-      <a:style>
-        <a:lnRef idx="2">
-          <a:schemeClr val="accent1"/>
-        </a:lnRef>
-        <a:fillRef idx="0">
-          <a:schemeClr val="accent1"/>
-        </a:fillRef>
-        <a:effectRef idx="1">
-          <a:schemeClr val="accent1"/>
-        </a:effectRef>
-        <a:fontRef idx="minor">
-          <a:schemeClr val="tx1"/>
-        </a:fontRef>
-      </a:style>
-    </a:lnDef>
-  </a:objectDefaults>
+  <a:objectDefaults/>
   <a:extraClrSchemeLst/>
   <a:extLst>
     <a:ext uri="{05A4C25C-085E-4340-85A3-A5531E510DB2}">
-      <thm15:themeFamily xmlns:thm15="http://schemas.microsoft.com/office/thememl/2012/main" name="Office Theme" id="{2E142A2C-CD16-42D6-873A-C26D2A0506FA}" vid="{1BDDFF52-6CD6-40A5-AB3C-68EB2F1E4D0A}"/>
+      <thm15:themeFamily xmlns:thm15="http://schemas.microsoft.com/office/thememl/2012/main" name="Office Theme" id="{62F939B6-93AF-4DB8-9C6B-D6C7DFDC589F}" vid="{4A3C46E8-61CC-4603-A589-7422A47A8E4A}"/>
     </a:ext>
   </a:extLst>
 </a:theme>
